--- a/A. Raspberry Pi - Image Processing/#6 - Computer Vision Part 2 (Crop, Resize, Convert Color)/P6 - Computer Vision Part 2 (Crop, Resize, Convert Color).pptx
+++ b/A. Raspberry Pi - Image Processing/#6 - Computer Vision Part 2 (Crop, Resize, Convert Color)/P6 - Computer Vision Part 2 (Crop, Resize, Convert Color).pptx
@@ -4350,7 +4350,19 @@
                 <a:rPr lang="en-US">
                   <a:sym typeface="+mn-ea"/>
                 </a:rPr>
-                <a:t>show_image(resize_img)</a:t>
+                <a:t>show_image(resize_img</a:t>
+              </a:r>
+              <a:r>
+                <a:rPr lang="en-US">
+                  <a:sym typeface="+mn-ea"/>
+                </a:rPr>
+                <a:t>, title= 'resized image'</a:t>
+              </a:r>
+              <a:r>
+                <a:rPr lang="en-US">
+                  <a:sym typeface="+mn-ea"/>
+                </a:rPr>
+                <a:t>)</a:t>
               </a:r>
               <a:endParaRPr lang="en-US">
                 <a:sym typeface="+mn-ea"/>
@@ -4696,7 +4708,19 @@
               <a:rPr lang="en-US">
                 <a:sym typeface="+mn-ea"/>
               </a:rPr>
-              <a:t>show_image(resize_img)</a:t>
+              <a:t>show_image(resize_img</a:t>
+            </a:r>
+            <a:r>
+              <a:rPr lang="en-US">
+                <a:sym typeface="+mn-ea"/>
+              </a:rPr>
+              <a:t>, title= 'resized image'</a:t>
+            </a:r>
+            <a:r>
+              <a:rPr lang="en-US">
+                <a:sym typeface="+mn-ea"/>
+              </a:rPr>
+              <a:t>)</a:t>
             </a:r>
             <a:endParaRPr lang="en-US"/>
           </a:p>
@@ -4911,7 +4935,19 @@
                 <a:rPr lang="en-US">
                   <a:sym typeface="+mn-ea"/>
                 </a:rPr>
-                <a:t>show_image(resize_img)</a:t>
+                <a:t>show_image(resize_img</a:t>
+              </a:r>
+              <a:r>
+                <a:rPr lang="en-US">
+                  <a:sym typeface="+mn-ea"/>
+                </a:rPr>
+                <a:t>, title= 'resized image'</a:t>
+              </a:r>
+              <a:r>
+                <a:rPr lang="en-US">
+                  <a:sym typeface="+mn-ea"/>
+                </a:rPr>
+                <a:t>)</a:t>
               </a:r>
               <a:endParaRPr lang="en-US"/>
             </a:p>
@@ -5097,7 +5133,7 @@
           <p:spPr>
             <a:xfrm>
               <a:off x="1145" y="3779"/>
-              <a:ext cx="8363" cy="4070"/>
+              <a:ext cx="13032" cy="4070"/>
             </a:xfrm>
             <a:prstGeom prst="rect">
               <a:avLst/>
@@ -5200,7 +5236,19 @@
                 <a:rPr lang="en-US">
                   <a:sym typeface="+mn-ea"/>
                 </a:rPr>
-                <a:t>show_image(resize_img)</a:t>
+                <a:t>show_image(resize_img</a:t>
+              </a:r>
+              <a:r>
+                <a:rPr lang="en-US">
+                  <a:sym typeface="+mn-ea"/>
+                </a:rPr>
+                <a:t>, title= 'resized image : %s ' % name</a:t>
+              </a:r>
+              <a:r>
+                <a:rPr lang="en-US">
+                  <a:sym typeface="+mn-ea"/>
+                </a:rPr>
+                <a:t>)</a:t>
               </a:r>
               <a:endParaRPr lang="en-US"/>
             </a:p>
@@ -6089,13 +6137,13 @@
                 <a:rPr lang="en-US">
                   <a:sym typeface="+mn-ea"/>
                 </a:rPr>
-                <a:t>show_image(</a:t>
-              </a:r>
-              <a:r>
-                <a:rPr lang="en-US">
-                  <a:sym typeface="+mn-ea"/>
-                </a:rPr>
-                <a:t>gray_img</a:t>
+                <a:t>show_image(gray_img</a:t>
+              </a:r>
+              <a:r>
+                <a:rPr lang="en-US">
+                  <a:sym typeface="+mn-ea"/>
+                </a:rPr>
+                <a:t>, title= 'gray image'</a:t>
               </a:r>
               <a:r>
                 <a:rPr lang="en-US">
@@ -6386,7 +6434,19 @@
                 <a:rPr lang="en-US">
                   <a:sym typeface="+mn-ea"/>
                 </a:rPr>
-                <a:t>show_image(gray_img)</a:t>
+                <a:t>show_image(gray_img</a:t>
+              </a:r>
+              <a:r>
+                <a:rPr lang="en-US">
+                  <a:sym typeface="+mn-ea"/>
+                </a:rPr>
+                <a:t>, title= 'gray image'</a:t>
+              </a:r>
+              <a:r>
+                <a:rPr lang="en-US">
+                  <a:sym typeface="+mn-ea"/>
+                </a:rPr>
+                <a:t>)</a:t>
               </a:r>
               <a:endParaRPr lang="en-US">
                 <a:sym typeface="+mn-ea"/>
@@ -6731,13 +6791,13 @@
               <a:rPr lang="en-US">
                 <a:sym typeface="+mn-ea"/>
               </a:rPr>
-              <a:t>show_image(</a:t>
+              <a:t>show_image(gray_img</a:t>
             </a:r>
             <a:r>
               <a:rPr lang="en-US">
                 <a:sym typeface="+mn-ea"/>
               </a:rPr>
-              <a:t>gray_img</a:t>
+              <a:t>, title= 'gray image'</a:t>
             </a:r>
             <a:r>
               <a:rPr lang="en-US">
@@ -6964,7 +7024,19 @@
                 <a:rPr lang="en-US">
                   <a:sym typeface="+mn-ea"/>
                 </a:rPr>
-                <a:t>show_image(gray_img)</a:t>
+                <a:t>show_image(gray_img</a:t>
+              </a:r>
+              <a:r>
+                <a:rPr lang="en-US">
+                  <a:sym typeface="+mn-ea"/>
+                </a:rPr>
+                <a:t>, title= 'gray image : %s' % name</a:t>
+              </a:r>
+              <a:r>
+                <a:rPr lang="en-US">
+                  <a:sym typeface="+mn-ea"/>
+                </a:rPr>
+                <a:t>)</a:t>
               </a:r>
               <a:endParaRPr lang="en-US"/>
             </a:p>
@@ -8042,9 +8114,9 @@
         <p:grpSpPr>
           <a:xfrm>
             <a:off x="6688455" y="1525905"/>
-            <a:ext cx="5503545" cy="2398395"/>
+            <a:ext cx="5503545" cy="3229610"/>
             <a:chOff x="1145" y="3199"/>
-            <a:chExt cx="8667" cy="3777"/>
+            <a:chExt cx="8667" cy="5086"/>
           </a:xfrm>
         </p:grpSpPr>
         <p:sp>
@@ -8056,7 +8128,7 @@
           <p:spPr>
             <a:xfrm>
               <a:off x="1145" y="3779"/>
-              <a:ext cx="8363" cy="3197"/>
+              <a:ext cx="8363" cy="4506"/>
             </a:xfrm>
             <a:prstGeom prst="rect">
               <a:avLst/>
@@ -8072,11 +8144,24 @@
               <a:spAutoFit/>
             </a:bodyPr>
             <a:p>
-              <a:r>
-                <a:rPr lang="en-US">
-                  <a:sym typeface="+mn-ea"/>
-                </a:rPr>
-                <a:t>def show_image(img, size=(10, 7)):</a:t>
+              <a:pPr lvl="0"/>
+              <a:r>
+                <a:rPr lang="en-US">
+                  <a:sym typeface="+mn-ea"/>
+                </a:rPr>
+                <a:t>def show_image(img, title= 'my image', </a:t>
+              </a:r>
+              <a:r>
+                <a:rPr lang="en-US">
+                  <a:sym typeface="+mn-ea"/>
+                </a:rPr>
+                <a:t>size=(10, 7)</a:t>
+              </a:r>
+              <a:r>
+                <a:rPr lang="en-US">
+                  <a:sym typeface="+mn-ea"/>
+                </a:rPr>
+                <a:t>):</a:t>
               </a:r>
               <a:endParaRPr lang="en-US"/>
             </a:p>
@@ -8092,11 +8177,21 @@
             </a:p>
             <a:p>
               <a:pPr lvl="1"/>
-              <a:r>
-                <a:rPr lang="en-US">
-                  <a:sym typeface="+mn-ea"/>
-                </a:rPr>
-                <a:t>plt.figure(figsize=size)</a:t>
+              <a:endParaRPr lang="en-US"/>
+            </a:p>
+            <a:p>
+              <a:pPr lvl="1"/>
+              <a:r>
+                <a:rPr lang="en-US">
+                  <a:sym typeface="+mn-ea"/>
+                </a:rPr>
+                <a:t>plt.figure(figsize=</a:t>
+              </a:r>
+              <a:r>
+                <a:rPr lang="en-US">
+                  <a:sym typeface="+mn-ea"/>
+                </a:rPr>
+                <a:t>size)</a:t>
               </a:r>
               <a:endParaRPr lang="en-US">
                 <a:sym typeface="+mn-ea"/>
@@ -8113,6 +8208,26 @@
               <a:endParaRPr lang="en-US">
                 <a:sym typeface="+mn-ea"/>
               </a:endParaRPr>
+            </a:p>
+            <a:p>
+              <a:pPr lvl="1"/>
+              <a:r>
+                <a:rPr lang="en-US">
+                  <a:sym typeface="+mn-ea"/>
+                </a:rPr>
+                <a:t>plt.title(title)</a:t>
+              </a:r>
+              <a:endParaRPr lang="en-US"/>
+            </a:p>
+            <a:p>
+              <a:pPr lvl="1"/>
+              <a:r>
+                <a:rPr lang="en-US">
+                  <a:sym typeface="+mn-ea"/>
+                </a:rPr>
+                <a:t>plt.axis('off')</a:t>
+              </a:r>
+              <a:endParaRPr lang="en-US"/>
             </a:p>
             <a:p>
               <a:pPr lvl="1"/>
@@ -8132,7 +8247,19 @@
                 <a:rPr lang="en-US">
                   <a:sym typeface="+mn-ea"/>
                 </a:rPr>
-                <a:t>show_image(img)</a:t>
+                <a:t>show_image(img, </a:t>
+              </a:r>
+              <a:r>
+                <a:rPr lang="en-US">
+                  <a:sym typeface="+mn-ea"/>
+                </a:rPr>
+                <a:t>title= 'croped image'</a:t>
+              </a:r>
+              <a:r>
+                <a:rPr lang="en-US">
+                  <a:sym typeface="+mn-ea"/>
+                </a:rPr>
+                <a:t>)</a:t>
               </a:r>
               <a:endParaRPr lang="en-US">
                 <a:sym typeface="+mn-ea"/>
@@ -8438,7 +8565,19 @@
                 <a:rPr lang="en-US">
                   <a:sym typeface="+mn-ea"/>
                 </a:rPr>
-                <a:t>show_image(img)</a:t>
+                <a:t>show_image(img </a:t>
+              </a:r>
+              <a:r>
+                <a:rPr lang="en-US">
+                  <a:sym typeface="+mn-ea"/>
+                </a:rPr>
+                <a:t>, title= 'croped image'</a:t>
+              </a:r>
+              <a:r>
+                <a:rPr lang="en-US">
+                  <a:sym typeface="+mn-ea"/>
+                </a:rPr>
+                <a:t>)</a:t>
               </a:r>
               <a:endParaRPr lang="en-US"/>
             </a:p>
@@ -8789,13 +8928,13 @@
               <a:rPr lang="en-US">
                 <a:sym typeface="+mn-ea"/>
               </a:rPr>
-              <a:t>show_image(</a:t>
+              <a:t>show_image(crop_img, </a:t>
             </a:r>
             <a:r>
               <a:rPr lang="en-US">
                 <a:sym typeface="+mn-ea"/>
               </a:rPr>
-              <a:t>crop_img</a:t>
+              <a:t>title= 'croped image'</a:t>
             </a:r>
             <a:r>
               <a:rPr lang="en-US">
@@ -8937,7 +9076,7 @@
           <p:spPr>
             <a:xfrm>
               <a:off x="1673" y="3779"/>
-              <a:ext cx="8363" cy="3633"/>
+              <a:ext cx="11993" cy="3633"/>
             </a:xfrm>
             <a:prstGeom prst="rect">
               <a:avLst/>
@@ -9016,7 +9155,19 @@
                 <a:rPr lang="en-US">
                   <a:sym typeface="+mn-ea"/>
                 </a:rPr>
-                <a:t>show_image(crop_img)</a:t>
+                <a:t>show_image(crop_img</a:t>
+              </a:r>
+              <a:r>
+                <a:rPr lang="en-US">
+                  <a:sym typeface="+mn-ea"/>
+                </a:rPr>
+                <a:t>, title= 'croped image : %s' % name</a:t>
+              </a:r>
+              <a:r>
+                <a:rPr lang="en-US">
+                  <a:sym typeface="+mn-ea"/>
+                </a:rPr>
+                <a:t>)</a:t>
               </a:r>
               <a:endParaRPr lang="en-US"/>
             </a:p>
@@ -9561,13 +9712,13 @@
                 <a:rPr lang="en-US">
                   <a:sym typeface="+mn-ea"/>
                 </a:rPr>
-                <a:t>show_image(</a:t>
-              </a:r>
-              <a:r>
-                <a:rPr lang="en-US">
-                  <a:sym typeface="+mn-ea"/>
-                </a:rPr>
-                <a:t>resize_img</a:t>
+                <a:t>show_image(resize_img</a:t>
+              </a:r>
+              <a:r>
+                <a:rPr lang="en-US">
+                  <a:sym typeface="+mn-ea"/>
+                </a:rPr>
+                <a:t>, title= 'resized image'</a:t>
               </a:r>
               <a:r>
                 <a:rPr lang="en-US">

--- a/A. Raspberry Pi - Image Processing/#6 - Computer Vision Part 2 (Crop, Resize, Convert Color)/P6 - Computer Vision Part 2 (Crop, Resize, Convert Color).pptx
+++ b/A. Raspberry Pi - Image Processing/#6 - Computer Vision Part 2 (Crop, Resize, Convert Color)/P6 - Computer Vision Part 2 (Crop, Resize, Convert Color).pptx
@@ -15,19 +15,21 @@
     <p:sldId id="509" r:id="rId8"/>
     <p:sldId id="510" r:id="rId9"/>
     <p:sldId id="511" r:id="rId10"/>
-    <p:sldId id="512" r:id="rId11"/>
-    <p:sldId id="513" r:id="rId12"/>
-    <p:sldId id="514" r:id="rId13"/>
-    <p:sldId id="515" r:id="rId14"/>
-    <p:sldId id="516" r:id="rId15"/>
-    <p:sldId id="517" r:id="rId16"/>
-    <p:sldId id="519" r:id="rId17"/>
-    <p:sldId id="521" r:id="rId18"/>
-    <p:sldId id="520" r:id="rId19"/>
-    <p:sldId id="522" r:id="rId20"/>
-    <p:sldId id="523" r:id="rId21"/>
-    <p:sldId id="524" r:id="rId22"/>
-    <p:sldId id="280" r:id="rId23"/>
+    <p:sldId id="527" r:id="rId11"/>
+    <p:sldId id="528" r:id="rId12"/>
+    <p:sldId id="512" r:id="rId13"/>
+    <p:sldId id="513" r:id="rId14"/>
+    <p:sldId id="514" r:id="rId15"/>
+    <p:sldId id="515" r:id="rId16"/>
+    <p:sldId id="516" r:id="rId17"/>
+    <p:sldId id="517" r:id="rId18"/>
+    <p:sldId id="519" r:id="rId19"/>
+    <p:sldId id="521" r:id="rId20"/>
+    <p:sldId id="520" r:id="rId21"/>
+    <p:sldId id="522" r:id="rId22"/>
+    <p:sldId id="523" r:id="rId23"/>
+    <p:sldId id="524" r:id="rId24"/>
+    <p:sldId id="280" r:id="rId25"/>
   </p:sldIdLst>
   <p:sldSz cx="12192000" cy="6858000"/>
   <p:notesSz cx="6858000" cy="9144000"/>
@@ -4185,1142 +4187,6 @@
         <p:cNvGrpSpPr/>
         <p:nvPr/>
       </p:nvGrpSpPr>
-      <p:grpSpPr>
-        <a:xfrm>
-          <a:off x="0" y="0"/>
-          <a:ext cx="0" cy="0"/>
-          <a:chOff x="0" y="0"/>
-          <a:chExt cx="0" cy="0"/>
-        </a:xfrm>
-      </p:grpSpPr>
-      <p:sp>
-        <p:nvSpPr>
-          <p:cNvPr id="4" name="Rectangles 3"/>
-          <p:cNvSpPr/>
-          <p:nvPr/>
-        </p:nvSpPr>
-        <p:spPr>
-          <a:xfrm>
-            <a:off x="0" y="268605"/>
-            <a:ext cx="6688455" cy="1017905"/>
-          </a:xfrm>
-          <a:prstGeom prst="rect">
-            <a:avLst/>
-          </a:prstGeom>
-          <a:solidFill>
-            <a:srgbClr val="BC1142"/>
-          </a:solidFill>
-          <a:ln>
-            <a:noFill/>
-          </a:ln>
-        </p:spPr>
-        <p:style>
-          <a:lnRef idx="2">
-            <a:schemeClr val="accent1">
-              <a:shade val="50000"/>
-            </a:schemeClr>
-          </a:lnRef>
-          <a:fillRef idx="1">
-            <a:schemeClr val="accent1"/>
-          </a:fillRef>
-          <a:effectRef idx="0">
-            <a:schemeClr val="accent1"/>
-          </a:effectRef>
-          <a:fontRef idx="minor">
-            <a:schemeClr val="lt1"/>
-          </a:fontRef>
-        </p:style>
-        <p:txBody>
-          <a:bodyPr rtlCol="0" anchor="ctr"/>
-          <a:p>
-            <a:pPr algn="ctr"/>
-            <a:endParaRPr lang="en-US"/>
-          </a:p>
-        </p:txBody>
-      </p:sp>
-      <p:sp>
-        <p:nvSpPr>
-          <p:cNvPr id="2" name="Text Box 1"/>
-          <p:cNvSpPr txBox="1"/>
-          <p:nvPr/>
-        </p:nvSpPr>
-        <p:spPr>
-          <a:xfrm>
-            <a:off x="552450" y="455295"/>
-            <a:ext cx="6022340" cy="645160"/>
-          </a:xfrm>
-          <a:prstGeom prst="rect">
-            <a:avLst/>
-          </a:prstGeom>
-          <a:noFill/>
-        </p:spPr>
-        <p:txBody>
-          <a:bodyPr wrap="none" rtlCol="0">
-            <a:spAutoFit/>
-          </a:bodyPr>
-          <a:p>
-            <a:r>
-              <a:rPr lang="en-US" sz="3600">
-                <a:solidFill>
-                  <a:schemeClr val="bg1"/>
-                </a:solidFill>
-              </a:rPr>
-              <a:t>Resize Image Kode Keseluruhan</a:t>
-            </a:r>
-            <a:endParaRPr lang="en-US" sz="3600">
-              <a:solidFill>
-                <a:schemeClr val="bg1"/>
-              </a:solidFill>
-            </a:endParaRPr>
-          </a:p>
-        </p:txBody>
-      </p:sp>
-      <p:grpSp>
-        <p:nvGrpSpPr>
-          <p:cNvPr id="13" name="Group 12"/>
-          <p:cNvGrpSpPr/>
-          <p:nvPr/>
-        </p:nvGrpSpPr>
-        <p:grpSpPr>
-          <a:xfrm>
-            <a:off x="685800" y="1525905"/>
-            <a:ext cx="9384030" cy="1844675"/>
-            <a:chOff x="1145" y="3199"/>
-            <a:chExt cx="14778" cy="2905"/>
-          </a:xfrm>
-        </p:grpSpPr>
-        <p:sp>
-          <p:nvSpPr>
-            <p:cNvPr id="14" name="Text Box 13"/>
-            <p:cNvSpPr txBox="1"/>
-            <p:nvPr/>
-          </p:nvSpPr>
-          <p:spPr>
-            <a:xfrm>
-              <a:off x="1145" y="3779"/>
-              <a:ext cx="8363" cy="2325"/>
-            </a:xfrm>
-            <a:prstGeom prst="rect">
-              <a:avLst/>
-            </a:prstGeom>
-            <a:solidFill>
-              <a:schemeClr val="bg1">
-                <a:lumMod val="85000"/>
-              </a:schemeClr>
-            </a:solidFill>
-          </p:spPr>
-          <p:txBody>
-            <a:bodyPr wrap="square" rtlCol="0" anchor="t">
-              <a:spAutoFit/>
-            </a:bodyPr>
-            <a:p>
-              <a:r>
-                <a:rPr lang="en-US">
-                  <a:sym typeface="+mn-ea"/>
-                </a:rPr>
-                <a:t>img = cv2.imread('path/to/filename')</a:t>
-              </a:r>
-              <a:endParaRPr lang="en-US">
-                <a:sym typeface="+mn-ea"/>
-              </a:endParaRPr>
-            </a:p>
-            <a:p>
-              <a:endParaRPr lang="en-US">
-                <a:sym typeface="+mn-ea"/>
-              </a:endParaRPr>
-            </a:p>
-            <a:p>
-              <a:r>
-                <a:rPr lang="en-US">
-                  <a:sym typeface="+mn-ea"/>
-                </a:rPr>
-                <a:t>resize_img = cv2.resize(img, (320, 240)) </a:t>
-              </a:r>
-              <a:endParaRPr lang="en-US">
-                <a:sym typeface="+mn-ea"/>
-              </a:endParaRPr>
-            </a:p>
-            <a:p>
-              <a:endParaRPr lang="en-US">
-                <a:sym typeface="+mn-ea"/>
-              </a:endParaRPr>
-            </a:p>
-            <a:p>
-              <a:r>
-                <a:rPr lang="en-US">
-                  <a:sym typeface="+mn-ea"/>
-                </a:rPr>
-                <a:t>show_image(resize_img</a:t>
-              </a:r>
-              <a:r>
-                <a:rPr lang="en-US">
-                  <a:sym typeface="+mn-ea"/>
-                </a:rPr>
-                <a:t>, title= 'resized image'</a:t>
-              </a:r>
-              <a:r>
-                <a:rPr lang="en-US">
-                  <a:sym typeface="+mn-ea"/>
-                </a:rPr>
-                <a:t>)</a:t>
-              </a:r>
-              <a:endParaRPr lang="en-US">
-                <a:sym typeface="+mn-ea"/>
-              </a:endParaRPr>
-            </a:p>
-          </p:txBody>
-        </p:sp>
-        <p:sp>
-          <p:nvSpPr>
-            <p:cNvPr id="15" name="Text Box 14"/>
-            <p:cNvSpPr txBox="1"/>
-            <p:nvPr/>
-          </p:nvSpPr>
-          <p:spPr>
-            <a:xfrm>
-              <a:off x="1145" y="3199"/>
-              <a:ext cx="14778" cy="580"/>
-            </a:xfrm>
-            <a:prstGeom prst="rect">
-              <a:avLst/>
-            </a:prstGeom>
-            <a:noFill/>
-            <a:extLst>
-              <a:ext uri="{909E8E84-426E-40DD-AFC4-6F175D3DCCD1}">
-                <a14:hiddenFill xmlns:a14="http://schemas.microsoft.com/office/drawing/2010/main">
-                  <a:solidFill>
-                    <a:schemeClr val="bg1">
-                      <a:lumMod val="85000"/>
-                    </a:schemeClr>
-                  </a:solidFill>
-                </a14:hiddenFill>
-              </a:ext>
-            </a:extLst>
-          </p:spPr>
-          <p:txBody>
-            <a:bodyPr wrap="square" rtlCol="0" anchor="t">
-              <a:spAutoFit/>
-            </a:bodyPr>
-            <a:p>
-              <a:pPr marL="285750" indent="-285750">
-                <a:buFont typeface="Arial" panose="020B0604020202020204" pitchFamily="34" charset="0"/>
-                <a:buChar char="•"/>
-              </a:pPr>
-              <a:r>
-                <a:rPr lang="en-US">
-                  <a:sym typeface="+mn-ea"/>
-                </a:rPr>
-                <a:t>Read Image</a:t>
-              </a:r>
-              <a:endParaRPr lang="en-US"/>
-            </a:p>
-          </p:txBody>
-        </p:sp>
-      </p:grpSp>
-    </p:spTree>
-  </p:cSld>
-  <p:clrMapOvr>
-    <a:masterClrMapping/>
-  </p:clrMapOvr>
-</p:sld>
-</file>
-
-<file path=ppt/slides/slide11.xml><?xml version="1.0" encoding="utf-8"?>
-<p:sld xmlns:a="http://schemas.openxmlformats.org/drawingml/2006/main" xmlns:r="http://schemas.openxmlformats.org/officeDocument/2006/relationships" xmlns:p="http://schemas.openxmlformats.org/presentationml/2006/main">
-  <p:cSld>
-    <p:spTree>
-      <p:nvGrpSpPr>
-        <p:cNvPr id="1" name=""/>
-        <p:cNvGrpSpPr/>
-        <p:nvPr/>
-      </p:nvGrpSpPr>
-      <p:grpSpPr>
-        <a:xfrm>
-          <a:off x="0" y="0"/>
-          <a:ext cx="0" cy="0"/>
-          <a:chOff x="0" y="0"/>
-          <a:chExt cx="0" cy="0"/>
-        </a:xfrm>
-      </p:grpSpPr>
-      <p:sp>
-        <p:nvSpPr>
-          <p:cNvPr id="4" name="Rectangles 3"/>
-          <p:cNvSpPr/>
-          <p:nvPr/>
-        </p:nvSpPr>
-        <p:spPr>
-          <a:xfrm>
-            <a:off x="0" y="268605"/>
-            <a:ext cx="6688455" cy="1017905"/>
-          </a:xfrm>
-          <a:prstGeom prst="rect">
-            <a:avLst/>
-          </a:prstGeom>
-          <a:solidFill>
-            <a:srgbClr val="BC1142"/>
-          </a:solidFill>
-          <a:ln>
-            <a:noFill/>
-          </a:ln>
-        </p:spPr>
-        <p:style>
-          <a:lnRef idx="2">
-            <a:schemeClr val="accent1">
-              <a:shade val="50000"/>
-            </a:schemeClr>
-          </a:lnRef>
-          <a:fillRef idx="1">
-            <a:schemeClr val="accent1"/>
-          </a:fillRef>
-          <a:effectRef idx="0">
-            <a:schemeClr val="accent1"/>
-          </a:effectRef>
-          <a:fontRef idx="minor">
-            <a:schemeClr val="lt1"/>
-          </a:fontRef>
-        </p:style>
-        <p:txBody>
-          <a:bodyPr rtlCol="0" anchor="ctr"/>
-          <a:p>
-            <a:pPr algn="ctr"/>
-            <a:endParaRPr lang="en-US"/>
-          </a:p>
-        </p:txBody>
-      </p:sp>
-      <p:sp>
-        <p:nvSpPr>
-          <p:cNvPr id="2" name="Text Box 1"/>
-          <p:cNvSpPr txBox="1"/>
-          <p:nvPr/>
-        </p:nvSpPr>
-        <p:spPr>
-          <a:xfrm>
-            <a:off x="552450" y="455295"/>
-            <a:ext cx="5549900" cy="645160"/>
-          </a:xfrm>
-          <a:prstGeom prst="rect">
-            <a:avLst/>
-          </a:prstGeom>
-          <a:noFill/>
-        </p:spPr>
-        <p:txBody>
-          <a:bodyPr wrap="none" rtlCol="0">
-            <a:spAutoFit/>
-          </a:bodyPr>
-          <a:p>
-            <a:r>
-              <a:rPr lang="en-US" sz="3600">
-                <a:solidFill>
-                  <a:schemeClr val="bg1"/>
-                </a:solidFill>
-              </a:rPr>
-              <a:t>Resize Image dalam Function</a:t>
-            </a:r>
-            <a:endParaRPr lang="en-US" sz="3600">
-              <a:solidFill>
-                <a:schemeClr val="bg1"/>
-              </a:solidFill>
-            </a:endParaRPr>
-          </a:p>
-        </p:txBody>
-      </p:sp>
-      <p:grpSp>
-        <p:nvGrpSpPr>
-          <p:cNvPr id="13" name="Group 12"/>
-          <p:cNvGrpSpPr/>
-          <p:nvPr/>
-        </p:nvGrpSpPr>
-        <p:grpSpPr>
-          <a:xfrm>
-            <a:off x="685800" y="1525905"/>
-            <a:ext cx="9384030" cy="1290320"/>
-            <a:chOff x="1145" y="3199"/>
-            <a:chExt cx="14778" cy="2032"/>
-          </a:xfrm>
-        </p:grpSpPr>
-        <p:sp>
-          <p:nvSpPr>
-            <p:cNvPr id="14" name="Text Box 13"/>
-            <p:cNvSpPr txBox="1"/>
-            <p:nvPr/>
-          </p:nvSpPr>
-          <p:spPr>
-            <a:xfrm>
-              <a:off x="1145" y="3779"/>
-              <a:ext cx="8363" cy="1452"/>
-            </a:xfrm>
-            <a:prstGeom prst="rect">
-              <a:avLst/>
-            </a:prstGeom>
-            <a:solidFill>
-              <a:schemeClr val="bg1">
-                <a:lumMod val="85000"/>
-              </a:schemeClr>
-            </a:solidFill>
-          </p:spPr>
-          <p:txBody>
-            <a:bodyPr wrap="square" rtlCol="0" anchor="t">
-              <a:spAutoFit/>
-            </a:bodyPr>
-            <a:p>
-              <a:r>
-                <a:rPr lang="en-US">
-                  <a:sym typeface="+mn-ea"/>
-                </a:rPr>
-                <a:t>def resize(img, size=(320,240)):</a:t>
-              </a:r>
-              <a:endParaRPr lang="en-US">
-                <a:sym typeface="+mn-ea"/>
-              </a:endParaRPr>
-            </a:p>
-            <a:p>
-              <a:r>
-                <a:rPr lang="en-US">
-                  <a:sym typeface="+mn-ea"/>
-                </a:rPr>
-                <a:t>         </a:t>
-              </a:r>
-              <a:r>
-                <a:rPr lang="en-US">
-                  <a:sym typeface="+mn-ea"/>
-                </a:rPr>
-                <a:t>resize_img = cv2.resize(img, (320, 240)) </a:t>
-              </a:r>
-              <a:endParaRPr lang="en-US">
-                <a:sym typeface="+mn-ea"/>
-              </a:endParaRPr>
-            </a:p>
-            <a:p>
-              <a:r>
-                <a:rPr lang="en-US">
-                  <a:sym typeface="+mn-ea"/>
-                </a:rPr>
-                <a:t>         return </a:t>
-              </a:r>
-              <a:r>
-                <a:rPr lang="en-US">
-                  <a:sym typeface="+mn-ea"/>
-                </a:rPr>
-                <a:t>resize_img</a:t>
-              </a:r>
-              <a:endParaRPr lang="en-US">
-                <a:sym typeface="+mn-ea"/>
-              </a:endParaRPr>
-            </a:p>
-          </p:txBody>
-        </p:sp>
-        <p:sp>
-          <p:nvSpPr>
-            <p:cNvPr id="15" name="Text Box 14"/>
-            <p:cNvSpPr txBox="1"/>
-            <p:nvPr/>
-          </p:nvSpPr>
-          <p:spPr>
-            <a:xfrm>
-              <a:off x="1145" y="3199"/>
-              <a:ext cx="14778" cy="580"/>
-            </a:xfrm>
-            <a:prstGeom prst="rect">
-              <a:avLst/>
-            </a:prstGeom>
-            <a:noFill/>
-            <a:extLst>
-              <a:ext uri="{909E8E84-426E-40DD-AFC4-6F175D3DCCD1}">
-                <a14:hiddenFill xmlns:a14="http://schemas.microsoft.com/office/drawing/2010/main">
-                  <a:solidFill>
-                    <a:schemeClr val="bg1">
-                      <a:lumMod val="85000"/>
-                    </a:schemeClr>
-                  </a:solidFill>
-                </a14:hiddenFill>
-              </a:ext>
-            </a:extLst>
-          </p:spPr>
-          <p:txBody>
-            <a:bodyPr wrap="square" rtlCol="0" anchor="t">
-              <a:spAutoFit/>
-            </a:bodyPr>
-            <a:p>
-              <a:pPr marL="285750" indent="-285750">
-                <a:buFont typeface="Arial" panose="020B0604020202020204" pitchFamily="34" charset="0"/>
-                <a:buChar char="•"/>
-              </a:pPr>
-              <a:r>
-                <a:rPr lang="en-US"/>
-                <a:t>Function resize</a:t>
-              </a:r>
-              <a:endParaRPr lang="en-US"/>
-            </a:p>
-          </p:txBody>
-        </p:sp>
-      </p:grpSp>
-      <p:sp>
-        <p:nvSpPr>
-          <p:cNvPr id="3" name="Text Box 2"/>
-          <p:cNvSpPr txBox="1"/>
-          <p:nvPr/>
-        </p:nvSpPr>
-        <p:spPr>
-          <a:xfrm>
-            <a:off x="685800" y="3153410"/>
-            <a:ext cx="5310505" cy="1198880"/>
-          </a:xfrm>
-          <a:prstGeom prst="rect">
-            <a:avLst/>
-          </a:prstGeom>
-          <a:solidFill>
-            <a:srgbClr val="D9D9D9"/>
-          </a:solidFill>
-        </p:spPr>
-        <p:txBody>
-          <a:bodyPr wrap="square" rtlCol="0" anchor="t">
-            <a:spAutoFit/>
-          </a:bodyPr>
-          <a:p>
-            <a:r>
-              <a:rPr lang="en-US">
-                <a:sym typeface="+mn-ea"/>
-              </a:rPr>
-              <a:t>img = cv2.imread('path/to/filename')</a:t>
-            </a:r>
-            <a:endParaRPr lang="en-US">
-              <a:sym typeface="+mn-ea"/>
-            </a:endParaRPr>
-          </a:p>
-          <a:p>
-            <a:r>
-              <a:rPr lang="en-US">
-                <a:sym typeface="+mn-ea"/>
-              </a:rPr>
-              <a:t>resize_img = resize(img, size=(720, 680))</a:t>
-            </a:r>
-            <a:endParaRPr lang="en-US">
-              <a:sym typeface="+mn-ea"/>
-            </a:endParaRPr>
-          </a:p>
-          <a:p>
-            <a:endParaRPr lang="en-US">
-              <a:sym typeface="+mn-ea"/>
-            </a:endParaRPr>
-          </a:p>
-          <a:p>
-            <a:r>
-              <a:rPr lang="en-US">
-                <a:sym typeface="+mn-ea"/>
-              </a:rPr>
-              <a:t>show_image(resize_img</a:t>
-            </a:r>
-            <a:r>
-              <a:rPr lang="en-US">
-                <a:sym typeface="+mn-ea"/>
-              </a:rPr>
-              <a:t>, title= 'resized image'</a:t>
-            </a:r>
-            <a:r>
-              <a:rPr lang="en-US">
-                <a:sym typeface="+mn-ea"/>
-              </a:rPr>
-              <a:t>)</a:t>
-            </a:r>
-            <a:endParaRPr lang="en-US"/>
-          </a:p>
-        </p:txBody>
-      </p:sp>
-    </p:spTree>
-  </p:cSld>
-  <p:clrMapOvr>
-    <a:masterClrMapping/>
-  </p:clrMapOvr>
-</p:sld>
-</file>
-
-<file path=ppt/slides/slide12.xml><?xml version="1.0" encoding="utf-8"?>
-<p:sld xmlns:a="http://schemas.openxmlformats.org/drawingml/2006/main" xmlns:r="http://schemas.openxmlformats.org/officeDocument/2006/relationships" xmlns:p="http://schemas.openxmlformats.org/presentationml/2006/main">
-  <p:cSld>
-    <p:spTree>
-      <p:nvGrpSpPr>
-        <p:cNvPr id="1" name=""/>
-        <p:cNvGrpSpPr/>
-        <p:nvPr/>
-      </p:nvGrpSpPr>
-      <p:grpSpPr>
-        <a:xfrm>
-          <a:off x="0" y="0"/>
-          <a:ext cx="0" cy="0"/>
-          <a:chOff x="0" y="0"/>
-          <a:chExt cx="0" cy="0"/>
-        </a:xfrm>
-      </p:grpSpPr>
-      <p:sp>
-        <p:nvSpPr>
-          <p:cNvPr id="4" name="Rectangles 3"/>
-          <p:cNvSpPr/>
-          <p:nvPr/>
-        </p:nvSpPr>
-        <p:spPr>
-          <a:xfrm>
-            <a:off x="0" y="268605"/>
-            <a:ext cx="6688455" cy="1017905"/>
-          </a:xfrm>
-          <a:prstGeom prst="rect">
-            <a:avLst/>
-          </a:prstGeom>
-          <a:solidFill>
-            <a:srgbClr val="BC1142"/>
-          </a:solidFill>
-          <a:ln>
-            <a:noFill/>
-          </a:ln>
-        </p:spPr>
-        <p:style>
-          <a:lnRef idx="2">
-            <a:schemeClr val="accent1">
-              <a:shade val="50000"/>
-            </a:schemeClr>
-          </a:lnRef>
-          <a:fillRef idx="1">
-            <a:schemeClr val="accent1"/>
-          </a:fillRef>
-          <a:effectRef idx="0">
-            <a:schemeClr val="accent1"/>
-          </a:effectRef>
-          <a:fontRef idx="minor">
-            <a:schemeClr val="lt1"/>
-          </a:fontRef>
-        </p:style>
-        <p:txBody>
-          <a:bodyPr rtlCol="0" anchor="ctr"/>
-          <a:p>
-            <a:pPr algn="ctr"/>
-            <a:endParaRPr lang="en-US"/>
-          </a:p>
-        </p:txBody>
-      </p:sp>
-      <p:sp>
-        <p:nvSpPr>
-          <p:cNvPr id="2" name="Text Box 1"/>
-          <p:cNvSpPr txBox="1"/>
-          <p:nvPr/>
-        </p:nvSpPr>
-        <p:spPr>
-          <a:xfrm>
-            <a:off x="552450" y="455295"/>
-            <a:ext cx="4241800" cy="645160"/>
-          </a:xfrm>
-          <a:prstGeom prst="rect">
-            <a:avLst/>
-          </a:prstGeom>
-          <a:noFill/>
-        </p:spPr>
-        <p:txBody>
-          <a:bodyPr wrap="none" rtlCol="0">
-            <a:spAutoFit/>
-          </a:bodyPr>
-          <a:p>
-            <a:r>
-              <a:rPr lang="en-US" sz="3600">
-                <a:solidFill>
-                  <a:schemeClr val="bg1"/>
-                </a:solidFill>
-              </a:rPr>
-              <a:t>Resize Multiple Image</a:t>
-            </a:r>
-            <a:endParaRPr lang="en-US" sz="3600">
-              <a:solidFill>
-                <a:schemeClr val="bg1"/>
-              </a:solidFill>
-            </a:endParaRPr>
-          </a:p>
-        </p:txBody>
-      </p:sp>
-      <p:grpSp>
-        <p:nvGrpSpPr>
-          <p:cNvPr id="13" name="Group 12"/>
-          <p:cNvGrpSpPr/>
-          <p:nvPr/>
-        </p:nvGrpSpPr>
-        <p:grpSpPr>
-          <a:xfrm>
-            <a:off x="685800" y="1525905"/>
-            <a:ext cx="9384030" cy="2675255"/>
-            <a:chOff x="1145" y="3199"/>
-            <a:chExt cx="14778" cy="4213"/>
-          </a:xfrm>
-        </p:grpSpPr>
-        <p:sp>
-          <p:nvSpPr>
-            <p:cNvPr id="14" name="Text Box 13"/>
-            <p:cNvSpPr txBox="1"/>
-            <p:nvPr/>
-          </p:nvSpPr>
-          <p:spPr>
-            <a:xfrm>
-              <a:off x="1145" y="3779"/>
-              <a:ext cx="8363" cy="3633"/>
-            </a:xfrm>
-            <a:prstGeom prst="rect">
-              <a:avLst/>
-            </a:prstGeom>
-            <a:solidFill>
-              <a:schemeClr val="bg1">
-                <a:lumMod val="85000"/>
-              </a:schemeClr>
-            </a:solidFill>
-          </p:spPr>
-          <p:txBody>
-            <a:bodyPr wrap="square" rtlCol="0" anchor="t">
-              <a:spAutoFit/>
-            </a:bodyPr>
-            <a:p>
-              <a:r>
-                <a:rPr lang="en-US">
-                  <a:sym typeface="+mn-ea"/>
-                </a:rPr>
-                <a:t>filenames = os.listdir("folder_1")</a:t>
-              </a:r>
-              <a:endParaRPr lang="en-US">
-                <a:sym typeface="+mn-ea"/>
-              </a:endParaRPr>
-            </a:p>
-            <a:p>
-              <a:endParaRPr lang="en-US">
-                <a:sym typeface="+mn-ea"/>
-              </a:endParaRPr>
-            </a:p>
-            <a:p>
-              <a:r>
-                <a:rPr lang="en-US">
-                  <a:sym typeface="+mn-ea"/>
-                </a:rPr>
-                <a:t>for name in filenames :</a:t>
-              </a:r>
-              <a:endParaRPr lang="en-US">
-                <a:sym typeface="+mn-ea"/>
-              </a:endParaRPr>
-            </a:p>
-            <a:p>
-              <a:r>
-                <a:rPr lang="en-US">
-                  <a:sym typeface="+mn-ea"/>
-                </a:rPr>
-                <a:t>         print(name)</a:t>
-              </a:r>
-              <a:endParaRPr lang="en-US">
-                <a:sym typeface="+mn-ea"/>
-              </a:endParaRPr>
-            </a:p>
-            <a:p>
-              <a:pPr lvl="1"/>
-              <a:r>
-                <a:rPr lang="en-US">
-                  <a:sym typeface="+mn-ea"/>
-                </a:rPr>
-                <a:t>img = cv2.imread(name)</a:t>
-              </a:r>
-              <a:endParaRPr lang="en-US"/>
-            </a:p>
-            <a:p>
-              <a:pPr lvl="1"/>
-              <a:r>
-                <a:rPr lang="en-US">
-                  <a:sym typeface="+mn-ea"/>
-                </a:rPr>
-                <a:t>resize_img = resize(img, size=(720,680))</a:t>
-              </a:r>
-              <a:endParaRPr lang="en-US"/>
-            </a:p>
-            <a:p>
-              <a:pPr lvl="1"/>
-              <a:r>
-                <a:rPr lang="en-US">
-                  <a:sym typeface="+mn-ea"/>
-                </a:rPr>
-                <a:t>show_image(resize_img</a:t>
-              </a:r>
-              <a:r>
-                <a:rPr lang="en-US">
-                  <a:sym typeface="+mn-ea"/>
-                </a:rPr>
-                <a:t>, title= 'resized image'</a:t>
-              </a:r>
-              <a:r>
-                <a:rPr lang="en-US">
-                  <a:sym typeface="+mn-ea"/>
-                </a:rPr>
-                <a:t>)</a:t>
-              </a:r>
-              <a:endParaRPr lang="en-US"/>
-            </a:p>
-            <a:p>
-              <a:endParaRPr lang="en-US">
-                <a:sym typeface="+mn-ea"/>
-              </a:endParaRPr>
-            </a:p>
-          </p:txBody>
-        </p:sp>
-        <p:sp>
-          <p:nvSpPr>
-            <p:cNvPr id="15" name="Text Box 14"/>
-            <p:cNvSpPr txBox="1"/>
-            <p:nvPr/>
-          </p:nvSpPr>
-          <p:spPr>
-            <a:xfrm>
-              <a:off x="1145" y="3199"/>
-              <a:ext cx="14778" cy="580"/>
-            </a:xfrm>
-            <a:prstGeom prst="rect">
-              <a:avLst/>
-            </a:prstGeom>
-            <a:noFill/>
-            <a:extLst>
-              <a:ext uri="{909E8E84-426E-40DD-AFC4-6F175D3DCCD1}">
-                <a14:hiddenFill xmlns:a14="http://schemas.microsoft.com/office/drawing/2010/main">
-                  <a:solidFill>
-                    <a:schemeClr val="bg1">
-                      <a:lumMod val="85000"/>
-                    </a:schemeClr>
-                  </a:solidFill>
-                </a14:hiddenFill>
-              </a:ext>
-            </a:extLst>
-          </p:spPr>
-          <p:txBody>
-            <a:bodyPr wrap="square" rtlCol="0" anchor="t">
-              <a:spAutoFit/>
-            </a:bodyPr>
-            <a:p>
-              <a:pPr marL="285750" indent="-285750">
-                <a:buFont typeface="Arial" panose="020B0604020202020204" pitchFamily="34" charset="0"/>
-                <a:buChar char="•"/>
-              </a:pPr>
-              <a:r>
-                <a:rPr lang="en-US"/>
-                <a:t>resize multiple image menggunakan library os</a:t>
-              </a:r>
-              <a:endParaRPr lang="en-US"/>
-            </a:p>
-          </p:txBody>
-        </p:sp>
-      </p:grpSp>
-    </p:spTree>
-  </p:cSld>
-  <p:clrMapOvr>
-    <a:masterClrMapping/>
-  </p:clrMapOvr>
-</p:sld>
-</file>
-
-<file path=ppt/slides/slide13.xml><?xml version="1.0" encoding="utf-8"?>
-<p:sld xmlns:a="http://schemas.openxmlformats.org/drawingml/2006/main" xmlns:r="http://schemas.openxmlformats.org/officeDocument/2006/relationships" xmlns:p="http://schemas.openxmlformats.org/presentationml/2006/main">
-  <p:cSld>
-    <p:spTree>
-      <p:nvGrpSpPr>
-        <p:cNvPr id="1" name=""/>
-        <p:cNvGrpSpPr/>
-        <p:nvPr/>
-      </p:nvGrpSpPr>
-      <p:grpSpPr>
-        <a:xfrm>
-          <a:off x="0" y="0"/>
-          <a:ext cx="0" cy="0"/>
-          <a:chOff x="0" y="0"/>
-          <a:chExt cx="0" cy="0"/>
-        </a:xfrm>
-      </p:grpSpPr>
-      <p:sp>
-        <p:nvSpPr>
-          <p:cNvPr id="4" name="Rectangles 3"/>
-          <p:cNvSpPr/>
-          <p:nvPr/>
-        </p:nvSpPr>
-        <p:spPr>
-          <a:xfrm>
-            <a:off x="0" y="268605"/>
-            <a:ext cx="6688455" cy="1017905"/>
-          </a:xfrm>
-          <a:prstGeom prst="rect">
-            <a:avLst/>
-          </a:prstGeom>
-          <a:solidFill>
-            <a:srgbClr val="BC1142"/>
-          </a:solidFill>
-          <a:ln>
-            <a:noFill/>
-          </a:ln>
-        </p:spPr>
-        <p:style>
-          <a:lnRef idx="2">
-            <a:schemeClr val="accent1">
-              <a:shade val="50000"/>
-            </a:schemeClr>
-          </a:lnRef>
-          <a:fillRef idx="1">
-            <a:schemeClr val="accent1"/>
-          </a:fillRef>
-          <a:effectRef idx="0">
-            <a:schemeClr val="accent1"/>
-          </a:effectRef>
-          <a:fontRef idx="minor">
-            <a:schemeClr val="lt1"/>
-          </a:fontRef>
-        </p:style>
-        <p:txBody>
-          <a:bodyPr rtlCol="0" anchor="ctr"/>
-          <a:p>
-            <a:pPr algn="ctr"/>
-            <a:endParaRPr lang="en-US"/>
-          </a:p>
-        </p:txBody>
-      </p:sp>
-      <p:sp>
-        <p:nvSpPr>
-          <p:cNvPr id="2" name="Text Box 1"/>
-          <p:cNvSpPr txBox="1"/>
-          <p:nvPr/>
-        </p:nvSpPr>
-        <p:spPr>
-          <a:xfrm>
-            <a:off x="552450" y="455295"/>
-            <a:ext cx="5637530" cy="645160"/>
-          </a:xfrm>
-          <a:prstGeom prst="rect">
-            <a:avLst/>
-          </a:prstGeom>
-          <a:noFill/>
-        </p:spPr>
-        <p:txBody>
-          <a:bodyPr wrap="none" rtlCol="0">
-            <a:spAutoFit/>
-          </a:bodyPr>
-          <a:p>
-            <a:r>
-              <a:rPr lang="en-US" sz="3600">
-                <a:solidFill>
-                  <a:schemeClr val="bg1"/>
-                </a:solidFill>
-              </a:rPr>
-              <a:t>Resize &amp; Crop Multiple Image</a:t>
-            </a:r>
-            <a:endParaRPr lang="en-US" sz="3600">
-              <a:solidFill>
-                <a:schemeClr val="bg1"/>
-              </a:solidFill>
-            </a:endParaRPr>
-          </a:p>
-        </p:txBody>
-      </p:sp>
-      <p:grpSp>
-        <p:nvGrpSpPr>
-          <p:cNvPr id="13" name="Group 12"/>
-          <p:cNvGrpSpPr/>
-          <p:nvPr/>
-        </p:nvGrpSpPr>
-        <p:grpSpPr>
-          <a:xfrm>
-            <a:off x="685800" y="1525905"/>
-            <a:ext cx="9384030" cy="2952750"/>
-            <a:chOff x="1145" y="3199"/>
-            <a:chExt cx="14778" cy="4650"/>
-          </a:xfrm>
-        </p:grpSpPr>
-        <p:sp>
-          <p:nvSpPr>
-            <p:cNvPr id="14" name="Text Box 13"/>
-            <p:cNvSpPr txBox="1"/>
-            <p:nvPr/>
-          </p:nvSpPr>
-          <p:spPr>
-            <a:xfrm>
-              <a:off x="1145" y="3779"/>
-              <a:ext cx="13032" cy="4070"/>
-            </a:xfrm>
-            <a:prstGeom prst="rect">
-              <a:avLst/>
-            </a:prstGeom>
-            <a:solidFill>
-              <a:schemeClr val="bg1">
-                <a:lumMod val="85000"/>
-              </a:schemeClr>
-            </a:solidFill>
-          </p:spPr>
-          <p:txBody>
-            <a:bodyPr wrap="square" rtlCol="0" anchor="t">
-              <a:spAutoFit/>
-            </a:bodyPr>
-            <a:p>
-              <a:r>
-                <a:rPr lang="en-US">
-                  <a:sym typeface="+mn-ea"/>
-                </a:rPr>
-                <a:t>filenames = os.listdir("folder_1")</a:t>
-              </a:r>
-              <a:endParaRPr lang="en-US">
-                <a:sym typeface="+mn-ea"/>
-              </a:endParaRPr>
-            </a:p>
-            <a:p>
-              <a:endParaRPr lang="en-US">
-                <a:sym typeface="+mn-ea"/>
-              </a:endParaRPr>
-            </a:p>
-            <a:p>
-              <a:r>
-                <a:rPr lang="en-US">
-                  <a:sym typeface="+mn-ea"/>
-                </a:rPr>
-                <a:t>for name in filenames :</a:t>
-              </a:r>
-              <a:endParaRPr lang="en-US">
-                <a:sym typeface="+mn-ea"/>
-              </a:endParaRPr>
-            </a:p>
-            <a:p>
-              <a:r>
-                <a:rPr lang="en-US">
-                  <a:sym typeface="+mn-ea"/>
-                </a:rPr>
-                <a:t>         print(name)</a:t>
-              </a:r>
-              <a:endParaRPr lang="en-US">
-                <a:sym typeface="+mn-ea"/>
-              </a:endParaRPr>
-            </a:p>
-            <a:p>
-              <a:pPr lvl="1"/>
-              <a:r>
-                <a:rPr lang="en-US">
-                  <a:sym typeface="+mn-ea"/>
-                </a:rPr>
-                <a:t>img = cv2.imread(name)</a:t>
-              </a:r>
-              <a:endParaRPr lang="en-US">
-                <a:sym typeface="+mn-ea"/>
-              </a:endParaRPr>
-            </a:p>
-            <a:p>
-              <a:pPr lvl="1"/>
-              <a:r>
-                <a:rPr lang="en-US">
-                  <a:sym typeface="+mn-ea"/>
-                </a:rPr>
-                <a:t>crop_img = img[20:100, 50:150]</a:t>
-              </a:r>
-              <a:endParaRPr lang="en-US"/>
-            </a:p>
-            <a:p>
-              <a:pPr lvl="1"/>
-              <a:r>
-                <a:rPr lang="en-US">
-                  <a:sym typeface="+mn-ea"/>
-                </a:rPr>
-                <a:t>resize_img = resize(</a:t>
-              </a:r>
-              <a:r>
-                <a:rPr lang="en-US">
-                  <a:sym typeface="+mn-ea"/>
-                </a:rPr>
-                <a:t>crop_img</a:t>
-              </a:r>
-              <a:r>
-                <a:rPr lang="en-US">
-                  <a:sym typeface="+mn-ea"/>
-                </a:rPr>
-                <a:t>, size=(720,680))</a:t>
-              </a:r>
-              <a:endParaRPr lang="en-US"/>
-            </a:p>
-            <a:p>
-              <a:pPr lvl="1"/>
-              <a:r>
-                <a:rPr lang="en-US">
-                  <a:sym typeface="+mn-ea"/>
-                </a:rPr>
-                <a:t>show_image(resize_img</a:t>
-              </a:r>
-              <a:r>
-                <a:rPr lang="en-US">
-                  <a:sym typeface="+mn-ea"/>
-                </a:rPr>
-                <a:t>, title= 'resized image : %s ' % name</a:t>
-              </a:r>
-              <a:r>
-                <a:rPr lang="en-US">
-                  <a:sym typeface="+mn-ea"/>
-                </a:rPr>
-                <a:t>)</a:t>
-              </a:r>
-              <a:endParaRPr lang="en-US"/>
-            </a:p>
-            <a:p>
-              <a:endParaRPr lang="en-US">
-                <a:sym typeface="+mn-ea"/>
-              </a:endParaRPr>
-            </a:p>
-          </p:txBody>
-        </p:sp>
-        <p:sp>
-          <p:nvSpPr>
-            <p:cNvPr id="15" name="Text Box 14"/>
-            <p:cNvSpPr txBox="1"/>
-            <p:nvPr/>
-          </p:nvSpPr>
-          <p:spPr>
-            <a:xfrm>
-              <a:off x="1145" y="3199"/>
-              <a:ext cx="14778" cy="580"/>
-            </a:xfrm>
-            <a:prstGeom prst="rect">
-              <a:avLst/>
-            </a:prstGeom>
-            <a:noFill/>
-            <a:extLst>
-              <a:ext uri="{909E8E84-426E-40DD-AFC4-6F175D3DCCD1}">
-                <a14:hiddenFill xmlns:a14="http://schemas.microsoft.com/office/drawing/2010/main">
-                  <a:solidFill>
-                    <a:schemeClr val="bg1">
-                      <a:lumMod val="85000"/>
-                    </a:schemeClr>
-                  </a:solidFill>
-                </a14:hiddenFill>
-              </a:ext>
-            </a:extLst>
-          </p:spPr>
-          <p:txBody>
-            <a:bodyPr wrap="square" rtlCol="0" anchor="t">
-              <a:spAutoFit/>
-            </a:bodyPr>
-            <a:p>
-              <a:pPr marL="285750" indent="-285750">
-                <a:buFont typeface="Arial" panose="020B0604020202020204" pitchFamily="34" charset="0"/>
-                <a:buChar char="•"/>
-              </a:pPr>
-              <a:r>
-                <a:rPr lang="en-US"/>
-                <a:t>resize multiple image menggunakan library os</a:t>
-              </a:r>
-              <a:endParaRPr lang="en-US"/>
-            </a:p>
-          </p:txBody>
-        </p:sp>
-      </p:grpSp>
-    </p:spTree>
-  </p:cSld>
-  <p:clrMapOvr>
-    <a:masterClrMapping/>
-  </p:clrMapOvr>
-</p:sld>
-</file>
-
-<file path=ppt/slides/slide14.xml><?xml version="1.0" encoding="utf-8"?>
-<p:sld xmlns:a="http://schemas.openxmlformats.org/drawingml/2006/main" xmlns:r="http://schemas.openxmlformats.org/officeDocument/2006/relationships" xmlns:p="http://schemas.openxmlformats.org/presentationml/2006/main">
-  <p:cSld>
-    <p:spTree>
-      <p:nvGrpSpPr>
-        <p:cNvPr id="1" name=""/>
-        <p:cNvGrpSpPr/>
-        <p:nvPr/>
-      </p:nvGrpSpPr>
       <p:grpSpPr/>
       <p:grpSp>
         <p:nvGrpSpPr>
@@ -5409,7 +4275,7 @@
                     <a:schemeClr val="bg1"/>
                   </a:solidFill>
                 </a:rPr>
-                <a:t>Convert Image Color</a:t>
+                <a:t>Resize Image</a:t>
               </a:r>
               <a:endParaRPr lang="en-US" sz="3600">
                 <a:solidFill>
@@ -5452,7 +4318,7 @@
 </p:sld>
 </file>
 
-<file path=ppt/slides/slide15.xml><?xml version="1.0" encoding="utf-8"?>
+<file path=ppt/slides/slide11.xml><?xml version="1.0" encoding="utf-8"?>
 <p:sld xmlns:a="http://schemas.openxmlformats.org/drawingml/2006/main" xmlns:r="http://schemas.openxmlformats.org/officeDocument/2006/relationships" xmlns:p="http://schemas.openxmlformats.org/presentationml/2006/main">
   <p:cSld>
     <p:spTree>
@@ -5461,137 +4327,17 @@
         <p:cNvGrpSpPr/>
         <p:nvPr/>
       </p:nvGrpSpPr>
-      <p:grpSpPr/>
-      <p:sp>
-        <p:nvSpPr>
-          <p:cNvPr id="4" name="Text Box 3"/>
-          <p:cNvSpPr txBox="1"/>
-          <p:nvPr/>
-        </p:nvSpPr>
-        <p:spPr>
-          <a:xfrm>
-            <a:off x="873125" y="1426845"/>
-            <a:ext cx="9842500" cy="4246245"/>
-          </a:xfrm>
-          <a:prstGeom prst="rect">
-            <a:avLst/>
-          </a:prstGeom>
-          <a:noFill/>
-        </p:spPr>
-        <p:txBody>
-          <a:bodyPr wrap="square" rtlCol="0" anchor="t">
-            <a:spAutoFit/>
-          </a:bodyPr>
-          <a:p>
-            <a:r>
-              <a:rPr lang="en-US"/>
-              <a:t>Diperkenalkan method</a:t>
-            </a:r>
-            <a:r>
-              <a:rPr lang="en-US" b="1"/>
-              <a:t> cv2.cvtColor(img, method) </a:t>
-            </a:r>
-            <a:r>
-              <a:rPr lang="en-US"/>
-              <a:t>untuk color conversion pada OpenCV</a:t>
-            </a:r>
-            <a:endParaRPr lang="en-US"/>
-          </a:p>
-          <a:p>
-            <a:endParaRPr lang="en-US"/>
-          </a:p>
-          <a:p>
-            <a:r>
-              <a:rPr lang="en-US"/>
-              <a:t>Berikut adalah </a:t>
-            </a:r>
-            <a:r>
-              <a:rPr lang="en-US" b="1"/>
-              <a:t>method </a:t>
-            </a:r>
-            <a:r>
-              <a:rPr lang="en-US"/>
-              <a:t>convert color yang dapat digunakan :</a:t>
-            </a:r>
-            <a:endParaRPr lang="en-US"/>
-          </a:p>
-          <a:p>
-            <a:endParaRPr lang="en-US"/>
-          </a:p>
-          <a:p>
-            <a:r>
-              <a:rPr lang="en-US"/>
-              <a:t>convert BGR &lt;--&gt; RGB</a:t>
-            </a:r>
-            <a:endParaRPr lang="en-US"/>
-          </a:p>
-          <a:p>
-            <a:r>
-              <a:rPr lang="en-US" b="1"/>
-              <a:t>cv2.COLOR_BGR2RGB</a:t>
-            </a:r>
-            <a:endParaRPr lang="en-US" b="1"/>
-          </a:p>
-          <a:p>
-            <a:r>
-              <a:rPr lang="en-US" b="1"/>
-              <a:t>cv2.COLOR_RGB2BGR</a:t>
-            </a:r>
-            <a:endParaRPr lang="en-US" b="1"/>
-          </a:p>
-          <a:p>
-            <a:endParaRPr lang="en-US"/>
-          </a:p>
-          <a:p>
-            <a:r>
-              <a:rPr lang="en-US"/>
-              <a:t>convert BGR &lt;--&gt; HSV</a:t>
-            </a:r>
-            <a:endParaRPr lang="en-US"/>
-          </a:p>
-          <a:p>
-            <a:r>
-              <a:rPr lang="en-US" b="1"/>
-              <a:t>cv2.COLOR_BGR2HSV</a:t>
-            </a:r>
-            <a:endParaRPr lang="en-US" b="1"/>
-          </a:p>
-          <a:p>
-            <a:r>
-              <a:rPr lang="en-US" b="1"/>
-              <a:t>cv2.COLOR_HSV2RGB</a:t>
-            </a:r>
-            <a:endParaRPr lang="en-US" b="1"/>
-          </a:p>
-          <a:p>
-            <a:endParaRPr lang="en-US"/>
-          </a:p>
-          <a:p>
-            <a:r>
-              <a:rPr lang="en-US"/>
-              <a:t>convert BGR &lt;--&gt; GRAY</a:t>
-            </a:r>
-            <a:endParaRPr lang="en-US"/>
-          </a:p>
-          <a:p>
-            <a:r>
-              <a:rPr lang="en-US" b="1"/>
-              <a:t>cv2.COLOR_BGR2GRAY</a:t>
-            </a:r>
-            <a:endParaRPr lang="en-US" b="1"/>
-          </a:p>
-          <a:p>
-            <a:r>
-              <a:rPr lang="en-US" b="1"/>
-              <a:t>cv2.COLOR_GRAY2RGB</a:t>
-            </a:r>
-            <a:endParaRPr lang="en-US" b="1"/>
-          </a:p>
-        </p:txBody>
-      </p:sp>
-      <p:sp>
-        <p:nvSpPr>
-          <p:cNvPr id="5" name="Rectangles 4"/>
+      <p:grpSpPr>
+        <a:xfrm>
+          <a:off x="0" y="0"/>
+          <a:ext cx="0" cy="0"/>
+          <a:chOff x="0" y="0"/>
+          <a:chExt cx="0" cy="0"/>
+        </a:xfrm>
+      </p:grpSpPr>
+      <p:sp>
+        <p:nvSpPr>
+          <p:cNvPr id="4" name="Rectangles 3"/>
           <p:cNvSpPr/>
           <p:nvPr/>
         </p:nvSpPr>
@@ -5636,14 +4382,14 @@
       </p:sp>
       <p:sp>
         <p:nvSpPr>
-          <p:cNvPr id="6" name="Text Box 5"/>
+          <p:cNvPr id="2" name="Text Box 1"/>
           <p:cNvSpPr txBox="1"/>
           <p:nvPr/>
         </p:nvSpPr>
         <p:spPr>
           <a:xfrm>
             <a:off x="552450" y="455295"/>
-            <a:ext cx="4580890" cy="645160"/>
+            <a:ext cx="2572385" cy="645160"/>
           </a:xfrm>
           <a:prstGeom prst="rect">
             <a:avLst/>
@@ -5655,233 +4401,13 @@
             <a:spAutoFit/>
           </a:bodyPr>
           <a:p>
-            <a:pPr algn="l"/>
             <a:r>
               <a:rPr lang="en-US" sz="3600">
                 <a:solidFill>
                   <a:schemeClr val="bg1"/>
                 </a:solidFill>
-                <a:sym typeface="+mn-ea"/>
               </a:rPr>
-              <a:t>Image Color Conversion</a:t>
-            </a:r>
-            <a:endParaRPr lang="en-US" sz="3600">
-              <a:solidFill>
-                <a:schemeClr val="bg1"/>
-              </a:solidFill>
-              <a:sym typeface="+mn-ea"/>
-            </a:endParaRPr>
-          </a:p>
-        </p:txBody>
-      </p:sp>
-      <p:pic>
-        <p:nvPicPr>
-          <p:cNvPr id="12" name="Content Placeholder 15" descr="lena"/>
-          <p:cNvPicPr>
-            <a:picLocks noChangeAspect="1"/>
-          </p:cNvPicPr>
-          <p:nvPr/>
-        </p:nvPicPr>
-        <p:blipFill>
-          <a:blip r:embed="rId1"/>
-          <a:stretch>
-            <a:fillRect/>
-          </a:stretch>
-        </p:blipFill>
-        <p:spPr>
-          <a:xfrm>
-            <a:off x="5396865" y="2848610"/>
-            <a:ext cx="2051050" cy="1994535"/>
-          </a:xfrm>
-          <a:prstGeom prst="rect">
-            <a:avLst/>
-          </a:prstGeom>
-        </p:spPr>
-      </p:pic>
-      <p:sp>
-        <p:nvSpPr>
-          <p:cNvPr id="20" name="Text Box 19"/>
-          <p:cNvSpPr txBox="1"/>
-          <p:nvPr/>
-        </p:nvSpPr>
-        <p:spPr>
-          <a:xfrm>
-            <a:off x="5660390" y="5020310"/>
-            <a:ext cx="1524000" cy="368300"/>
-          </a:xfrm>
-          <a:prstGeom prst="rect">
-            <a:avLst/>
-          </a:prstGeom>
-          <a:noFill/>
-        </p:spPr>
-        <p:txBody>
-          <a:bodyPr wrap="none" rtlCol="0">
-            <a:spAutoFit/>
-          </a:bodyPr>
-          <a:p>
-            <a:r>
-              <a:rPr lang="en-US"/>
-              <a:t>Original image</a:t>
-            </a:r>
-            <a:endParaRPr lang="en-US"/>
-          </a:p>
-        </p:txBody>
-      </p:sp>
-      <p:pic>
-        <p:nvPicPr>
-          <p:cNvPr id="7" name="Content Placeholder 15" descr="lena"/>
-          <p:cNvPicPr>
-            <a:picLocks noChangeAspect="1"/>
-          </p:cNvPicPr>
-          <p:nvPr/>
-        </p:nvPicPr>
-        <p:blipFill>
-          <a:blip r:embed="rId1">
-            <a:grayscl/>
-          </a:blip>
-          <a:stretch>
-            <a:fillRect/>
-          </a:stretch>
-        </p:blipFill>
-        <p:spPr>
-          <a:xfrm>
-            <a:off x="8202930" y="2848610"/>
-            <a:ext cx="2051050" cy="1994535"/>
-          </a:xfrm>
-          <a:prstGeom prst="rect">
-            <a:avLst/>
-          </a:prstGeom>
-        </p:spPr>
-      </p:pic>
-      <p:sp>
-        <p:nvSpPr>
-          <p:cNvPr id="8" name="Text Box 7"/>
-          <p:cNvSpPr txBox="1"/>
-          <p:nvPr/>
-        </p:nvSpPr>
-        <p:spPr>
-          <a:xfrm>
-            <a:off x="8387080" y="5020310"/>
-            <a:ext cx="1682750" cy="368300"/>
-          </a:xfrm>
-          <a:prstGeom prst="rect">
-            <a:avLst/>
-          </a:prstGeom>
-          <a:noFill/>
-        </p:spPr>
-        <p:txBody>
-          <a:bodyPr wrap="none" rtlCol="0">
-            <a:spAutoFit/>
-          </a:bodyPr>
-          <a:p>
-            <a:r>
-              <a:rPr lang="en-US"/>
-              <a:t>Grayscale image</a:t>
-            </a:r>
-            <a:endParaRPr lang="en-US"/>
-          </a:p>
-        </p:txBody>
-      </p:sp>
-    </p:spTree>
-  </p:cSld>
-  <p:clrMapOvr>
-    <a:masterClrMapping/>
-  </p:clrMapOvr>
-</p:sld>
-</file>
-
-<file path=ppt/slides/slide16.xml><?xml version="1.0" encoding="utf-8"?>
-<p:sld xmlns:a="http://schemas.openxmlformats.org/drawingml/2006/main" xmlns:r="http://schemas.openxmlformats.org/officeDocument/2006/relationships" xmlns:p="http://schemas.openxmlformats.org/presentationml/2006/main">
-  <p:cSld>
-    <p:spTree>
-      <p:nvGrpSpPr>
-        <p:cNvPr id="1" name=""/>
-        <p:cNvGrpSpPr/>
-        <p:nvPr/>
-      </p:nvGrpSpPr>
-      <p:grpSpPr>
-        <a:xfrm>
-          <a:off x="0" y="0"/>
-          <a:ext cx="0" cy="0"/>
-          <a:chOff x="0" y="0"/>
-          <a:chExt cx="0" cy="0"/>
-        </a:xfrm>
-      </p:grpSpPr>
-      <p:sp>
-        <p:nvSpPr>
-          <p:cNvPr id="4" name="Rectangles 3"/>
-          <p:cNvSpPr/>
-          <p:nvPr/>
-        </p:nvSpPr>
-        <p:spPr>
-          <a:xfrm>
-            <a:off x="0" y="268605"/>
-            <a:ext cx="6688455" cy="1017905"/>
-          </a:xfrm>
-          <a:prstGeom prst="rect">
-            <a:avLst/>
-          </a:prstGeom>
-          <a:solidFill>
-            <a:srgbClr val="BC1142"/>
-          </a:solidFill>
-          <a:ln>
-            <a:noFill/>
-          </a:ln>
-        </p:spPr>
-        <p:style>
-          <a:lnRef idx="2">
-            <a:schemeClr val="accent1">
-              <a:shade val="50000"/>
-            </a:schemeClr>
-          </a:lnRef>
-          <a:fillRef idx="1">
-            <a:schemeClr val="accent1"/>
-          </a:fillRef>
-          <a:effectRef idx="0">
-            <a:schemeClr val="accent1"/>
-          </a:effectRef>
-          <a:fontRef idx="minor">
-            <a:schemeClr val="lt1"/>
-          </a:fontRef>
-        </p:style>
-        <p:txBody>
-          <a:bodyPr rtlCol="0" anchor="ctr"/>
-          <a:p>
-            <a:pPr algn="ctr"/>
-            <a:endParaRPr lang="en-US"/>
-          </a:p>
-        </p:txBody>
-      </p:sp>
-      <p:sp>
-        <p:nvSpPr>
-          <p:cNvPr id="2" name="Text Box 1"/>
-          <p:cNvSpPr txBox="1"/>
-          <p:nvPr/>
-        </p:nvSpPr>
-        <p:spPr>
-          <a:xfrm>
-            <a:off x="552450" y="455295"/>
-            <a:ext cx="4042410" cy="645160"/>
-          </a:xfrm>
-          <a:prstGeom prst="rect">
-            <a:avLst/>
-          </a:prstGeom>
-          <a:noFill/>
-        </p:spPr>
-        <p:txBody>
-          <a:bodyPr wrap="none" rtlCol="0">
-            <a:spAutoFit/>
-          </a:bodyPr>
-          <a:p>
-            <a:pPr algn="l"/>
-            <a:r>
-              <a:rPr lang="en-US" sz="3600">
-                <a:solidFill>
-                  <a:schemeClr val="bg1"/>
-                </a:solidFill>
-                <a:sym typeface="+mn-ea"/>
-              </a:rPr>
-              <a:t>Convert To Grayscale</a:t>
+              <a:t>Resize Image</a:t>
             </a:r>
             <a:endParaRPr lang="en-US" sz="3600">
               <a:solidFill>
@@ -6032,13 +4558,7 @@
                 <a:rPr lang="en-US">
                   <a:sym typeface="+mn-ea"/>
                 </a:rPr>
-                <a:t>gray_</a:t>
-              </a:r>
-              <a:r>
-                <a:rPr lang="en-US">
-                  <a:sym typeface="+mn-ea"/>
-                </a:rPr>
-                <a:t>img = cv2.cvtColor(img, cv2.COLOR_BGR2GRAY)</a:t>
+                <a:t>resize_img = cv2.resize(img, (320, 240)) </a:t>
               </a:r>
               <a:endParaRPr lang="en-US">
                 <a:sym typeface="+mn-ea"/>
@@ -6086,7 +4606,7 @@
                 <a:rPr lang="en-US">
                   <a:sym typeface="+mn-ea"/>
                 </a:rPr>
-                <a:t>Convert image to grayscale</a:t>
+                <a:t>resize Image</a:t>
               </a:r>
               <a:endParaRPr lang="en-US"/>
             </a:p>
@@ -6137,13 +4657,13 @@
                 <a:rPr lang="en-US">
                   <a:sym typeface="+mn-ea"/>
                 </a:rPr>
-                <a:t>show_image(gray_img</a:t>
+                <a:t>show_image(resize_img</a:t>
               </a:r>
               <a:r>
                 <a:rPr lang="en-US">
                   <a:sym typeface="+mn-ea"/>
                 </a:rPr>
-                <a:t>, title= 'gray image'</a:t>
+                <a:t>, title= 'resized image'</a:t>
               </a:r>
               <a:r>
                 <a:rPr lang="en-US">
@@ -6231,22 +4751,134 @@
             </a:pPr>
             <a:r>
               <a:rPr lang="en-US"/>
-              <a:t>melakukan convert image dari BGR to GRAY </a:t>
-            </a:r>
-            <a:endParaRPr lang="en-US"/>
-          </a:p>
-          <a:p>
-            <a:pPr marL="285750" indent="-285750">
+              <a:t>untuk melakukan resize image pada OpenCV diprkenalkan beberapa method berikut :</a:t>
+            </a:r>
+            <a:endParaRPr lang="en-US"/>
+          </a:p>
+          <a:p>
+            <a:pPr marL="742950" lvl="1" indent="-285750">
               <a:buFont typeface="Arial" panose="020B0604020202020204" pitchFamily="34" charset="0"/>
               <a:buChar char="•"/>
             </a:pPr>
             <a:r>
-              <a:rPr lang="en-US" b="1">
-                <a:sym typeface="+mn-ea"/>
-              </a:rPr>
-              <a:t>cv2.cvtColor(img, method)</a:t>
+              <a:rPr lang="en-US" b="1"/>
+              <a:t>cv2.resize(img, (w_new, h_new))</a:t>
+            </a:r>
+            <a:r>
+              <a:rPr lang="en-US"/>
+              <a:t> : resize img ke ukuran </a:t>
+            </a:r>
+            <a:r>
+              <a:rPr lang="en-US" b="1"/>
+              <a:t>w_new x h_new</a:t>
             </a:r>
             <a:endParaRPr lang="en-US" b="1"/>
+          </a:p>
+        </p:txBody>
+      </p:sp>
+      <p:pic>
+        <p:nvPicPr>
+          <p:cNvPr id="12" name="Content Placeholder 15" descr="lena"/>
+          <p:cNvPicPr>
+            <a:picLocks noChangeAspect="1"/>
+          </p:cNvPicPr>
+          <p:nvPr/>
+        </p:nvPicPr>
+        <p:blipFill>
+          <a:blip r:embed="rId1"/>
+          <a:stretch>
+            <a:fillRect/>
+          </a:stretch>
+        </p:blipFill>
+        <p:spPr>
+          <a:xfrm>
+            <a:off x="7780655" y="268605"/>
+            <a:ext cx="2051050" cy="1994535"/>
+          </a:xfrm>
+          <a:prstGeom prst="rect">
+            <a:avLst/>
+          </a:prstGeom>
+        </p:spPr>
+      </p:pic>
+      <p:pic>
+        <p:nvPicPr>
+          <p:cNvPr id="19" name="Content Placeholder 15" descr="lena"/>
+          <p:cNvPicPr>
+            <a:picLocks noChangeAspect="1"/>
+          </p:cNvPicPr>
+          <p:nvPr/>
+        </p:nvPicPr>
+        <p:blipFill>
+          <a:blip r:embed="rId1"/>
+          <a:stretch>
+            <a:fillRect/>
+          </a:stretch>
+        </p:blipFill>
+        <p:spPr>
+          <a:xfrm>
+            <a:off x="10201275" y="1170940"/>
+            <a:ext cx="1122680" cy="1092200"/>
+          </a:xfrm>
+          <a:prstGeom prst="rect">
+            <a:avLst/>
+          </a:prstGeom>
+        </p:spPr>
+      </p:pic>
+      <p:sp>
+        <p:nvSpPr>
+          <p:cNvPr id="20" name="Text Box 19"/>
+          <p:cNvSpPr txBox="1"/>
+          <p:nvPr/>
+        </p:nvSpPr>
+        <p:spPr>
+          <a:xfrm>
+            <a:off x="8044180" y="2440305"/>
+            <a:ext cx="1524000" cy="368300"/>
+          </a:xfrm>
+          <a:prstGeom prst="rect">
+            <a:avLst/>
+          </a:prstGeom>
+          <a:noFill/>
+        </p:spPr>
+        <p:txBody>
+          <a:bodyPr wrap="none" rtlCol="0">
+            <a:spAutoFit/>
+          </a:bodyPr>
+          <a:p>
+            <a:r>
+              <a:rPr lang="en-US"/>
+              <a:t>Original image</a:t>
+            </a:r>
+            <a:endParaRPr lang="en-US"/>
+          </a:p>
+        </p:txBody>
+      </p:sp>
+      <p:sp>
+        <p:nvSpPr>
+          <p:cNvPr id="21" name="Text Box 20"/>
+          <p:cNvSpPr txBox="1"/>
+          <p:nvPr/>
+        </p:nvSpPr>
+        <p:spPr>
+          <a:xfrm>
+            <a:off x="10069830" y="2440305"/>
+            <a:ext cx="1491615" cy="368300"/>
+          </a:xfrm>
+          <a:prstGeom prst="rect">
+            <a:avLst/>
+          </a:prstGeom>
+          <a:noFill/>
+        </p:spPr>
+        <p:txBody>
+          <a:bodyPr wrap="none" rtlCol="0">
+            <a:spAutoFit/>
+          </a:bodyPr>
+          <a:p>
+            <a:r>
+              <a:rPr lang="en-US"/>
+              <a:t>Resized image</a:t>
+            </a:r>
+            <a:endParaRPr lang="en-US"/>
           </a:p>
         </p:txBody>
       </p:sp>
@@ -6258,7 +4890,7 @@
 </p:sld>
 </file>
 
-<file path=ppt/slides/slide17.xml><?xml version="1.0" encoding="utf-8"?>
+<file path=ppt/slides/slide12.xml><?xml version="1.0" encoding="utf-8"?>
 <p:sld xmlns:a="http://schemas.openxmlformats.org/drawingml/2006/main" xmlns:r="http://schemas.openxmlformats.org/officeDocument/2006/relationships" xmlns:p="http://schemas.openxmlformats.org/presentationml/2006/main">
   <p:cSld>
     <p:spTree>
@@ -6284,7 +4916,7 @@
         <p:spPr>
           <a:xfrm>
             <a:off x="0" y="268605"/>
-            <a:ext cx="9344025" cy="1017905"/>
+            <a:ext cx="6688455" cy="1017905"/>
           </a:xfrm>
           <a:prstGeom prst="rect">
             <a:avLst/>
@@ -6329,7 +4961,7 @@
         <p:spPr>
           <a:xfrm>
             <a:off x="552450" y="455295"/>
-            <a:ext cx="7492365" cy="645160"/>
+            <a:ext cx="6022340" cy="645160"/>
           </a:xfrm>
           <a:prstGeom prst="rect">
             <a:avLst/>
@@ -6341,15 +4973,13 @@
             <a:spAutoFit/>
           </a:bodyPr>
           <a:p>
-            <a:pPr algn="l"/>
             <a:r>
               <a:rPr lang="en-US" sz="3600">
                 <a:solidFill>
                   <a:schemeClr val="bg1"/>
                 </a:solidFill>
-                <a:sym typeface="+mn-ea"/>
               </a:rPr>
-              <a:t>Convert To Grayscale Kode Keseluruhan</a:t>
+              <a:t>Resize Image Kode Keseluruhan</a:t>
             </a:r>
             <a:endParaRPr lang="en-US" sz="3600">
               <a:solidFill>
@@ -6418,7 +5048,7 @@
                 <a:rPr lang="en-US">
                   <a:sym typeface="+mn-ea"/>
                 </a:rPr>
-                <a:t>gray_img = cv2.cvtColor(img, cv2.COLOR_BGR2GRAY)</a:t>
+                <a:t>resize_img = cv2.resize(img, (320, 240)) </a:t>
               </a:r>
               <a:endParaRPr lang="en-US">
                 <a:sym typeface="+mn-ea"/>
@@ -6434,13 +5064,13 @@
                 <a:rPr lang="en-US">
                   <a:sym typeface="+mn-ea"/>
                 </a:rPr>
-                <a:t>show_image(gray_img</a:t>
+                <a:t>show_image(resize_img</a:t>
               </a:r>
               <a:r>
                 <a:rPr lang="en-US">
                   <a:sym typeface="+mn-ea"/>
                 </a:rPr>
-                <a:t>, title= 'gray image'</a:t>
+                <a:t>, title= 'resized image'</a:t>
               </a:r>
               <a:r>
                 <a:rPr lang="en-US">
@@ -6494,7 +5124,7 @@
                 <a:rPr lang="en-US">
                   <a:sym typeface="+mn-ea"/>
                 </a:rPr>
-                <a:t>Convert image to grayscale</a:t>
+                <a:t>Read Image</a:t>
               </a:r>
               <a:endParaRPr lang="en-US"/>
             </a:p>
@@ -6509,7 +5139,7 @@
 </p:sld>
 </file>
 
-<file path=ppt/slides/slide18.xml><?xml version="1.0" encoding="utf-8"?>
+<file path=ppt/slides/slide13.xml><?xml version="1.0" encoding="utf-8"?>
 <p:sld xmlns:a="http://schemas.openxmlformats.org/drawingml/2006/main" xmlns:r="http://schemas.openxmlformats.org/officeDocument/2006/relationships" xmlns:p="http://schemas.openxmlformats.org/presentationml/2006/main">
   <p:cSld>
     <p:spTree>
@@ -6535,7 +5165,7 @@
         <p:spPr>
           <a:xfrm>
             <a:off x="0" y="268605"/>
-            <a:ext cx="9344025" cy="1017905"/>
+            <a:ext cx="6688455" cy="1017905"/>
           </a:xfrm>
           <a:prstGeom prst="rect">
             <a:avLst/>
@@ -6580,7 +5210,7 @@
         <p:spPr>
           <a:xfrm>
             <a:off x="552450" y="455295"/>
-            <a:ext cx="7364730" cy="645160"/>
+            <a:ext cx="5549900" cy="645160"/>
           </a:xfrm>
           <a:prstGeom prst="rect">
             <a:avLst/>
@@ -6592,15 +5222,13 @@
             <a:spAutoFit/>
           </a:bodyPr>
           <a:p>
-            <a:pPr algn="l"/>
             <a:r>
               <a:rPr lang="en-US" sz="3600">
                 <a:solidFill>
                   <a:schemeClr val="bg1"/>
                 </a:solidFill>
-                <a:sym typeface="+mn-ea"/>
               </a:rPr>
-              <a:t>Convert To Grayscale didalam Function</a:t>
+              <a:t>Resize Image dalam Function</a:t>
             </a:r>
             <a:endParaRPr lang="en-US" sz="3600">
               <a:solidFill>
@@ -6633,7 +5261,7 @@
           <p:spPr>
             <a:xfrm>
               <a:off x="1145" y="3779"/>
-              <a:ext cx="12259" cy="1452"/>
+              <a:ext cx="8363" cy="1452"/>
             </a:xfrm>
             <a:prstGeom prst="rect">
               <a:avLst/>
@@ -6653,7 +5281,7 @@
                 <a:rPr lang="en-US">
                   <a:sym typeface="+mn-ea"/>
                 </a:rPr>
-                <a:t>def convert_gray(img):</a:t>
+                <a:t>def resize(img, size=(320,240)):</a:t>
               </a:r>
               <a:endParaRPr lang="en-US">
                 <a:sym typeface="+mn-ea"/>
@@ -6664,7 +5292,13 @@
                 <a:rPr lang="en-US">
                   <a:sym typeface="+mn-ea"/>
                 </a:rPr>
-                <a:t>      gray_img = cv2.cvtColor(img, cv2.COLOR_BGR2GRAY)</a:t>
+                <a:t>         </a:t>
+              </a:r>
+              <a:r>
+                <a:rPr lang="en-US">
+                  <a:sym typeface="+mn-ea"/>
+                </a:rPr>
+                <a:t>resize_img = cv2.resize(img, size) </a:t>
               </a:r>
               <a:endParaRPr lang="en-US">
                 <a:sym typeface="+mn-ea"/>
@@ -6675,7 +5309,13 @@
                 <a:rPr lang="en-US">
                   <a:sym typeface="+mn-ea"/>
                 </a:rPr>
-                <a:t>      return gray_img</a:t>
+                <a:t>         return </a:t>
+              </a:r>
+              <a:r>
+                <a:rPr lang="en-US">
+                  <a:sym typeface="+mn-ea"/>
+                </a:rPr>
+                <a:t>resize_img</a:t>
               </a:r>
               <a:endParaRPr lang="en-US">
                 <a:sym typeface="+mn-ea"/>
@@ -6720,10 +5360,8 @@
                 <a:buChar char="•"/>
               </a:pPr>
               <a:r>
-                <a:rPr lang="en-US">
-                  <a:sym typeface="+mn-ea"/>
-                </a:rPr>
-                <a:t>Function Convert image to grayscale</a:t>
+                <a:rPr lang="en-US"/>
+                <a:t>Function resize</a:t>
               </a:r>
               <a:endParaRPr lang="en-US"/>
             </a:p>
@@ -6738,16 +5376,14 @@
         </p:nvSpPr>
         <p:spPr>
           <a:xfrm>
-            <a:off x="685800" y="3243580"/>
-            <a:ext cx="7784465" cy="1476375"/>
+            <a:off x="685800" y="3153410"/>
+            <a:ext cx="5310505" cy="1198880"/>
           </a:xfrm>
           <a:prstGeom prst="rect">
             <a:avLst/>
           </a:prstGeom>
           <a:solidFill>
-            <a:schemeClr val="bg1">
-              <a:lumMod val="85000"/>
-            </a:schemeClr>
+            <a:srgbClr val="D9D9D9"/>
           </a:solidFill>
         </p:spPr>
         <p:txBody>
@@ -6766,38 +5402,33 @@
             </a:endParaRPr>
           </a:p>
           <a:p>
+            <a:r>
+              <a:rPr lang="en-US">
+                <a:sym typeface="+mn-ea"/>
+              </a:rPr>
+              <a:t>resize_img = resize(img, size=(720, 680))</a:t>
+            </a:r>
             <a:endParaRPr lang="en-US">
               <a:sym typeface="+mn-ea"/>
             </a:endParaRPr>
           </a:p>
           <a:p>
+            <a:endParaRPr lang="en-US">
+              <a:sym typeface="+mn-ea"/>
+            </a:endParaRPr>
+          </a:p>
+          <a:p>
             <a:r>
               <a:rPr lang="en-US">
                 <a:sym typeface="+mn-ea"/>
               </a:rPr>
-              <a:t>gray_img = convert_gray(img)</a:t>
-            </a:r>
-            <a:endParaRPr lang="en-US">
-              <a:sym typeface="+mn-ea"/>
-            </a:endParaRPr>
-          </a:p>
-          <a:p>
-            <a:endParaRPr lang="en-US">
-              <a:sym typeface="+mn-ea"/>
-            </a:endParaRPr>
-          </a:p>
-          <a:p>
+              <a:t>show_image(resize_img</a:t>
+            </a:r>
             <a:r>
               <a:rPr lang="en-US">
                 <a:sym typeface="+mn-ea"/>
               </a:rPr>
-              <a:t>show_image(gray_img</a:t>
-            </a:r>
-            <a:r>
-              <a:rPr lang="en-US">
-                <a:sym typeface="+mn-ea"/>
-              </a:rPr>
-              <a:t>, title= 'gray image'</a:t>
+              <a:t>, title= 'resized image'</a:t>
             </a:r>
             <a:r>
               <a:rPr lang="en-US">
@@ -6805,9 +5436,7 @@
               </a:rPr>
               <a:t>)</a:t>
             </a:r>
-            <a:endParaRPr lang="en-US">
-              <a:sym typeface="+mn-ea"/>
-            </a:endParaRPr>
+            <a:endParaRPr lang="en-US"/>
           </a:p>
         </p:txBody>
       </p:sp>
@@ -6819,7 +5448,7 @@
 </p:sld>
 </file>
 
-<file path=ppt/slides/slide19.xml><?xml version="1.0" encoding="utf-8"?>
+<file path=ppt/slides/slide14.xml><?xml version="1.0" encoding="utf-8"?>
 <p:sld xmlns:a="http://schemas.openxmlformats.org/drawingml/2006/main" xmlns:r="http://schemas.openxmlformats.org/officeDocument/2006/relationships" xmlns:p="http://schemas.openxmlformats.org/presentationml/2006/main">
   <p:cSld>
     <p:spTree>
@@ -6845,7 +5474,7 @@
         <p:spPr>
           <a:xfrm>
             <a:off x="0" y="268605"/>
-            <a:ext cx="9344025" cy="1017905"/>
+            <a:ext cx="6688455" cy="1017905"/>
           </a:xfrm>
           <a:prstGeom prst="rect">
             <a:avLst/>
@@ -6890,7 +5519,7 @@
         <p:spPr>
           <a:xfrm>
             <a:off x="552450" y="455295"/>
-            <a:ext cx="6953250" cy="645160"/>
+            <a:ext cx="4241800" cy="645160"/>
           </a:xfrm>
           <a:prstGeom prst="rect">
             <a:avLst/>
@@ -6902,15 +5531,13 @@
             <a:spAutoFit/>
           </a:bodyPr>
           <a:p>
-            <a:pPr algn="l"/>
             <a:r>
               <a:rPr lang="en-US" sz="3600">
                 <a:solidFill>
                   <a:schemeClr val="bg1"/>
                 </a:solidFill>
-                <a:sym typeface="+mn-ea"/>
               </a:rPr>
-              <a:t>Convert Multiple Image To Grayscale</a:t>
+              <a:t>Resize Multiple Image</a:t>
             </a:r>
             <a:endParaRPr lang="en-US" sz="3600">
               <a:solidFill>
@@ -6943,7 +5570,7 @@
           <p:spPr>
             <a:xfrm>
               <a:off x="1145" y="3779"/>
-              <a:ext cx="12259" cy="3633"/>
+              <a:ext cx="8363" cy="3633"/>
             </a:xfrm>
             <a:prstGeom prst="rect">
               <a:avLst/>
@@ -7012,11 +5639,9 @@
                 <a:rPr lang="en-US">
                   <a:sym typeface="+mn-ea"/>
                 </a:rPr>
-                <a:t>gray_img = convert_gray(img)</a:t>
-              </a:r>
-              <a:endParaRPr lang="en-US">
-                <a:sym typeface="+mn-ea"/>
-              </a:endParaRPr>
+                <a:t>resize_img = resize(img, size=(720,680))</a:t>
+              </a:r>
+              <a:endParaRPr lang="en-US"/>
             </a:p>
             <a:p>
               <a:pPr lvl="1"/>
@@ -7024,13 +5649,13 @@
                 <a:rPr lang="en-US">
                   <a:sym typeface="+mn-ea"/>
                 </a:rPr>
-                <a:t>show_image(gray_img</a:t>
+                <a:t>show_image(resize_img</a:t>
               </a:r>
               <a:r>
                 <a:rPr lang="en-US">
                   <a:sym typeface="+mn-ea"/>
                 </a:rPr>
-                <a:t>, title= 'gray image : %s' % name</a:t>
+                <a:t>, title= 'resized image'</a:t>
               </a:r>
               <a:r>
                 <a:rPr lang="en-US">
@@ -7084,10 +5709,8 @@
                 <a:buChar char="•"/>
               </a:pPr>
               <a:r>
-                <a:rPr lang="en-US">
-                  <a:sym typeface="+mn-ea"/>
-                </a:rPr>
-                <a:t>Covert multiple image to grayscale menggunakan library os</a:t>
+                <a:rPr lang="en-US"/>
+                <a:t>resize multiple image menggunakan library os</a:t>
               </a:r>
               <a:endParaRPr lang="en-US"/>
             </a:p>
@@ -7102,7 +5725,308 @@
 </p:sld>
 </file>
 
-<file path=ppt/slides/slide2.xml><?xml version="1.0" encoding="utf-8"?>
+<file path=ppt/slides/slide15.xml><?xml version="1.0" encoding="utf-8"?>
+<p:sld xmlns:a="http://schemas.openxmlformats.org/drawingml/2006/main" xmlns:r="http://schemas.openxmlformats.org/officeDocument/2006/relationships" xmlns:p="http://schemas.openxmlformats.org/presentationml/2006/main">
+  <p:cSld>
+    <p:spTree>
+      <p:nvGrpSpPr>
+        <p:cNvPr id="1" name=""/>
+        <p:cNvGrpSpPr/>
+        <p:nvPr/>
+      </p:nvGrpSpPr>
+      <p:grpSpPr>
+        <a:xfrm>
+          <a:off x="0" y="0"/>
+          <a:ext cx="0" cy="0"/>
+          <a:chOff x="0" y="0"/>
+          <a:chExt cx="0" cy="0"/>
+        </a:xfrm>
+      </p:grpSpPr>
+      <p:sp>
+        <p:nvSpPr>
+          <p:cNvPr id="4" name="Rectangles 3"/>
+          <p:cNvSpPr/>
+          <p:nvPr/>
+        </p:nvSpPr>
+        <p:spPr>
+          <a:xfrm>
+            <a:off x="0" y="268605"/>
+            <a:ext cx="6688455" cy="1017905"/>
+          </a:xfrm>
+          <a:prstGeom prst="rect">
+            <a:avLst/>
+          </a:prstGeom>
+          <a:solidFill>
+            <a:srgbClr val="BC1142"/>
+          </a:solidFill>
+          <a:ln>
+            <a:noFill/>
+          </a:ln>
+        </p:spPr>
+        <p:style>
+          <a:lnRef idx="2">
+            <a:schemeClr val="accent1">
+              <a:shade val="50000"/>
+            </a:schemeClr>
+          </a:lnRef>
+          <a:fillRef idx="1">
+            <a:schemeClr val="accent1"/>
+          </a:fillRef>
+          <a:effectRef idx="0">
+            <a:schemeClr val="accent1"/>
+          </a:effectRef>
+          <a:fontRef idx="minor">
+            <a:schemeClr val="lt1"/>
+          </a:fontRef>
+        </p:style>
+        <p:txBody>
+          <a:bodyPr rtlCol="0" anchor="ctr"/>
+          <a:p>
+            <a:pPr algn="ctr"/>
+            <a:endParaRPr lang="en-US"/>
+          </a:p>
+        </p:txBody>
+      </p:sp>
+      <p:sp>
+        <p:nvSpPr>
+          <p:cNvPr id="2" name="Text Box 1"/>
+          <p:cNvSpPr txBox="1"/>
+          <p:nvPr/>
+        </p:nvSpPr>
+        <p:spPr>
+          <a:xfrm>
+            <a:off x="552450" y="455295"/>
+            <a:ext cx="5637530" cy="645160"/>
+          </a:xfrm>
+          <a:prstGeom prst="rect">
+            <a:avLst/>
+          </a:prstGeom>
+          <a:noFill/>
+        </p:spPr>
+        <p:txBody>
+          <a:bodyPr wrap="none" rtlCol="0">
+            <a:spAutoFit/>
+          </a:bodyPr>
+          <a:p>
+            <a:r>
+              <a:rPr lang="en-US" sz="3600">
+                <a:solidFill>
+                  <a:schemeClr val="bg1"/>
+                </a:solidFill>
+              </a:rPr>
+              <a:t>Resize &amp; Crop Multiple Image</a:t>
+            </a:r>
+            <a:endParaRPr lang="en-US" sz="3600">
+              <a:solidFill>
+                <a:schemeClr val="bg1"/>
+              </a:solidFill>
+            </a:endParaRPr>
+          </a:p>
+        </p:txBody>
+      </p:sp>
+      <p:grpSp>
+        <p:nvGrpSpPr>
+          <p:cNvPr id="13" name="Group 12"/>
+          <p:cNvGrpSpPr/>
+          <p:nvPr/>
+        </p:nvGrpSpPr>
+        <p:grpSpPr>
+          <a:xfrm>
+            <a:off x="685800" y="1525905"/>
+            <a:ext cx="9384030" cy="2952750"/>
+            <a:chOff x="1145" y="3199"/>
+            <a:chExt cx="14778" cy="4650"/>
+          </a:xfrm>
+        </p:grpSpPr>
+        <p:sp>
+          <p:nvSpPr>
+            <p:cNvPr id="14" name="Text Box 13"/>
+            <p:cNvSpPr txBox="1"/>
+            <p:nvPr/>
+          </p:nvSpPr>
+          <p:spPr>
+            <a:xfrm>
+              <a:off x="1145" y="3779"/>
+              <a:ext cx="13032" cy="4070"/>
+            </a:xfrm>
+            <a:prstGeom prst="rect">
+              <a:avLst/>
+            </a:prstGeom>
+            <a:solidFill>
+              <a:schemeClr val="bg1">
+                <a:lumMod val="85000"/>
+              </a:schemeClr>
+            </a:solidFill>
+          </p:spPr>
+          <p:txBody>
+            <a:bodyPr wrap="square" rtlCol="0" anchor="t">
+              <a:spAutoFit/>
+            </a:bodyPr>
+            <a:p>
+              <a:r>
+                <a:rPr lang="en-US">
+                  <a:sym typeface="+mn-ea"/>
+                </a:rPr>
+                <a:t>filenames = os.listdir("folder_1")</a:t>
+              </a:r>
+              <a:endParaRPr lang="en-US">
+                <a:sym typeface="+mn-ea"/>
+              </a:endParaRPr>
+            </a:p>
+            <a:p>
+              <a:endParaRPr lang="en-US">
+                <a:sym typeface="+mn-ea"/>
+              </a:endParaRPr>
+            </a:p>
+            <a:p>
+              <a:r>
+                <a:rPr lang="en-US">
+                  <a:sym typeface="+mn-ea"/>
+                </a:rPr>
+                <a:t>for name in filenames :</a:t>
+              </a:r>
+              <a:endParaRPr lang="en-US">
+                <a:sym typeface="+mn-ea"/>
+              </a:endParaRPr>
+            </a:p>
+            <a:p>
+              <a:r>
+                <a:rPr lang="en-US">
+                  <a:sym typeface="+mn-ea"/>
+                </a:rPr>
+                <a:t>         print(name)</a:t>
+              </a:r>
+              <a:endParaRPr lang="en-US">
+                <a:sym typeface="+mn-ea"/>
+              </a:endParaRPr>
+            </a:p>
+            <a:p>
+              <a:pPr lvl="1"/>
+              <a:r>
+                <a:rPr lang="en-US">
+                  <a:sym typeface="+mn-ea"/>
+                </a:rPr>
+                <a:t>img = cv2.imread("folder_1/" + name)</a:t>
+              </a:r>
+              <a:endParaRPr lang="en-US">
+                <a:sym typeface="+mn-ea"/>
+              </a:endParaRPr>
+            </a:p>
+            <a:p>
+              <a:pPr lvl="1"/>
+              <a:r>
+                <a:rPr lang="en-US">
+                  <a:sym typeface="+mn-ea"/>
+                </a:rPr>
+                <a:t>crop_img = crop(img, 20, 100, 50, 150)</a:t>
+              </a:r>
+              <a:endParaRPr lang="en-US"/>
+            </a:p>
+            <a:p>
+              <a:pPr lvl="1"/>
+              <a:r>
+                <a:rPr lang="en-US">
+                  <a:sym typeface="+mn-ea"/>
+                </a:rPr>
+                <a:t>resize_img = resize(</a:t>
+              </a:r>
+              <a:r>
+                <a:rPr lang="en-US">
+                  <a:sym typeface="+mn-ea"/>
+                </a:rPr>
+                <a:t>crop_img</a:t>
+              </a:r>
+              <a:r>
+                <a:rPr lang="en-US">
+                  <a:sym typeface="+mn-ea"/>
+                </a:rPr>
+                <a:t>, size=(720, 680))</a:t>
+              </a:r>
+              <a:endParaRPr lang="en-US"/>
+            </a:p>
+            <a:p>
+              <a:pPr lvl="1"/>
+              <a:r>
+                <a:rPr lang="en-US">
+                  <a:sym typeface="+mn-ea"/>
+                </a:rPr>
+                <a:t>show_image(resize_img</a:t>
+              </a:r>
+              <a:r>
+                <a:rPr lang="en-US">
+                  <a:sym typeface="+mn-ea"/>
+                </a:rPr>
+                <a:t>, title= 'resized image : %s ' % name</a:t>
+              </a:r>
+              <a:r>
+                <a:rPr lang="en-US">
+                  <a:sym typeface="+mn-ea"/>
+                </a:rPr>
+                <a:t>)</a:t>
+              </a:r>
+              <a:endParaRPr lang="en-US"/>
+            </a:p>
+            <a:p>
+              <a:endParaRPr lang="en-US">
+                <a:sym typeface="+mn-ea"/>
+              </a:endParaRPr>
+            </a:p>
+          </p:txBody>
+        </p:sp>
+        <p:sp>
+          <p:nvSpPr>
+            <p:cNvPr id="15" name="Text Box 14"/>
+            <p:cNvSpPr txBox="1"/>
+            <p:nvPr/>
+          </p:nvSpPr>
+          <p:spPr>
+            <a:xfrm>
+              <a:off x="1145" y="3199"/>
+              <a:ext cx="14778" cy="580"/>
+            </a:xfrm>
+            <a:prstGeom prst="rect">
+              <a:avLst/>
+            </a:prstGeom>
+            <a:noFill/>
+            <a:extLst>
+              <a:ext uri="{909E8E84-426E-40DD-AFC4-6F175D3DCCD1}">
+                <a14:hiddenFill xmlns:a14="http://schemas.microsoft.com/office/drawing/2010/main">
+                  <a:solidFill>
+                    <a:schemeClr val="bg1">
+                      <a:lumMod val="85000"/>
+                    </a:schemeClr>
+                  </a:solidFill>
+                </a14:hiddenFill>
+              </a:ext>
+            </a:extLst>
+          </p:spPr>
+          <p:txBody>
+            <a:bodyPr wrap="square" rtlCol="0" anchor="t">
+              <a:spAutoFit/>
+            </a:bodyPr>
+            <a:p>
+              <a:pPr marL="285750" indent="-285750">
+                <a:buFont typeface="Arial" panose="020B0604020202020204" pitchFamily="34" charset="0"/>
+                <a:buChar char="•"/>
+              </a:pPr>
+              <a:r>
+                <a:rPr lang="en-US"/>
+                <a:t>resize multiple image menggunakan library os</a:t>
+              </a:r>
+              <a:endParaRPr lang="en-US"/>
+            </a:p>
+          </p:txBody>
+        </p:sp>
+      </p:grpSp>
+    </p:spTree>
+  </p:cSld>
+  <p:clrMapOvr>
+    <a:masterClrMapping/>
+  </p:clrMapOvr>
+</p:sld>
+</file>
+
+<file path=ppt/slides/slide16.xml><?xml version="1.0" encoding="utf-8"?>
 <p:sld xmlns:a="http://schemas.openxmlformats.org/drawingml/2006/main" xmlns:r="http://schemas.openxmlformats.org/officeDocument/2006/relationships" xmlns:p="http://schemas.openxmlformats.org/presentationml/2006/main">
   <p:cSld>
     <p:spTree>
@@ -7199,7 +6123,7 @@
                     <a:schemeClr val="bg1"/>
                   </a:solidFill>
                 </a:rPr>
-                <a:t>Crop Image</a:t>
+                <a:t>Convert Image Color</a:t>
               </a:r>
               <a:endParaRPr lang="en-US" sz="3600">
                 <a:solidFill>
@@ -7242,7 +6166,7 @@
 </p:sld>
 </file>
 
-<file path=ppt/slides/slide20.xml><?xml version="1.0" encoding="utf-8"?>
+<file path=ppt/slides/slide17.xml><?xml version="1.0" encoding="utf-8"?>
 <p:sld xmlns:a="http://schemas.openxmlformats.org/drawingml/2006/main" xmlns:r="http://schemas.openxmlformats.org/officeDocument/2006/relationships" xmlns:p="http://schemas.openxmlformats.org/presentationml/2006/main">
   <p:cSld>
     <p:spTree>
@@ -7254,14 +6178,141 @@
       <p:grpSpPr/>
       <p:sp>
         <p:nvSpPr>
-          <p:cNvPr id="6" name="Rectangles 5"/>
+          <p:cNvPr id="4" name="Text Box 3"/>
+          <p:cNvSpPr txBox="1"/>
+          <p:nvPr/>
+        </p:nvSpPr>
+        <p:spPr>
+          <a:xfrm>
+            <a:off x="873125" y="1426845"/>
+            <a:ext cx="9842500" cy="4246245"/>
+          </a:xfrm>
+          <a:prstGeom prst="rect">
+            <a:avLst/>
+          </a:prstGeom>
+          <a:noFill/>
+        </p:spPr>
+        <p:txBody>
+          <a:bodyPr wrap="square" rtlCol="0" anchor="t">
+            <a:spAutoFit/>
+          </a:bodyPr>
+          <a:p>
+            <a:r>
+              <a:rPr lang="en-US"/>
+              <a:t>Diperkenalkan method</a:t>
+            </a:r>
+            <a:r>
+              <a:rPr lang="en-US" b="1"/>
+              <a:t> cv2.cvtColor(img, method) </a:t>
+            </a:r>
+            <a:r>
+              <a:rPr lang="en-US"/>
+              <a:t>untuk color conversion pada OpenCV</a:t>
+            </a:r>
+            <a:endParaRPr lang="en-US"/>
+          </a:p>
+          <a:p>
+            <a:endParaRPr lang="en-US"/>
+          </a:p>
+          <a:p>
+            <a:r>
+              <a:rPr lang="en-US"/>
+              <a:t>Berikut adalah </a:t>
+            </a:r>
+            <a:r>
+              <a:rPr lang="en-US" b="1"/>
+              <a:t>method </a:t>
+            </a:r>
+            <a:r>
+              <a:rPr lang="en-US"/>
+              <a:t>convert color yang dapat digunakan :</a:t>
+            </a:r>
+            <a:endParaRPr lang="en-US"/>
+          </a:p>
+          <a:p>
+            <a:endParaRPr lang="en-US"/>
+          </a:p>
+          <a:p>
+            <a:r>
+              <a:rPr lang="en-US"/>
+              <a:t>convert BGR &lt;--&gt; RGB</a:t>
+            </a:r>
+            <a:endParaRPr lang="en-US"/>
+          </a:p>
+          <a:p>
+            <a:r>
+              <a:rPr lang="en-US" b="1"/>
+              <a:t>cv2.COLOR_BGR2RGB</a:t>
+            </a:r>
+            <a:endParaRPr lang="en-US" b="1"/>
+          </a:p>
+          <a:p>
+            <a:r>
+              <a:rPr lang="en-US" b="1"/>
+              <a:t>cv2.COLOR_RGB2BGR</a:t>
+            </a:r>
+            <a:endParaRPr lang="en-US" b="1"/>
+          </a:p>
+          <a:p>
+            <a:endParaRPr lang="en-US"/>
+          </a:p>
+          <a:p>
+            <a:r>
+              <a:rPr lang="en-US"/>
+              <a:t>convert BGR &lt;--&gt; HSV</a:t>
+            </a:r>
+            <a:endParaRPr lang="en-US"/>
+          </a:p>
+          <a:p>
+            <a:r>
+              <a:rPr lang="en-US" b="1"/>
+              <a:t>cv2.COLOR_BGR2HSV</a:t>
+            </a:r>
+            <a:endParaRPr lang="en-US" b="1"/>
+          </a:p>
+          <a:p>
+            <a:r>
+              <a:rPr lang="en-US" b="1"/>
+              <a:t>cv2.COLOR_HSV2RGB</a:t>
+            </a:r>
+            <a:endParaRPr lang="en-US" b="1"/>
+          </a:p>
+          <a:p>
+            <a:endParaRPr lang="en-US"/>
+          </a:p>
+          <a:p>
+            <a:r>
+              <a:rPr lang="en-US"/>
+              <a:t>convert BGR &lt;--&gt; GRAY</a:t>
+            </a:r>
+            <a:endParaRPr lang="en-US"/>
+          </a:p>
+          <a:p>
+            <a:r>
+              <a:rPr lang="en-US" b="1"/>
+              <a:t>cv2.COLOR_BGR2GRAY</a:t>
+            </a:r>
+            <a:endParaRPr lang="en-US" b="1"/>
+          </a:p>
+          <a:p>
+            <a:r>
+              <a:rPr lang="en-US" b="1"/>
+              <a:t>cv2.COLOR_GRAY2RGB</a:t>
+            </a:r>
+            <a:endParaRPr lang="en-US" b="1"/>
+          </a:p>
+        </p:txBody>
+      </p:sp>
+      <p:sp>
+        <p:nvSpPr>
+          <p:cNvPr id="5" name="Rectangles 4"/>
           <p:cNvSpPr/>
           <p:nvPr/>
         </p:nvSpPr>
         <p:spPr>
           <a:xfrm>
             <a:off x="0" y="268605"/>
-            <a:ext cx="11435080" cy="1017905"/>
+            <a:ext cx="6688455" cy="1017905"/>
           </a:xfrm>
           <a:prstGeom prst="rect">
             <a:avLst/>
@@ -7299,54 +6350,147 @@
       </p:sp>
       <p:sp>
         <p:nvSpPr>
-          <p:cNvPr id="2" name="Title 1"/>
-          <p:cNvSpPr>
-            <a:spLocks noGrp="1"/>
-          </p:cNvSpPr>
-          <p:nvPr>
-            <p:ph type="title"/>
-          </p:nvPr>
+          <p:cNvPr id="6" name="Text Box 5"/>
+          <p:cNvSpPr txBox="1"/>
+          <p:nvPr/>
         </p:nvSpPr>
         <p:spPr>
           <a:xfrm>
-            <a:off x="737235" y="268605"/>
-            <a:ext cx="10515600" cy="1057275"/>
-          </a:xfrm>
+            <a:off x="552450" y="455295"/>
+            <a:ext cx="4580890" cy="645160"/>
+          </a:xfrm>
+          <a:prstGeom prst="rect">
+            <a:avLst/>
+          </a:prstGeom>
+          <a:noFill/>
         </p:spPr>
         <p:txBody>
-          <a:bodyPr/>
-          <a:p>
-            <a:r>
-              <a:rPr lang="en-US">
+          <a:bodyPr wrap="none" rtlCol="0">
+            <a:spAutoFit/>
+          </a:bodyPr>
+          <a:p>
+            <a:pPr algn="l"/>
+            <a:r>
+              <a:rPr lang="en-US" sz="3600">
                 <a:solidFill>
                   <a:schemeClr val="bg1"/>
                 </a:solidFill>
+                <a:sym typeface="+mn-ea"/>
               </a:rPr>
-              <a:t>Sumber</a:t>
-            </a:r>
-            <a:endParaRPr lang="en-US">
+              <a:t>Image Color Conversion</a:t>
+            </a:r>
+            <a:endParaRPr lang="en-US" sz="3600">
               <a:solidFill>
                 <a:schemeClr val="bg1"/>
               </a:solidFill>
+              <a:sym typeface="+mn-ea"/>
             </a:endParaRPr>
           </a:p>
         </p:txBody>
       </p:sp>
-      <p:sp>
-        <p:nvSpPr>
-          <p:cNvPr id="4" name="Content Placeholder 3"/>
-          <p:cNvSpPr/>
-          <p:nvPr>
-            <p:ph idx="1"/>
-          </p:nvPr>
-        </p:nvSpPr>
-        <p:spPr/>
-        <p:txBody>
-          <a:bodyPr/>
+      <p:pic>
+        <p:nvPicPr>
+          <p:cNvPr id="12" name="Content Placeholder 15" descr="lena"/>
+          <p:cNvPicPr>
+            <a:picLocks noChangeAspect="1"/>
+          </p:cNvPicPr>
+          <p:nvPr/>
+        </p:nvPicPr>
+        <p:blipFill>
+          <a:blip r:embed="rId1"/>
+          <a:stretch>
+            <a:fillRect/>
+          </a:stretch>
+        </p:blipFill>
+        <p:spPr>
+          <a:xfrm>
+            <a:off x="5396865" y="2848610"/>
+            <a:ext cx="2051050" cy="1994535"/>
+          </a:xfrm>
+          <a:prstGeom prst="rect">
+            <a:avLst/>
+          </a:prstGeom>
+        </p:spPr>
+      </p:pic>
+      <p:sp>
+        <p:nvSpPr>
+          <p:cNvPr id="20" name="Text Box 19"/>
+          <p:cNvSpPr txBox="1"/>
+          <p:nvPr/>
+        </p:nvSpPr>
+        <p:spPr>
+          <a:xfrm>
+            <a:off x="5660390" y="5020310"/>
+            <a:ext cx="1524000" cy="368300"/>
+          </a:xfrm>
+          <a:prstGeom prst="rect">
+            <a:avLst/>
+          </a:prstGeom>
+          <a:noFill/>
+        </p:spPr>
+        <p:txBody>
+          <a:bodyPr wrap="none" rtlCol="0">
+            <a:spAutoFit/>
+          </a:bodyPr>
           <a:p>
             <a:r>
               <a:rPr lang="en-US"/>
-              <a:t>https://github.com/Muhammad-Yunus/Belajar-Computer-Vision/blob/master/08.%20OpenCV%20-%20Part%202/08.%20OpenCV%20-%20Part%202.ipynb</a:t>
+              <a:t>Original image</a:t>
+            </a:r>
+            <a:endParaRPr lang="en-US"/>
+          </a:p>
+        </p:txBody>
+      </p:sp>
+      <p:pic>
+        <p:nvPicPr>
+          <p:cNvPr id="7" name="Content Placeholder 15" descr="lena"/>
+          <p:cNvPicPr>
+            <a:picLocks noChangeAspect="1"/>
+          </p:cNvPicPr>
+          <p:nvPr/>
+        </p:nvPicPr>
+        <p:blipFill>
+          <a:blip r:embed="rId1">
+            <a:grayscl/>
+          </a:blip>
+          <a:stretch>
+            <a:fillRect/>
+          </a:stretch>
+        </p:blipFill>
+        <p:spPr>
+          <a:xfrm>
+            <a:off x="8202930" y="2848610"/>
+            <a:ext cx="2051050" cy="1994535"/>
+          </a:xfrm>
+          <a:prstGeom prst="rect">
+            <a:avLst/>
+          </a:prstGeom>
+        </p:spPr>
+      </p:pic>
+      <p:sp>
+        <p:nvSpPr>
+          <p:cNvPr id="8" name="Text Box 7"/>
+          <p:cNvSpPr txBox="1"/>
+          <p:nvPr/>
+        </p:nvSpPr>
+        <p:spPr>
+          <a:xfrm>
+            <a:off x="8387080" y="5020310"/>
+            <a:ext cx="1682750" cy="368300"/>
+          </a:xfrm>
+          <a:prstGeom prst="rect">
+            <a:avLst/>
+          </a:prstGeom>
+          <a:noFill/>
+        </p:spPr>
+        <p:txBody>
+          <a:bodyPr wrap="none" rtlCol="0">
+            <a:spAutoFit/>
+          </a:bodyPr>
+          <a:p>
+            <a:r>
+              <a:rPr lang="en-US"/>
+              <a:t>Grayscale image</a:t>
             </a:r>
             <a:endParaRPr lang="en-US"/>
           </a:p>
@@ -7360,7 +6504,7 @@
 </p:sld>
 </file>
 
-<file path=ppt/slides/slide3.xml><?xml version="1.0" encoding="utf-8"?>
+<file path=ppt/slides/slide18.xml><?xml version="1.0" encoding="utf-8"?>
 <p:sld xmlns:a="http://schemas.openxmlformats.org/drawingml/2006/main" xmlns:r="http://schemas.openxmlformats.org/officeDocument/2006/relationships" xmlns:p="http://schemas.openxmlformats.org/presentationml/2006/main">
   <p:cSld>
     <p:spTree>
@@ -7369,37 +6513,17 @@
         <p:cNvGrpSpPr/>
         <p:nvPr/>
       </p:nvGrpSpPr>
-      <p:grpSpPr/>
-      <p:pic>
-        <p:nvPicPr>
-          <p:cNvPr id="4" name="Content Placeholder 3"/>
-          <p:cNvPicPr>
-            <a:picLocks noChangeAspect="1"/>
-          </p:cNvPicPr>
-          <p:nvPr>
-            <p:ph idx="1"/>
-          </p:nvPr>
-        </p:nvPicPr>
-        <p:blipFill>
-          <a:blip r:embed="rId1"/>
-          <a:srcRect l="13237" r="3056"/>
-          <a:stretch>
-            <a:fillRect/>
-          </a:stretch>
-        </p:blipFill>
-        <p:spPr>
-          <a:xfrm>
-            <a:off x="842010" y="3107690"/>
-            <a:ext cx="4370705" cy="3004820"/>
-          </a:xfrm>
-          <a:prstGeom prst="rect">
-            <a:avLst/>
-          </a:prstGeom>
-        </p:spPr>
-      </p:pic>
-      <p:sp>
-        <p:nvSpPr>
-          <p:cNvPr id="6" name="Rectangles 5"/>
+      <p:grpSpPr>
+        <a:xfrm>
+          <a:off x="0" y="0"/>
+          <a:ext cx="0" cy="0"/>
+          <a:chOff x="0" y="0"/>
+          <a:chExt cx="0" cy="0"/>
+        </a:xfrm>
+      </p:grpSpPr>
+      <p:sp>
+        <p:nvSpPr>
+          <p:cNvPr id="4" name="Rectangles 3"/>
           <p:cNvSpPr/>
           <p:nvPr/>
         </p:nvSpPr>
@@ -7444,14 +6568,14 @@
       </p:sp>
       <p:sp>
         <p:nvSpPr>
-          <p:cNvPr id="7" name="Text Box 6"/>
+          <p:cNvPr id="2" name="Text Box 1"/>
           <p:cNvSpPr txBox="1"/>
           <p:nvPr/>
         </p:nvSpPr>
         <p:spPr>
           <a:xfrm>
             <a:off x="552450" y="455295"/>
-            <a:ext cx="2301240" cy="645160"/>
+            <a:ext cx="4042410" cy="645160"/>
           </a:xfrm>
           <a:prstGeom prst="rect">
             <a:avLst/>
@@ -7463,13 +6587,15 @@
             <a:spAutoFit/>
           </a:bodyPr>
           <a:p>
+            <a:pPr algn="l"/>
             <a:r>
               <a:rPr lang="en-US" sz="3600">
                 <a:solidFill>
                   <a:schemeClr val="bg1"/>
                 </a:solidFill>
+                <a:sym typeface="+mn-ea"/>
               </a:rPr>
-              <a:t>Crop Image</a:t>
+              <a:t>Convert To Grayscale</a:t>
             </a:r>
             <a:endParaRPr lang="en-US" sz="3600">
               <a:solidFill>
@@ -7479,436 +6605,6 @@
           </a:p>
         </p:txBody>
       </p:sp>
-      <p:sp>
-        <p:nvSpPr>
-          <p:cNvPr id="8" name="Text Box 7"/>
-          <p:cNvSpPr txBox="1"/>
-          <p:nvPr/>
-        </p:nvSpPr>
-        <p:spPr>
-          <a:xfrm>
-            <a:off x="1000760" y="1475740"/>
-            <a:ext cx="10928350" cy="922020"/>
-          </a:xfrm>
-          <a:prstGeom prst="rect">
-            <a:avLst/>
-          </a:prstGeom>
-          <a:noFill/>
-        </p:spPr>
-        <p:txBody>
-          <a:bodyPr wrap="square" rtlCol="0" anchor="t">
-            <a:spAutoFit/>
-          </a:bodyPr>
-          <a:p>
-            <a:pPr marL="285750" indent="-285750">
-              <a:buFont typeface="Arial" panose="020B0604020202020204" pitchFamily="34" charset="0"/>
-              <a:buChar char="•"/>
-            </a:pPr>
-            <a:r>
-              <a:rPr lang="en-US" b="1"/>
-              <a:t>crop image</a:t>
-            </a:r>
-            <a:r>
-              <a:rPr lang="en-US"/>
-              <a:t> pada OpenCV dilakukan dengan menggunakan </a:t>
-            </a:r>
-            <a:r>
-              <a:rPr lang="en-US" b="1" i="1"/>
-              <a:t>numpy slicing</a:t>
-            </a:r>
-            <a:endParaRPr lang="en-US"/>
-          </a:p>
-          <a:p>
-            <a:pPr marL="285750" indent="-285750">
-              <a:buFont typeface="Arial" panose="020B0604020202020204" pitchFamily="34" charset="0"/>
-              <a:buChar char="•"/>
-            </a:pPr>
-            <a:r>
-              <a:rPr lang="en-US"/>
-              <a:t>dengan notasi</a:t>
-            </a:r>
-            <a:r>
-              <a:rPr lang="en-US" b="1"/>
-              <a:t> image_array[y_min:y_max , x_min:x_max]</a:t>
-            </a:r>
-            <a:endParaRPr lang="en-US" b="1"/>
-          </a:p>
-          <a:p>
-            <a:pPr marL="285750" indent="-285750">
-              <a:buFont typeface="Arial" panose="020B0604020202020204" pitchFamily="34" charset="0"/>
-              <a:buChar char="•"/>
-            </a:pPr>
-            <a:r>
-              <a:rPr lang="en-US"/>
-              <a:t>dimana</a:t>
-            </a:r>
-            <a:r>
-              <a:rPr lang="en-US" b="1"/>
-              <a:t> y_min, y_max, x_min dan x_max</a:t>
-            </a:r>
-            <a:r>
-              <a:rPr lang="en-US"/>
-              <a:t> merupakan titik pixel batas area yang ingin di crop.</a:t>
-            </a:r>
-            <a:endParaRPr lang="en-US"/>
-          </a:p>
-        </p:txBody>
-      </p:sp>
-      <p:pic>
-        <p:nvPicPr>
-          <p:cNvPr id="12" name="Content Placeholder 15" descr="lena"/>
-          <p:cNvPicPr>
-            <a:picLocks noChangeAspect="1"/>
-          </p:cNvPicPr>
-          <p:nvPr/>
-        </p:nvPicPr>
-        <p:blipFill>
-          <a:blip r:embed="rId2"/>
-          <a:stretch>
-            <a:fillRect/>
-          </a:stretch>
-        </p:blipFill>
-        <p:spPr>
-          <a:xfrm>
-            <a:off x="6192520" y="3108325"/>
-            <a:ext cx="3089910" cy="3004185"/>
-          </a:xfrm>
-          <a:prstGeom prst="rect">
-            <a:avLst/>
-          </a:prstGeom>
-        </p:spPr>
-      </p:pic>
-      <p:pic>
-        <p:nvPicPr>
-          <p:cNvPr id="10" name="Content Placeholder 15" descr="lena"/>
-          <p:cNvPicPr>
-            <a:picLocks noChangeAspect="1"/>
-          </p:cNvPicPr>
-          <p:nvPr/>
-        </p:nvPicPr>
-        <p:blipFill>
-          <a:blip r:embed="rId2"/>
-          <a:srcRect l="20119" t="18981" r="22750" b="25766"/>
-          <a:stretch>
-            <a:fillRect/>
-          </a:stretch>
-        </p:blipFill>
-        <p:spPr>
-          <a:xfrm>
-            <a:off x="9846945" y="4452620"/>
-            <a:ext cx="1765300" cy="1659890"/>
-          </a:xfrm>
-          <a:prstGeom prst="rect">
-            <a:avLst/>
-          </a:prstGeom>
-        </p:spPr>
-      </p:pic>
-      <p:sp>
-        <p:nvSpPr>
-          <p:cNvPr id="13" name="Text Box 12"/>
-          <p:cNvSpPr txBox="1"/>
-          <p:nvPr/>
-        </p:nvSpPr>
-        <p:spPr>
-          <a:xfrm>
-            <a:off x="2096770" y="6249670"/>
-            <a:ext cx="1978025" cy="368300"/>
-          </a:xfrm>
-          <a:prstGeom prst="rect">
-            <a:avLst/>
-          </a:prstGeom>
-          <a:noFill/>
-        </p:spPr>
-        <p:txBody>
-          <a:bodyPr wrap="none" rtlCol="0">
-            <a:spAutoFit/>
-          </a:bodyPr>
-          <a:p>
-            <a:r>
-              <a:rPr lang="en-US"/>
-              <a:t>ilustrasi crop image</a:t>
-            </a:r>
-            <a:endParaRPr lang="en-US"/>
-          </a:p>
-        </p:txBody>
-      </p:sp>
-      <p:sp>
-        <p:nvSpPr>
-          <p:cNvPr id="14" name="Text Box 13"/>
-          <p:cNvSpPr txBox="1"/>
-          <p:nvPr/>
-        </p:nvSpPr>
-        <p:spPr>
-          <a:xfrm>
-            <a:off x="6975475" y="6249670"/>
-            <a:ext cx="1524000" cy="368300"/>
-          </a:xfrm>
-          <a:prstGeom prst="rect">
-            <a:avLst/>
-          </a:prstGeom>
-          <a:noFill/>
-        </p:spPr>
-        <p:txBody>
-          <a:bodyPr wrap="none" rtlCol="0">
-            <a:spAutoFit/>
-          </a:bodyPr>
-          <a:p>
-            <a:r>
-              <a:rPr lang="en-US"/>
-              <a:t>Original image</a:t>
-            </a:r>
-            <a:endParaRPr lang="en-US"/>
-          </a:p>
-        </p:txBody>
-      </p:sp>
-      <p:sp>
-        <p:nvSpPr>
-          <p:cNvPr id="15" name="Text Box 14"/>
-          <p:cNvSpPr txBox="1"/>
-          <p:nvPr/>
-        </p:nvSpPr>
-        <p:spPr>
-          <a:xfrm>
-            <a:off x="10029825" y="6249670"/>
-            <a:ext cx="1399540" cy="368300"/>
-          </a:xfrm>
-          <a:prstGeom prst="rect">
-            <a:avLst/>
-          </a:prstGeom>
-          <a:noFill/>
-        </p:spPr>
-        <p:txBody>
-          <a:bodyPr wrap="none" rtlCol="0">
-            <a:spAutoFit/>
-          </a:bodyPr>
-          <a:p>
-            <a:r>
-              <a:rPr lang="en-US"/>
-              <a:t>Coped Image</a:t>
-            </a:r>
-            <a:endParaRPr lang="en-US"/>
-          </a:p>
-        </p:txBody>
-      </p:sp>
-    </p:spTree>
-  </p:cSld>
-  <p:clrMapOvr>
-    <a:masterClrMapping/>
-  </p:clrMapOvr>
-</p:sld>
-</file>
-
-<file path=ppt/slides/slide4.xml><?xml version="1.0" encoding="utf-8"?>
-<p:sld xmlns:a="http://schemas.openxmlformats.org/drawingml/2006/main" xmlns:r="http://schemas.openxmlformats.org/officeDocument/2006/relationships" xmlns:p="http://schemas.openxmlformats.org/presentationml/2006/main">
-  <p:cSld>
-    <p:spTree>
-      <p:nvGrpSpPr>
-        <p:cNvPr id="1" name=""/>
-        <p:cNvGrpSpPr/>
-        <p:nvPr/>
-      </p:nvGrpSpPr>
-      <p:grpSpPr>
-        <a:xfrm>
-          <a:off x="0" y="0"/>
-          <a:ext cx="0" cy="0"/>
-          <a:chOff x="0" y="0"/>
-          <a:chExt cx="0" cy="0"/>
-        </a:xfrm>
-      </p:grpSpPr>
-      <p:sp>
-        <p:nvSpPr>
-          <p:cNvPr id="4" name="Rectangles 3"/>
-          <p:cNvSpPr/>
-          <p:nvPr/>
-        </p:nvSpPr>
-        <p:spPr>
-          <a:xfrm>
-            <a:off x="0" y="268605"/>
-            <a:ext cx="6688455" cy="1017905"/>
-          </a:xfrm>
-          <a:prstGeom prst="rect">
-            <a:avLst/>
-          </a:prstGeom>
-          <a:solidFill>
-            <a:srgbClr val="BC1142"/>
-          </a:solidFill>
-          <a:ln>
-            <a:noFill/>
-          </a:ln>
-        </p:spPr>
-        <p:style>
-          <a:lnRef idx="2">
-            <a:schemeClr val="accent1">
-              <a:shade val="50000"/>
-            </a:schemeClr>
-          </a:lnRef>
-          <a:fillRef idx="1">
-            <a:schemeClr val="accent1"/>
-          </a:fillRef>
-          <a:effectRef idx="0">
-            <a:schemeClr val="accent1"/>
-          </a:effectRef>
-          <a:fontRef idx="minor">
-            <a:schemeClr val="lt1"/>
-          </a:fontRef>
-        </p:style>
-        <p:txBody>
-          <a:bodyPr rtlCol="0" anchor="ctr"/>
-          <a:p>
-            <a:pPr algn="ctr"/>
-            <a:endParaRPr lang="en-US"/>
-          </a:p>
-        </p:txBody>
-      </p:sp>
-      <p:sp>
-        <p:nvSpPr>
-          <p:cNvPr id="2" name="Text Box 1"/>
-          <p:cNvSpPr txBox="1"/>
-          <p:nvPr/>
-        </p:nvSpPr>
-        <p:spPr>
-          <a:xfrm>
-            <a:off x="552450" y="455295"/>
-            <a:ext cx="2301240" cy="645160"/>
-          </a:xfrm>
-          <a:prstGeom prst="rect">
-            <a:avLst/>
-          </a:prstGeom>
-          <a:noFill/>
-        </p:spPr>
-        <p:txBody>
-          <a:bodyPr wrap="none" rtlCol="0">
-            <a:spAutoFit/>
-          </a:bodyPr>
-          <a:p>
-            <a:r>
-              <a:rPr lang="en-US" sz="3600">
-                <a:solidFill>
-                  <a:schemeClr val="bg1"/>
-                </a:solidFill>
-              </a:rPr>
-              <a:t>Crop Image</a:t>
-            </a:r>
-            <a:endParaRPr lang="en-US" sz="3600">
-              <a:solidFill>
-                <a:schemeClr val="bg1"/>
-              </a:solidFill>
-            </a:endParaRPr>
-          </a:p>
-        </p:txBody>
-      </p:sp>
-      <p:grpSp>
-        <p:nvGrpSpPr>
-          <p:cNvPr id="3" name="Group 2"/>
-          <p:cNvGrpSpPr/>
-          <p:nvPr/>
-        </p:nvGrpSpPr>
-        <p:grpSpPr>
-          <a:xfrm>
-            <a:off x="655320" y="1525905"/>
-            <a:ext cx="8251825" cy="1290320"/>
-            <a:chOff x="1145" y="3199"/>
-            <a:chExt cx="12995" cy="2032"/>
-          </a:xfrm>
-        </p:grpSpPr>
-        <p:sp>
-          <p:nvSpPr>
-            <p:cNvPr id="5" name="Text Box 4"/>
-            <p:cNvSpPr txBox="1"/>
-            <p:nvPr/>
-          </p:nvSpPr>
-          <p:spPr>
-            <a:xfrm>
-              <a:off x="1145" y="3779"/>
-              <a:ext cx="8363" cy="1452"/>
-            </a:xfrm>
-            <a:prstGeom prst="rect">
-              <a:avLst/>
-            </a:prstGeom>
-            <a:solidFill>
-              <a:schemeClr val="bg1">
-                <a:lumMod val="85000"/>
-              </a:schemeClr>
-            </a:solidFill>
-          </p:spPr>
-          <p:txBody>
-            <a:bodyPr wrap="square" rtlCol="0" anchor="t">
-              <a:spAutoFit/>
-            </a:bodyPr>
-            <a:p>
-              <a:r>
-                <a:rPr lang="en-US">
-                  <a:sym typeface="+mn-ea"/>
-                </a:rPr>
-                <a:t>import cv2</a:t>
-              </a:r>
-              <a:endParaRPr lang="en-US">
-                <a:sym typeface="+mn-ea"/>
-              </a:endParaRPr>
-            </a:p>
-            <a:p>
-              <a:r>
-                <a:rPr lang="en-US"/>
-                <a:t>import matplotlib.pyplot as plt</a:t>
-              </a:r>
-              <a:endParaRPr lang="en-US"/>
-            </a:p>
-            <a:p>
-              <a:r>
-                <a:rPr lang="en-US"/>
-                <a:t>import os</a:t>
-              </a:r>
-              <a:endParaRPr lang="en-US"/>
-            </a:p>
-          </p:txBody>
-        </p:sp>
-        <p:sp>
-          <p:nvSpPr>
-            <p:cNvPr id="10" name="Text Box 9"/>
-            <p:cNvSpPr txBox="1"/>
-            <p:nvPr/>
-          </p:nvSpPr>
-          <p:spPr>
-            <a:xfrm>
-              <a:off x="1145" y="3199"/>
-              <a:ext cx="12995" cy="580"/>
-            </a:xfrm>
-            <a:prstGeom prst="rect">
-              <a:avLst/>
-            </a:prstGeom>
-            <a:noFill/>
-            <a:extLst>
-              <a:ext uri="{909E8E84-426E-40DD-AFC4-6F175D3DCCD1}">
-                <a14:hiddenFill xmlns:a14="http://schemas.microsoft.com/office/drawing/2010/main">
-                  <a:solidFill>
-                    <a:schemeClr val="bg1">
-                      <a:lumMod val="85000"/>
-                    </a:schemeClr>
-                  </a:solidFill>
-                </a14:hiddenFill>
-              </a:ext>
-            </a:extLst>
-          </p:spPr>
-          <p:txBody>
-            <a:bodyPr wrap="square" rtlCol="0" anchor="t">
-              <a:spAutoFit/>
-            </a:bodyPr>
-            <a:p>
-              <a:pPr marL="285750" indent="-285750">
-                <a:buFont typeface="Arial" panose="020B0604020202020204" pitchFamily="34" charset="0"/>
-                <a:buChar char="•"/>
-              </a:pPr>
-              <a:r>
-                <a:rPr lang="en-US">
-                  <a:sym typeface="+mn-ea"/>
-                </a:rPr>
-                <a:t>Import library (OpenCV, Matplotlib)</a:t>
-              </a:r>
-              <a:endParaRPr lang="en-US"/>
-            </a:p>
-          </p:txBody>
-        </p:sp>
-      </p:grpSp>
       <p:grpSp>
         <p:nvGrpSpPr>
           <p:cNvPr id="13" name="Group 12"/>
@@ -7917,7 +6613,7 @@
         </p:nvGrpSpPr>
         <p:grpSpPr>
           <a:xfrm>
-            <a:off x="655320" y="3075305"/>
+            <a:off x="685800" y="1525905"/>
             <a:ext cx="9384030" cy="736600"/>
             <a:chOff x="1145" y="3199"/>
             <a:chExt cx="14778" cy="1160"/>
@@ -8015,7 +6711,7 @@
         </p:nvGrpSpPr>
         <p:grpSpPr>
           <a:xfrm>
-            <a:off x="655320" y="4071620"/>
+            <a:off x="688975" y="2808605"/>
             <a:ext cx="9142730" cy="736600"/>
             <a:chOff x="1145" y="3199"/>
             <a:chExt cx="14398" cy="1160"/>
@@ -8050,7 +6746,13 @@
                 <a:rPr lang="en-US">
                   <a:sym typeface="+mn-ea"/>
                 </a:rPr>
-                <a:t>crop_img = img[0:100, 50:200]</a:t>
+                <a:t>gray_</a:t>
+              </a:r>
+              <a:r>
+                <a:rPr lang="en-US">
+                  <a:sym typeface="+mn-ea"/>
+                </a:rPr>
+                <a:t>img = cv2.cvtColor(img, cv2.COLOR_BGR2GRAY)</a:t>
               </a:r>
               <a:endParaRPr lang="en-US">
                 <a:sym typeface="+mn-ea"/>
@@ -8098,7 +6800,7 @@
                 <a:rPr lang="en-US">
                   <a:sym typeface="+mn-ea"/>
                 </a:rPr>
-                <a:t>Crop Image</a:t>
+                <a:t>Convert image to grayscale</a:t>
               </a:r>
               <a:endParaRPr lang="en-US"/>
             </a:p>
@@ -8113,10 +6815,10 @@
         </p:nvGrpSpPr>
         <p:grpSpPr>
           <a:xfrm>
-            <a:off x="6688455" y="1525905"/>
-            <a:ext cx="5503545" cy="3229610"/>
+            <a:off x="688975" y="4740275"/>
+            <a:ext cx="5503545" cy="736600"/>
             <a:chOff x="1145" y="3199"/>
-            <a:chExt cx="8667" cy="5086"/>
+            <a:chExt cx="8667" cy="1160"/>
           </a:xfrm>
         </p:grpSpPr>
         <p:sp>
@@ -8128,7 +6830,7 @@
           <p:spPr>
             <a:xfrm>
               <a:off x="1145" y="3779"/>
-              <a:ext cx="8363" cy="4506"/>
+              <a:ext cx="8363" cy="580"/>
             </a:xfrm>
             <a:prstGeom prst="rect">
               <a:avLst/>
@@ -8149,111 +6851,13 @@
                 <a:rPr lang="en-US">
                   <a:sym typeface="+mn-ea"/>
                 </a:rPr>
-                <a:t>def show_image(img, title= 'my image', </a:t>
+                <a:t>show_image(gray_img</a:t>
               </a:r>
               <a:r>
                 <a:rPr lang="en-US">
                   <a:sym typeface="+mn-ea"/>
                 </a:rPr>
-                <a:t>size=(10, 7)</a:t>
-              </a:r>
-              <a:r>
-                <a:rPr lang="en-US">
-                  <a:sym typeface="+mn-ea"/>
-                </a:rPr>
-                <a:t>):</a:t>
-              </a:r>
-              <a:endParaRPr lang="en-US"/>
-            </a:p>
-            <a:p>
-              <a:pPr lvl="1"/>
-              <a:r>
-                <a:rPr lang="en-US">
-                  <a:sym typeface="+mn-ea"/>
-                </a:rPr>
-                <a:t>img_reverse = img[ :, :, ::-1]</a:t>
-              </a:r>
-              <a:endParaRPr lang="en-US"/>
-            </a:p>
-            <a:p>
-              <a:pPr lvl="1"/>
-              <a:endParaRPr lang="en-US"/>
-            </a:p>
-            <a:p>
-              <a:pPr lvl="1"/>
-              <a:r>
-                <a:rPr lang="en-US">
-                  <a:sym typeface="+mn-ea"/>
-                </a:rPr>
-                <a:t>plt.figure(figsize=</a:t>
-              </a:r>
-              <a:r>
-                <a:rPr lang="en-US">
-                  <a:sym typeface="+mn-ea"/>
-                </a:rPr>
-                <a:t>size)</a:t>
-              </a:r>
-              <a:endParaRPr lang="en-US">
-                <a:sym typeface="+mn-ea"/>
-              </a:endParaRPr>
-            </a:p>
-            <a:p>
-              <a:pPr lvl="1"/>
-              <a:r>
-                <a:rPr lang="en-US">
-                  <a:sym typeface="+mn-ea"/>
-                </a:rPr>
-                <a:t>plt.imshow(img)</a:t>
-              </a:r>
-              <a:endParaRPr lang="en-US">
-                <a:sym typeface="+mn-ea"/>
-              </a:endParaRPr>
-            </a:p>
-            <a:p>
-              <a:pPr lvl="1"/>
-              <a:r>
-                <a:rPr lang="en-US">
-                  <a:sym typeface="+mn-ea"/>
-                </a:rPr>
-                <a:t>plt.title(title)</a:t>
-              </a:r>
-              <a:endParaRPr lang="en-US"/>
-            </a:p>
-            <a:p>
-              <a:pPr lvl="1"/>
-              <a:r>
-                <a:rPr lang="en-US">
-                  <a:sym typeface="+mn-ea"/>
-                </a:rPr>
-                <a:t>plt.axis('off')</a:t>
-              </a:r>
-              <a:endParaRPr lang="en-US"/>
-            </a:p>
-            <a:p>
-              <a:pPr lvl="1"/>
-              <a:endParaRPr lang="en-US">
-                <a:sym typeface="+mn-ea"/>
-              </a:endParaRPr>
-            </a:p>
-            <a:p>
-              <a:pPr lvl="1"/>
-              <a:endParaRPr lang="en-US">
-                <a:sym typeface="+mn-ea"/>
-              </a:endParaRPr>
-            </a:p>
-            <a:p>
-              <a:pPr lvl="0"/>
-              <a:r>
-                <a:rPr lang="en-US">
-                  <a:sym typeface="+mn-ea"/>
-                </a:rPr>
-                <a:t>show_image(img, </a:t>
-              </a:r>
-              <a:r>
-                <a:rPr lang="en-US">
-                  <a:sym typeface="+mn-ea"/>
-                </a:rPr>
-                <a:t>title= 'croped image'</a:t>
+                <a:t>, title= 'gray image'</a:t>
               </a:r>
               <a:r>
                 <a:rPr lang="en-US">
@@ -8316,14 +6920,14 @@
       </p:grpSp>
       <p:sp>
         <p:nvSpPr>
-          <p:cNvPr id="9" name="Text Box 8"/>
+          <p:cNvPr id="11" name="Text Box 10"/>
           <p:cNvSpPr txBox="1"/>
           <p:nvPr/>
         </p:nvSpPr>
         <p:spPr>
           <a:xfrm>
-            <a:off x="655320" y="4848225"/>
-            <a:ext cx="4102735" cy="368300"/>
+            <a:off x="688975" y="3665855"/>
+            <a:ext cx="9919970" cy="645160"/>
           </a:xfrm>
           <a:prstGeom prst="rect">
             <a:avLst/>
@@ -8331,19 +6935,32 @@
           <a:noFill/>
         </p:spPr>
         <p:txBody>
-          <a:bodyPr wrap="none" rtlCol="0" anchor="t">
+          <a:bodyPr wrap="square" rtlCol="0" anchor="t">
             <a:spAutoFit/>
           </a:bodyPr>
           <a:p>
-            <a:r>
-              <a:rPr lang="en-US" i="1">
+            <a:pPr marL="285750" indent="-285750">
+              <a:buFont typeface="Arial" panose="020B0604020202020204" pitchFamily="34" charset="0"/>
+              <a:buChar char="•"/>
+            </a:pPr>
+            <a:r>
+              <a:rPr lang="en-US"/>
+              <a:t>melakukan convert image dari BGR to GRAY </a:t>
+            </a:r>
+            <a:endParaRPr lang="en-US"/>
+          </a:p>
+          <a:p>
+            <a:pPr marL="285750" indent="-285750">
+              <a:buFont typeface="Arial" panose="020B0604020202020204" pitchFamily="34" charset="0"/>
+              <a:buChar char="•"/>
+            </a:pPr>
+            <a:r>
+              <a:rPr lang="en-US" b="1">
                 <a:sym typeface="+mn-ea"/>
               </a:rPr>
-              <a:t>image_array[y_min:y_max , x_min:x_max]</a:t>
-            </a:r>
-            <a:endParaRPr lang="en-US" i="1">
-              <a:sym typeface="+mn-ea"/>
-            </a:endParaRPr>
+              <a:t>cv2.cvtColor(img, method)</a:t>
+            </a:r>
+            <a:endParaRPr lang="en-US" b="1"/>
           </a:p>
         </p:txBody>
       </p:sp>
@@ -8355,7 +6972,7 @@
 </p:sld>
 </file>
 
-<file path=ppt/slides/slide5.xml><?xml version="1.0" encoding="utf-8"?>
+<file path=ppt/slides/slide19.xml><?xml version="1.0" encoding="utf-8"?>
 <p:sld xmlns:a="http://schemas.openxmlformats.org/drawingml/2006/main" xmlns:r="http://schemas.openxmlformats.org/officeDocument/2006/relationships" xmlns:p="http://schemas.openxmlformats.org/presentationml/2006/main">
   <p:cSld>
     <p:spTree>
@@ -8381,7 +6998,7 @@
         <p:spPr>
           <a:xfrm>
             <a:off x="0" y="268605"/>
-            <a:ext cx="6688455" cy="1017905"/>
+            <a:ext cx="9344025" cy="1017905"/>
           </a:xfrm>
           <a:prstGeom prst="rect">
             <a:avLst/>
@@ -8426,7 +7043,7 @@
         <p:spPr>
           <a:xfrm>
             <a:off x="552450" y="455295"/>
-            <a:ext cx="5854700" cy="645160"/>
+            <a:ext cx="7492365" cy="645160"/>
           </a:xfrm>
           <a:prstGeom prst="rect">
             <a:avLst/>
@@ -8439,14 +7056,6 @@
           </a:bodyPr>
           <a:p>
             <a:pPr algn="l"/>
-            <a:r>
-              <a:rPr lang="en-US" sz="3600">
-                <a:solidFill>
-                  <a:schemeClr val="bg1"/>
-                </a:solidFill>
-              </a:rPr>
-              <a:t>Crop Image </a:t>
-            </a:r>
             <a:r>
               <a:rPr lang="en-US" sz="3600">
                 <a:solidFill>
@@ -8454,15 +7063,7 @@
                 </a:solidFill>
                 <a:sym typeface="+mn-ea"/>
               </a:rPr>
-              <a:t>Kode </a:t>
-            </a:r>
-            <a:r>
-              <a:rPr lang="en-US" sz="3600">
-                <a:solidFill>
-                  <a:schemeClr val="bg1"/>
-                </a:solidFill>
-              </a:rPr>
-              <a:t>Keseluruhan </a:t>
+              <a:t>Convert To Grayscale Kode Keseluruhan</a:t>
             </a:r>
             <a:endParaRPr lang="en-US" sz="3600">
               <a:solidFill>
@@ -8474,28 +7075,28 @@
       </p:sp>
       <p:grpSp>
         <p:nvGrpSpPr>
-          <p:cNvPr id="3" name="Group 2"/>
+          <p:cNvPr id="13" name="Group 12"/>
           <p:cNvGrpSpPr/>
           <p:nvPr/>
         </p:nvGrpSpPr>
         <p:grpSpPr>
           <a:xfrm>
-            <a:off x="655320" y="1525905"/>
-            <a:ext cx="8251825" cy="2675255"/>
+            <a:off x="685800" y="1525905"/>
+            <a:ext cx="9384030" cy="1844675"/>
             <a:chOff x="1145" y="3199"/>
-            <a:chExt cx="12995" cy="4213"/>
+            <a:chExt cx="14778" cy="2905"/>
           </a:xfrm>
         </p:grpSpPr>
         <p:sp>
           <p:nvSpPr>
-            <p:cNvPr id="5" name="Text Box 4"/>
+            <p:cNvPr id="14" name="Text Box 13"/>
             <p:cNvSpPr txBox="1"/>
             <p:nvPr/>
           </p:nvSpPr>
           <p:spPr>
             <a:xfrm>
               <a:off x="1145" y="3779"/>
-              <a:ext cx="8363" cy="3633"/>
+              <a:ext cx="8363" cy="2325"/>
             </a:xfrm>
             <a:prstGeom prst="rect">
               <a:avLst/>
@@ -8515,63 +7116,45 @@
                 <a:rPr lang="en-US">
                   <a:sym typeface="+mn-ea"/>
                 </a:rPr>
-                <a:t>import cv2</a:t>
+                <a:t>img = cv2.imread('path/to/filename')</a:t>
               </a:r>
               <a:endParaRPr lang="en-US">
                 <a:sym typeface="+mn-ea"/>
               </a:endParaRPr>
             </a:p>
             <a:p>
-              <a:r>
-                <a:rPr lang="en-US"/>
-                <a:t>import matplotlib.pyplot as plt</a:t>
-              </a:r>
-              <a:endParaRPr lang="en-US"/>
-            </a:p>
-            <a:p>
-              <a:endParaRPr lang="en-US"/>
-            </a:p>
-            <a:p>
-              <a:r>
-                <a:rPr lang="en-US">
-                  <a:sym typeface="+mn-ea"/>
-                </a:rPr>
-                <a:t>img = cv2.imread('path/to/filename')</a:t>
-              </a:r>
               <a:endParaRPr lang="en-US">
                 <a:sym typeface="+mn-ea"/>
               </a:endParaRPr>
             </a:p>
             <a:p>
-              <a:endParaRPr lang="en-US"/>
-            </a:p>
-            <a:p>
               <a:r>
                 <a:rPr lang="en-US">
                   <a:sym typeface="+mn-ea"/>
                 </a:rPr>
-                <a:t>crop_img = img[0:100, 50:200]</a:t>
+                <a:t>gray_img = cv2.cvtColor(img, cv2.COLOR_BGR2GRAY)</a:t>
               </a:r>
               <a:endParaRPr lang="en-US">
                 <a:sym typeface="+mn-ea"/>
               </a:endParaRPr>
             </a:p>
             <a:p>
-              <a:endParaRPr lang="en-US"/>
+              <a:endParaRPr lang="en-US">
+                <a:sym typeface="+mn-ea"/>
+              </a:endParaRPr>
             </a:p>
             <a:p>
-              <a:pPr lvl="0"/>
               <a:r>
                 <a:rPr lang="en-US">
                   <a:sym typeface="+mn-ea"/>
                 </a:rPr>
-                <a:t>show_image(img </a:t>
+                <a:t>show_image(gray_img</a:t>
               </a:r>
               <a:r>
                 <a:rPr lang="en-US">
                   <a:sym typeface="+mn-ea"/>
                 </a:rPr>
-                <a:t>, title= 'croped image'</a:t>
+                <a:t>, title= 'gray image'</a:t>
               </a:r>
               <a:r>
                 <a:rPr lang="en-US">
@@ -8579,20 +7162,22 @@
                 </a:rPr>
                 <a:t>)</a:t>
               </a:r>
-              <a:endParaRPr lang="en-US"/>
+              <a:endParaRPr lang="en-US">
+                <a:sym typeface="+mn-ea"/>
+              </a:endParaRPr>
             </a:p>
           </p:txBody>
         </p:sp>
         <p:sp>
           <p:nvSpPr>
-            <p:cNvPr id="10" name="Text Box 9"/>
+            <p:cNvPr id="15" name="Text Box 14"/>
             <p:cNvSpPr txBox="1"/>
             <p:nvPr/>
           </p:nvSpPr>
           <p:spPr>
             <a:xfrm>
               <a:off x="1145" y="3199"/>
-              <a:ext cx="12995" cy="580"/>
+              <a:ext cx="14778" cy="580"/>
             </a:xfrm>
             <a:prstGeom prst="rect">
               <a:avLst/>
@@ -8623,7 +7208,7 @@
                 <a:rPr lang="en-US">
                   <a:sym typeface="+mn-ea"/>
                 </a:rPr>
-                <a:t>Kode keseluruhan</a:t>
+                <a:t>Convert image to grayscale</a:t>
               </a:r>
               <a:endParaRPr lang="en-US"/>
             </a:p>
@@ -8638,602 +7223,7 @@
 </p:sld>
 </file>
 
-<file path=ppt/slides/slide6.xml><?xml version="1.0" encoding="utf-8"?>
-<p:sld xmlns:a="http://schemas.openxmlformats.org/drawingml/2006/main" xmlns:r="http://schemas.openxmlformats.org/officeDocument/2006/relationships" xmlns:p="http://schemas.openxmlformats.org/presentationml/2006/main">
-  <p:cSld>
-    <p:spTree>
-      <p:nvGrpSpPr>
-        <p:cNvPr id="1" name=""/>
-        <p:cNvGrpSpPr/>
-        <p:nvPr/>
-      </p:nvGrpSpPr>
-      <p:grpSpPr>
-        <a:xfrm>
-          <a:off x="0" y="0"/>
-          <a:ext cx="0" cy="0"/>
-          <a:chOff x="0" y="0"/>
-          <a:chExt cx="0" cy="0"/>
-        </a:xfrm>
-      </p:grpSpPr>
-      <p:sp>
-        <p:nvSpPr>
-          <p:cNvPr id="4" name="Rectangles 3"/>
-          <p:cNvSpPr/>
-          <p:nvPr/>
-        </p:nvSpPr>
-        <p:spPr>
-          <a:xfrm>
-            <a:off x="0" y="268605"/>
-            <a:ext cx="6688455" cy="1017905"/>
-          </a:xfrm>
-          <a:prstGeom prst="rect">
-            <a:avLst/>
-          </a:prstGeom>
-          <a:solidFill>
-            <a:srgbClr val="BC1142"/>
-          </a:solidFill>
-          <a:ln>
-            <a:noFill/>
-          </a:ln>
-        </p:spPr>
-        <p:style>
-          <a:lnRef idx="2">
-            <a:schemeClr val="accent1">
-              <a:shade val="50000"/>
-            </a:schemeClr>
-          </a:lnRef>
-          <a:fillRef idx="1">
-            <a:schemeClr val="accent1"/>
-          </a:fillRef>
-          <a:effectRef idx="0">
-            <a:schemeClr val="accent1"/>
-          </a:effectRef>
-          <a:fontRef idx="minor">
-            <a:schemeClr val="lt1"/>
-          </a:fontRef>
-        </p:style>
-        <p:txBody>
-          <a:bodyPr rtlCol="0" anchor="ctr"/>
-          <a:p>
-            <a:pPr algn="ctr"/>
-            <a:endParaRPr lang="en-US"/>
-          </a:p>
-        </p:txBody>
-      </p:sp>
-      <p:sp>
-        <p:nvSpPr>
-          <p:cNvPr id="2" name="Text Box 1"/>
-          <p:cNvSpPr txBox="1"/>
-          <p:nvPr/>
-        </p:nvSpPr>
-        <p:spPr>
-          <a:xfrm>
-            <a:off x="552450" y="455295"/>
-            <a:ext cx="5278755" cy="645160"/>
-          </a:xfrm>
-          <a:prstGeom prst="rect">
-            <a:avLst/>
-          </a:prstGeom>
-          <a:noFill/>
-        </p:spPr>
-        <p:txBody>
-          <a:bodyPr wrap="none" rtlCol="0">
-            <a:spAutoFit/>
-          </a:bodyPr>
-          <a:p>
-            <a:r>
-              <a:rPr lang="en-US" sz="3600">
-                <a:solidFill>
-                  <a:schemeClr val="bg1"/>
-                </a:solidFill>
-              </a:rPr>
-              <a:t>Crop Image dalam Function</a:t>
-            </a:r>
-            <a:endParaRPr lang="en-US" sz="3600">
-              <a:solidFill>
-                <a:schemeClr val="bg1"/>
-              </a:solidFill>
-            </a:endParaRPr>
-          </a:p>
-        </p:txBody>
-      </p:sp>
-      <p:grpSp>
-        <p:nvGrpSpPr>
-          <p:cNvPr id="3" name="Group 2"/>
-          <p:cNvGrpSpPr/>
-          <p:nvPr/>
-        </p:nvGrpSpPr>
-        <p:grpSpPr>
-          <a:xfrm>
-            <a:off x="655320" y="1525905"/>
-            <a:ext cx="8251825" cy="1671955"/>
-            <a:chOff x="1145" y="3199"/>
-            <a:chExt cx="12995" cy="2633"/>
-          </a:xfrm>
-        </p:grpSpPr>
-        <p:sp>
-          <p:nvSpPr>
-            <p:cNvPr id="5" name="Text Box 4"/>
-            <p:cNvSpPr txBox="1"/>
-            <p:nvPr/>
-          </p:nvSpPr>
-          <p:spPr>
-            <a:xfrm>
-              <a:off x="1673" y="4380"/>
-              <a:ext cx="8363" cy="1452"/>
-            </a:xfrm>
-            <a:prstGeom prst="rect">
-              <a:avLst/>
-            </a:prstGeom>
-            <a:solidFill>
-              <a:schemeClr val="bg1">
-                <a:lumMod val="85000"/>
-              </a:schemeClr>
-            </a:solidFill>
-          </p:spPr>
-          <p:txBody>
-            <a:bodyPr wrap="square" rtlCol="0" anchor="t">
-              <a:spAutoFit/>
-            </a:bodyPr>
-            <a:p>
-              <a:r>
-                <a:rPr lang="en-US"/>
-                <a:t>def crop(img,  </a:t>
-              </a:r>
-              <a:r>
-                <a:rPr lang="en-US">
-                  <a:sym typeface="+mn-ea"/>
-                </a:rPr>
-                <a:t>y_min, y_max, x_min, x_max):</a:t>
-              </a:r>
-              <a:endParaRPr lang="en-US"/>
-            </a:p>
-            <a:p>
-              <a:pPr lvl="1"/>
-              <a:r>
-                <a:rPr lang="en-US">
-                  <a:sym typeface="+mn-ea"/>
-                </a:rPr>
-                <a:t>crop_img = img[0:100, 50:200]</a:t>
-              </a:r>
-              <a:endParaRPr lang="en-US">
-                <a:sym typeface="+mn-ea"/>
-              </a:endParaRPr>
-            </a:p>
-            <a:p>
-              <a:pPr lvl="1"/>
-              <a:r>
-                <a:rPr lang="en-US">
-                  <a:sym typeface="+mn-ea"/>
-                </a:rPr>
-                <a:t>return crop_img</a:t>
-              </a:r>
-              <a:endParaRPr lang="en-US"/>
-            </a:p>
-          </p:txBody>
-        </p:sp>
-        <p:sp>
-          <p:nvSpPr>
-            <p:cNvPr id="10" name="Text Box 9"/>
-            <p:cNvSpPr txBox="1"/>
-            <p:nvPr/>
-          </p:nvSpPr>
-          <p:spPr>
-            <a:xfrm>
-              <a:off x="1145" y="3199"/>
-              <a:ext cx="12995" cy="1016"/>
-            </a:xfrm>
-            <a:prstGeom prst="rect">
-              <a:avLst/>
-            </a:prstGeom>
-            <a:noFill/>
-            <a:extLst>
-              <a:ext uri="{909E8E84-426E-40DD-AFC4-6F175D3DCCD1}">
-                <a14:hiddenFill xmlns:a14="http://schemas.microsoft.com/office/drawing/2010/main">
-                  <a:solidFill>
-                    <a:schemeClr val="bg1">
-                      <a:lumMod val="85000"/>
-                    </a:schemeClr>
-                  </a:solidFill>
-                </a14:hiddenFill>
-              </a:ext>
-            </a:extLst>
-          </p:spPr>
-          <p:txBody>
-            <a:bodyPr wrap="square" rtlCol="0" anchor="t">
-              <a:spAutoFit/>
-            </a:bodyPr>
-            <a:p>
-              <a:pPr marL="285750" indent="-285750">
-                <a:buFont typeface="Arial" panose="020B0604020202020204" pitchFamily="34" charset="0"/>
-                <a:buChar char="•"/>
-              </a:pPr>
-              <a:r>
-                <a:rPr lang="en-US">
-                  <a:sym typeface="+mn-ea"/>
-                </a:rPr>
-                <a:t>Crop image dalam function dengan cama </a:t>
-              </a:r>
-              <a:r>
-                <a:rPr lang="en-US" b="1">
-                  <a:sym typeface="+mn-ea"/>
-                </a:rPr>
-                <a:t>crop</a:t>
-              </a:r>
-              <a:r>
-                <a:rPr lang="en-US">
-                  <a:sym typeface="+mn-ea"/>
-                </a:rPr>
-                <a:t>, selanjutnya kita dapat gunakan fucntion tersebut untuk memabaca image dan crop gambar</a:t>
-              </a:r>
-              <a:endParaRPr lang="en-US">
-                <a:sym typeface="+mn-ea"/>
-              </a:endParaRPr>
-            </a:p>
-          </p:txBody>
-        </p:sp>
-      </p:grpSp>
-      <p:sp>
-        <p:nvSpPr>
-          <p:cNvPr id="6" name="Text Box 5"/>
-          <p:cNvSpPr txBox="1"/>
-          <p:nvPr/>
-        </p:nvSpPr>
-        <p:spPr>
-          <a:xfrm>
-            <a:off x="990600" y="3577590"/>
-            <a:ext cx="5310505" cy="1476375"/>
-          </a:xfrm>
-          <a:prstGeom prst="rect">
-            <a:avLst/>
-          </a:prstGeom>
-          <a:solidFill>
-            <a:schemeClr val="bg1">
-              <a:lumMod val="85000"/>
-            </a:schemeClr>
-          </a:solidFill>
-        </p:spPr>
-        <p:txBody>
-          <a:bodyPr wrap="square" rtlCol="0" anchor="t">
-            <a:spAutoFit/>
-          </a:bodyPr>
-          <a:p>
-            <a:r>
-              <a:rPr lang="en-US">
-                <a:sym typeface="+mn-ea"/>
-              </a:rPr>
-              <a:t>img = cv2.imread('path/to/filename')</a:t>
-            </a:r>
-            <a:endParaRPr lang="en-US">
-              <a:sym typeface="+mn-ea"/>
-            </a:endParaRPr>
-          </a:p>
-          <a:p>
-            <a:pPr marL="0" lvl="1"/>
-            <a:endParaRPr lang="en-US"/>
-          </a:p>
-          <a:p>
-            <a:r>
-              <a:rPr lang="en-US"/>
-              <a:t>crop_img = crop(img, 0, 100, 50, 200)</a:t>
-            </a:r>
-            <a:endParaRPr lang="en-US"/>
-          </a:p>
-          <a:p>
-            <a:endParaRPr lang="en-US"/>
-          </a:p>
-          <a:p>
-            <a:pPr lvl="0"/>
-            <a:r>
-              <a:rPr lang="en-US">
-                <a:sym typeface="+mn-ea"/>
-              </a:rPr>
-              <a:t>show_image(crop_img, </a:t>
-            </a:r>
-            <a:r>
-              <a:rPr lang="en-US">
-                <a:sym typeface="+mn-ea"/>
-              </a:rPr>
-              <a:t>title= 'croped image'</a:t>
-            </a:r>
-            <a:r>
-              <a:rPr lang="en-US">
-                <a:sym typeface="+mn-ea"/>
-              </a:rPr>
-              <a:t>)</a:t>
-            </a:r>
-            <a:endParaRPr lang="en-US"/>
-          </a:p>
-        </p:txBody>
-      </p:sp>
-    </p:spTree>
-  </p:cSld>
-  <p:clrMapOvr>
-    <a:masterClrMapping/>
-  </p:clrMapOvr>
-</p:sld>
-</file>
-
-<file path=ppt/slides/slide7.xml><?xml version="1.0" encoding="utf-8"?>
-<p:sld xmlns:a="http://schemas.openxmlformats.org/drawingml/2006/main" xmlns:r="http://schemas.openxmlformats.org/officeDocument/2006/relationships" xmlns:p="http://schemas.openxmlformats.org/presentationml/2006/main">
-  <p:cSld>
-    <p:spTree>
-      <p:nvGrpSpPr>
-        <p:cNvPr id="1" name=""/>
-        <p:cNvGrpSpPr/>
-        <p:nvPr/>
-      </p:nvGrpSpPr>
-      <p:grpSpPr>
-        <a:xfrm>
-          <a:off x="0" y="0"/>
-          <a:ext cx="0" cy="0"/>
-          <a:chOff x="0" y="0"/>
-          <a:chExt cx="0" cy="0"/>
-        </a:xfrm>
-      </p:grpSpPr>
-      <p:sp>
-        <p:nvSpPr>
-          <p:cNvPr id="4" name="Rectangles 3"/>
-          <p:cNvSpPr/>
-          <p:nvPr/>
-        </p:nvSpPr>
-        <p:spPr>
-          <a:xfrm>
-            <a:off x="0" y="268605"/>
-            <a:ext cx="6688455" cy="1017905"/>
-          </a:xfrm>
-          <a:prstGeom prst="rect">
-            <a:avLst/>
-          </a:prstGeom>
-          <a:solidFill>
-            <a:srgbClr val="BC1142"/>
-          </a:solidFill>
-          <a:ln>
-            <a:noFill/>
-          </a:ln>
-        </p:spPr>
-        <p:style>
-          <a:lnRef idx="2">
-            <a:schemeClr val="accent1">
-              <a:shade val="50000"/>
-            </a:schemeClr>
-          </a:lnRef>
-          <a:fillRef idx="1">
-            <a:schemeClr val="accent1"/>
-          </a:fillRef>
-          <a:effectRef idx="0">
-            <a:schemeClr val="accent1"/>
-          </a:effectRef>
-          <a:fontRef idx="minor">
-            <a:schemeClr val="lt1"/>
-          </a:fontRef>
-        </p:style>
-        <p:txBody>
-          <a:bodyPr rtlCol="0" anchor="ctr"/>
-          <a:p>
-            <a:pPr algn="ctr"/>
-            <a:endParaRPr lang="en-US"/>
-          </a:p>
-        </p:txBody>
-      </p:sp>
-      <p:sp>
-        <p:nvSpPr>
-          <p:cNvPr id="2" name="Text Box 1"/>
-          <p:cNvSpPr txBox="1"/>
-          <p:nvPr/>
-        </p:nvSpPr>
-        <p:spPr>
-          <a:xfrm>
-            <a:off x="552450" y="455295"/>
-            <a:ext cx="3970655" cy="645160"/>
-          </a:xfrm>
-          <a:prstGeom prst="rect">
-            <a:avLst/>
-          </a:prstGeom>
-          <a:noFill/>
-        </p:spPr>
-        <p:txBody>
-          <a:bodyPr wrap="none" rtlCol="0">
-            <a:spAutoFit/>
-          </a:bodyPr>
-          <a:p>
-            <a:r>
-              <a:rPr lang="en-US" sz="3600">
-                <a:solidFill>
-                  <a:schemeClr val="bg1"/>
-                </a:solidFill>
-              </a:rPr>
-              <a:t>Crop Multiple Image</a:t>
-            </a:r>
-            <a:endParaRPr lang="en-US" sz="3600">
-              <a:solidFill>
-                <a:schemeClr val="bg1"/>
-              </a:solidFill>
-            </a:endParaRPr>
-          </a:p>
-        </p:txBody>
-      </p:sp>
-      <p:grpSp>
-        <p:nvGrpSpPr>
-          <p:cNvPr id="3" name="Group 2"/>
-          <p:cNvGrpSpPr/>
-          <p:nvPr/>
-        </p:nvGrpSpPr>
-        <p:grpSpPr>
-          <a:xfrm>
-            <a:off x="655320" y="1525905"/>
-            <a:ext cx="8251825" cy="2675255"/>
-            <a:chOff x="1145" y="3199"/>
-            <a:chExt cx="12995" cy="4213"/>
-          </a:xfrm>
-        </p:grpSpPr>
-        <p:sp>
-          <p:nvSpPr>
-            <p:cNvPr id="5" name="Text Box 4"/>
-            <p:cNvSpPr txBox="1"/>
-            <p:nvPr/>
-          </p:nvSpPr>
-          <p:spPr>
-            <a:xfrm>
-              <a:off x="1673" y="3779"/>
-              <a:ext cx="11993" cy="3633"/>
-            </a:xfrm>
-            <a:prstGeom prst="rect">
-              <a:avLst/>
-            </a:prstGeom>
-            <a:solidFill>
-              <a:schemeClr val="bg1">
-                <a:lumMod val="85000"/>
-              </a:schemeClr>
-            </a:solidFill>
-          </p:spPr>
-          <p:txBody>
-            <a:bodyPr wrap="square" rtlCol="0" anchor="t">
-              <a:spAutoFit/>
-            </a:bodyPr>
-            <a:p>
-              <a:r>
-                <a:rPr lang="en-US">
-                  <a:sym typeface="+mn-ea"/>
-                </a:rPr>
-                <a:t>filenames = os.listdir("folder_1")</a:t>
-              </a:r>
-              <a:endParaRPr lang="en-US">
-                <a:sym typeface="+mn-ea"/>
-              </a:endParaRPr>
-            </a:p>
-            <a:p>
-              <a:endParaRPr lang="en-US">
-                <a:sym typeface="+mn-ea"/>
-              </a:endParaRPr>
-            </a:p>
-            <a:p>
-              <a:r>
-                <a:rPr lang="en-US">
-                  <a:sym typeface="+mn-ea"/>
-                </a:rPr>
-                <a:t>for name in filenames :</a:t>
-              </a:r>
-              <a:endParaRPr lang="en-US">
-                <a:sym typeface="+mn-ea"/>
-              </a:endParaRPr>
-            </a:p>
-            <a:p>
-              <a:r>
-                <a:rPr lang="en-US">
-                  <a:sym typeface="+mn-ea"/>
-                </a:rPr>
-                <a:t>         print(name)</a:t>
-              </a:r>
-              <a:endParaRPr lang="en-US">
-                <a:sym typeface="+mn-ea"/>
-              </a:endParaRPr>
-            </a:p>
-            <a:p>
-              <a:pPr lvl="1"/>
-              <a:r>
-                <a:rPr lang="en-US">
-                  <a:sym typeface="+mn-ea"/>
-                </a:rPr>
-                <a:t>img = cv2.imread(name)</a:t>
-              </a:r>
-              <a:endParaRPr lang="en-US"/>
-            </a:p>
-            <a:p>
-              <a:pPr lvl="1"/>
-              <a:r>
-                <a:rPr lang="en-US">
-                  <a:sym typeface="+mn-ea"/>
-                </a:rPr>
-                <a:t>crop_img = crop(img, 0, 100, 50, 200)</a:t>
-              </a:r>
-              <a:endParaRPr lang="en-US"/>
-            </a:p>
-            <a:p>
-              <a:pPr lvl="1"/>
-              <a:r>
-                <a:rPr lang="en-US">
-                  <a:sym typeface="+mn-ea"/>
-                </a:rPr>
-                <a:t>show_image(crop_img</a:t>
-              </a:r>
-              <a:r>
-                <a:rPr lang="en-US">
-                  <a:sym typeface="+mn-ea"/>
-                </a:rPr>
-                <a:t>, title= 'croped image : %s' % name</a:t>
-              </a:r>
-              <a:r>
-                <a:rPr lang="en-US">
-                  <a:sym typeface="+mn-ea"/>
-                </a:rPr>
-                <a:t>)</a:t>
-              </a:r>
-              <a:endParaRPr lang="en-US"/>
-            </a:p>
-            <a:p>
-              <a:endParaRPr lang="en-US"/>
-            </a:p>
-          </p:txBody>
-        </p:sp>
-        <p:sp>
-          <p:nvSpPr>
-            <p:cNvPr id="10" name="Text Box 9"/>
-            <p:cNvSpPr txBox="1"/>
-            <p:nvPr/>
-          </p:nvSpPr>
-          <p:spPr>
-            <a:xfrm>
-              <a:off x="1145" y="3199"/>
-              <a:ext cx="12995" cy="580"/>
-            </a:xfrm>
-            <a:prstGeom prst="rect">
-              <a:avLst/>
-            </a:prstGeom>
-            <a:noFill/>
-            <a:extLst>
-              <a:ext uri="{909E8E84-426E-40DD-AFC4-6F175D3DCCD1}">
-                <a14:hiddenFill xmlns:a14="http://schemas.microsoft.com/office/drawing/2010/main">
-                  <a:solidFill>
-                    <a:schemeClr val="bg1">
-                      <a:lumMod val="85000"/>
-                    </a:schemeClr>
-                  </a:solidFill>
-                </a14:hiddenFill>
-              </a:ext>
-            </a:extLst>
-          </p:spPr>
-          <p:txBody>
-            <a:bodyPr wrap="square" rtlCol="0" anchor="t">
-              <a:spAutoFit/>
-            </a:bodyPr>
-            <a:p>
-              <a:pPr marL="285750" indent="-285750">
-                <a:buFont typeface="Arial" panose="020B0604020202020204" pitchFamily="34" charset="0"/>
-                <a:buChar char="•"/>
-              </a:pPr>
-              <a:r>
-                <a:rPr lang="en-US">
-                  <a:sym typeface="+mn-ea"/>
-                </a:rPr>
-                <a:t>Crop multiple image menggunakan library os</a:t>
-              </a:r>
-              <a:endParaRPr lang="en-US">
-                <a:sym typeface="+mn-ea"/>
-              </a:endParaRPr>
-            </a:p>
-          </p:txBody>
-        </p:sp>
-      </p:grpSp>
-    </p:spTree>
-  </p:cSld>
-  <p:clrMapOvr>
-    <a:masterClrMapping/>
-  </p:clrMapOvr>
-</p:sld>
-</file>
-
-<file path=ppt/slides/slide8.xml><?xml version="1.0" encoding="utf-8"?>
+<file path=ppt/slides/slide2.xml><?xml version="1.0" encoding="utf-8"?>
 <p:sld xmlns:a="http://schemas.openxmlformats.org/drawingml/2006/main" xmlns:r="http://schemas.openxmlformats.org/officeDocument/2006/relationships" xmlns:p="http://schemas.openxmlformats.org/presentationml/2006/main">
   <p:cSld>
     <p:spTree>
@@ -9330,7 +7320,7 @@
                     <a:schemeClr val="bg1"/>
                   </a:solidFill>
                 </a:rPr>
-                <a:t>Resize Image</a:t>
+                <a:t>Crop Image</a:t>
               </a:r>
               <a:endParaRPr lang="en-US" sz="3600">
                 <a:solidFill>
@@ -9373,7 +7363,7 @@
 </p:sld>
 </file>
 
-<file path=ppt/slides/slide9.xml><?xml version="1.0" encoding="utf-8"?>
+<file path=ppt/slides/slide20.xml><?xml version="1.0" encoding="utf-8"?>
 <p:sld xmlns:a="http://schemas.openxmlformats.org/drawingml/2006/main" xmlns:r="http://schemas.openxmlformats.org/officeDocument/2006/relationships" xmlns:p="http://schemas.openxmlformats.org/presentationml/2006/main">
   <p:cSld>
     <p:spTree>
@@ -9399,7 +7389,7 @@
         <p:spPr>
           <a:xfrm>
             <a:off x="0" y="268605"/>
-            <a:ext cx="6688455" cy="1017905"/>
+            <a:ext cx="9344025" cy="1017905"/>
           </a:xfrm>
           <a:prstGeom prst="rect">
             <a:avLst/>
@@ -9444,7 +7434,7 @@
         <p:spPr>
           <a:xfrm>
             <a:off x="552450" y="455295"/>
-            <a:ext cx="2572385" cy="645160"/>
+            <a:ext cx="7364730" cy="645160"/>
           </a:xfrm>
           <a:prstGeom prst="rect">
             <a:avLst/>
@@ -9456,13 +7446,15 @@
             <a:spAutoFit/>
           </a:bodyPr>
           <a:p>
+            <a:pPr algn="l"/>
             <a:r>
               <a:rPr lang="en-US" sz="3600">
                 <a:solidFill>
                   <a:schemeClr val="bg1"/>
                 </a:solidFill>
+                <a:sym typeface="+mn-ea"/>
               </a:rPr>
-              <a:t>Resize Image</a:t>
+              <a:t>Convert To Grayscale didalam Function</a:t>
             </a:r>
             <a:endParaRPr lang="en-US" sz="3600">
               <a:solidFill>
@@ -9481,9 +7473,9 @@
         <p:grpSpPr>
           <a:xfrm>
             <a:off x="685800" y="1525905"/>
-            <a:ext cx="9384030" cy="736600"/>
+            <a:ext cx="9384030" cy="1290320"/>
             <a:chOff x="1145" y="3199"/>
-            <a:chExt cx="14778" cy="1160"/>
+            <a:chExt cx="14778" cy="2032"/>
           </a:xfrm>
         </p:grpSpPr>
         <p:sp>
@@ -9495,7 +7487,7 @@
           <p:spPr>
             <a:xfrm>
               <a:off x="1145" y="3779"/>
-              <a:ext cx="8363" cy="580"/>
+              <a:ext cx="12259" cy="1452"/>
             </a:xfrm>
             <a:prstGeom prst="rect">
               <a:avLst/>
@@ -9515,7 +7507,29 @@
                 <a:rPr lang="en-US">
                   <a:sym typeface="+mn-ea"/>
                 </a:rPr>
-                <a:t>img = cv2.imread('path/to/filename')</a:t>
+                <a:t>def convert_gray(img):</a:t>
+              </a:r>
+              <a:endParaRPr lang="en-US">
+                <a:sym typeface="+mn-ea"/>
+              </a:endParaRPr>
+            </a:p>
+            <a:p>
+              <a:r>
+                <a:rPr lang="en-US">
+                  <a:sym typeface="+mn-ea"/>
+                </a:rPr>
+                <a:t>      gray_img = cv2.cvtColor(img, cv2.COLOR_BGR2GRAY)</a:t>
+              </a:r>
+              <a:endParaRPr lang="en-US">
+                <a:sym typeface="+mn-ea"/>
+              </a:endParaRPr>
+            </a:p>
+            <a:p>
+              <a:r>
+                <a:rPr lang="en-US">
+                  <a:sym typeface="+mn-ea"/>
+                </a:rPr>
+                <a:t>      return gray_img</a:t>
               </a:r>
               <a:endParaRPr lang="en-US">
                 <a:sym typeface="+mn-ea"/>
@@ -9563,6 +7577,1143 @@
                 <a:rPr lang="en-US">
                   <a:sym typeface="+mn-ea"/>
                 </a:rPr>
+                <a:t>Function Convert image to grayscale</a:t>
+              </a:r>
+              <a:endParaRPr lang="en-US"/>
+            </a:p>
+          </p:txBody>
+        </p:sp>
+      </p:grpSp>
+      <p:sp>
+        <p:nvSpPr>
+          <p:cNvPr id="3" name="Text Box 2"/>
+          <p:cNvSpPr txBox="1"/>
+          <p:nvPr/>
+        </p:nvSpPr>
+        <p:spPr>
+          <a:xfrm>
+            <a:off x="685800" y="3243580"/>
+            <a:ext cx="7784465" cy="1476375"/>
+          </a:xfrm>
+          <a:prstGeom prst="rect">
+            <a:avLst/>
+          </a:prstGeom>
+          <a:solidFill>
+            <a:schemeClr val="bg1">
+              <a:lumMod val="85000"/>
+            </a:schemeClr>
+          </a:solidFill>
+        </p:spPr>
+        <p:txBody>
+          <a:bodyPr wrap="square" rtlCol="0" anchor="t">
+            <a:spAutoFit/>
+          </a:bodyPr>
+          <a:p>
+            <a:r>
+              <a:rPr lang="en-US">
+                <a:sym typeface="+mn-ea"/>
+              </a:rPr>
+              <a:t>img = cv2.imread('path/to/filename')</a:t>
+            </a:r>
+            <a:endParaRPr lang="en-US">
+              <a:sym typeface="+mn-ea"/>
+            </a:endParaRPr>
+          </a:p>
+          <a:p>
+            <a:endParaRPr lang="en-US">
+              <a:sym typeface="+mn-ea"/>
+            </a:endParaRPr>
+          </a:p>
+          <a:p>
+            <a:r>
+              <a:rPr lang="en-US">
+                <a:sym typeface="+mn-ea"/>
+              </a:rPr>
+              <a:t>gray_img = convert_gray(img)</a:t>
+            </a:r>
+            <a:endParaRPr lang="en-US">
+              <a:sym typeface="+mn-ea"/>
+            </a:endParaRPr>
+          </a:p>
+          <a:p>
+            <a:endParaRPr lang="en-US">
+              <a:sym typeface="+mn-ea"/>
+            </a:endParaRPr>
+          </a:p>
+          <a:p>
+            <a:r>
+              <a:rPr lang="en-US">
+                <a:sym typeface="+mn-ea"/>
+              </a:rPr>
+              <a:t>show_image(gray_img</a:t>
+            </a:r>
+            <a:r>
+              <a:rPr lang="en-US">
+                <a:sym typeface="+mn-ea"/>
+              </a:rPr>
+              <a:t>, title= 'gray image'</a:t>
+            </a:r>
+            <a:r>
+              <a:rPr lang="en-US">
+                <a:sym typeface="+mn-ea"/>
+              </a:rPr>
+              <a:t>)</a:t>
+            </a:r>
+            <a:endParaRPr lang="en-US">
+              <a:sym typeface="+mn-ea"/>
+            </a:endParaRPr>
+          </a:p>
+        </p:txBody>
+      </p:sp>
+    </p:spTree>
+  </p:cSld>
+  <p:clrMapOvr>
+    <a:masterClrMapping/>
+  </p:clrMapOvr>
+</p:sld>
+</file>
+
+<file path=ppt/slides/slide21.xml><?xml version="1.0" encoding="utf-8"?>
+<p:sld xmlns:a="http://schemas.openxmlformats.org/drawingml/2006/main" xmlns:r="http://schemas.openxmlformats.org/officeDocument/2006/relationships" xmlns:p="http://schemas.openxmlformats.org/presentationml/2006/main">
+  <p:cSld>
+    <p:spTree>
+      <p:nvGrpSpPr>
+        <p:cNvPr id="1" name=""/>
+        <p:cNvGrpSpPr/>
+        <p:nvPr/>
+      </p:nvGrpSpPr>
+      <p:grpSpPr>
+        <a:xfrm>
+          <a:off x="0" y="0"/>
+          <a:ext cx="0" cy="0"/>
+          <a:chOff x="0" y="0"/>
+          <a:chExt cx="0" cy="0"/>
+        </a:xfrm>
+      </p:grpSpPr>
+      <p:sp>
+        <p:nvSpPr>
+          <p:cNvPr id="4" name="Rectangles 3"/>
+          <p:cNvSpPr/>
+          <p:nvPr/>
+        </p:nvSpPr>
+        <p:spPr>
+          <a:xfrm>
+            <a:off x="0" y="268605"/>
+            <a:ext cx="9344025" cy="1017905"/>
+          </a:xfrm>
+          <a:prstGeom prst="rect">
+            <a:avLst/>
+          </a:prstGeom>
+          <a:solidFill>
+            <a:srgbClr val="BC1142"/>
+          </a:solidFill>
+          <a:ln>
+            <a:noFill/>
+          </a:ln>
+        </p:spPr>
+        <p:style>
+          <a:lnRef idx="2">
+            <a:schemeClr val="accent1">
+              <a:shade val="50000"/>
+            </a:schemeClr>
+          </a:lnRef>
+          <a:fillRef idx="1">
+            <a:schemeClr val="accent1"/>
+          </a:fillRef>
+          <a:effectRef idx="0">
+            <a:schemeClr val="accent1"/>
+          </a:effectRef>
+          <a:fontRef idx="minor">
+            <a:schemeClr val="lt1"/>
+          </a:fontRef>
+        </p:style>
+        <p:txBody>
+          <a:bodyPr rtlCol="0" anchor="ctr"/>
+          <a:p>
+            <a:pPr algn="ctr"/>
+            <a:endParaRPr lang="en-US"/>
+          </a:p>
+        </p:txBody>
+      </p:sp>
+      <p:sp>
+        <p:nvSpPr>
+          <p:cNvPr id="2" name="Text Box 1"/>
+          <p:cNvSpPr txBox="1"/>
+          <p:nvPr/>
+        </p:nvSpPr>
+        <p:spPr>
+          <a:xfrm>
+            <a:off x="552450" y="455295"/>
+            <a:ext cx="6953250" cy="645160"/>
+          </a:xfrm>
+          <a:prstGeom prst="rect">
+            <a:avLst/>
+          </a:prstGeom>
+          <a:noFill/>
+        </p:spPr>
+        <p:txBody>
+          <a:bodyPr wrap="none" rtlCol="0">
+            <a:spAutoFit/>
+          </a:bodyPr>
+          <a:p>
+            <a:pPr algn="l"/>
+            <a:r>
+              <a:rPr lang="en-US" sz="3600">
+                <a:solidFill>
+                  <a:schemeClr val="bg1"/>
+                </a:solidFill>
+                <a:sym typeface="+mn-ea"/>
+              </a:rPr>
+              <a:t>Convert Multiple Image To Grayscale</a:t>
+            </a:r>
+            <a:endParaRPr lang="en-US" sz="3600">
+              <a:solidFill>
+                <a:schemeClr val="bg1"/>
+              </a:solidFill>
+            </a:endParaRPr>
+          </a:p>
+        </p:txBody>
+      </p:sp>
+      <p:grpSp>
+        <p:nvGrpSpPr>
+          <p:cNvPr id="13" name="Group 12"/>
+          <p:cNvGrpSpPr/>
+          <p:nvPr/>
+        </p:nvGrpSpPr>
+        <p:grpSpPr>
+          <a:xfrm>
+            <a:off x="685800" y="1525905"/>
+            <a:ext cx="9384030" cy="2675255"/>
+            <a:chOff x="1145" y="3199"/>
+            <a:chExt cx="14778" cy="4213"/>
+          </a:xfrm>
+        </p:grpSpPr>
+        <p:sp>
+          <p:nvSpPr>
+            <p:cNvPr id="14" name="Text Box 13"/>
+            <p:cNvSpPr txBox="1"/>
+            <p:nvPr/>
+          </p:nvSpPr>
+          <p:spPr>
+            <a:xfrm>
+              <a:off x="1145" y="3779"/>
+              <a:ext cx="12259" cy="3633"/>
+            </a:xfrm>
+            <a:prstGeom prst="rect">
+              <a:avLst/>
+            </a:prstGeom>
+            <a:solidFill>
+              <a:schemeClr val="bg1">
+                <a:lumMod val="85000"/>
+              </a:schemeClr>
+            </a:solidFill>
+          </p:spPr>
+          <p:txBody>
+            <a:bodyPr wrap="square" rtlCol="0" anchor="t">
+              <a:spAutoFit/>
+            </a:bodyPr>
+            <a:p>
+              <a:r>
+                <a:rPr lang="en-US">
+                  <a:sym typeface="+mn-ea"/>
+                </a:rPr>
+                <a:t>filenames = os.listdir("folder_1")</a:t>
+              </a:r>
+              <a:endParaRPr lang="en-US">
+                <a:sym typeface="+mn-ea"/>
+              </a:endParaRPr>
+            </a:p>
+            <a:p>
+              <a:endParaRPr lang="en-US">
+                <a:sym typeface="+mn-ea"/>
+              </a:endParaRPr>
+            </a:p>
+            <a:p>
+              <a:r>
+                <a:rPr lang="en-US">
+                  <a:sym typeface="+mn-ea"/>
+                </a:rPr>
+                <a:t>for name in filenames :</a:t>
+              </a:r>
+              <a:endParaRPr lang="en-US">
+                <a:sym typeface="+mn-ea"/>
+              </a:endParaRPr>
+            </a:p>
+            <a:p>
+              <a:r>
+                <a:rPr lang="en-US">
+                  <a:sym typeface="+mn-ea"/>
+                </a:rPr>
+                <a:t>         print(name)</a:t>
+              </a:r>
+              <a:endParaRPr lang="en-US">
+                <a:sym typeface="+mn-ea"/>
+              </a:endParaRPr>
+            </a:p>
+            <a:p>
+              <a:pPr lvl="1"/>
+              <a:r>
+                <a:rPr lang="en-US">
+                  <a:sym typeface="+mn-ea"/>
+                </a:rPr>
+                <a:t>img = cv2.imread(name)</a:t>
+              </a:r>
+              <a:endParaRPr lang="en-US"/>
+            </a:p>
+            <a:p>
+              <a:pPr lvl="1"/>
+              <a:r>
+                <a:rPr lang="en-US">
+                  <a:sym typeface="+mn-ea"/>
+                </a:rPr>
+                <a:t>gray_img = convert_gray(img)</a:t>
+              </a:r>
+              <a:endParaRPr lang="en-US">
+                <a:sym typeface="+mn-ea"/>
+              </a:endParaRPr>
+            </a:p>
+            <a:p>
+              <a:pPr lvl="1"/>
+              <a:r>
+                <a:rPr lang="en-US">
+                  <a:sym typeface="+mn-ea"/>
+                </a:rPr>
+                <a:t>show_image(gray_img</a:t>
+              </a:r>
+              <a:r>
+                <a:rPr lang="en-US">
+                  <a:sym typeface="+mn-ea"/>
+                </a:rPr>
+                <a:t>, title= 'gray image : %s' % name</a:t>
+              </a:r>
+              <a:r>
+                <a:rPr lang="en-US">
+                  <a:sym typeface="+mn-ea"/>
+                </a:rPr>
+                <a:t>)</a:t>
+              </a:r>
+              <a:endParaRPr lang="en-US"/>
+            </a:p>
+            <a:p>
+              <a:endParaRPr lang="en-US">
+                <a:sym typeface="+mn-ea"/>
+              </a:endParaRPr>
+            </a:p>
+          </p:txBody>
+        </p:sp>
+        <p:sp>
+          <p:nvSpPr>
+            <p:cNvPr id="15" name="Text Box 14"/>
+            <p:cNvSpPr txBox="1"/>
+            <p:nvPr/>
+          </p:nvSpPr>
+          <p:spPr>
+            <a:xfrm>
+              <a:off x="1145" y="3199"/>
+              <a:ext cx="14778" cy="580"/>
+            </a:xfrm>
+            <a:prstGeom prst="rect">
+              <a:avLst/>
+            </a:prstGeom>
+            <a:noFill/>
+            <a:extLst>
+              <a:ext uri="{909E8E84-426E-40DD-AFC4-6F175D3DCCD1}">
+                <a14:hiddenFill xmlns:a14="http://schemas.microsoft.com/office/drawing/2010/main">
+                  <a:solidFill>
+                    <a:schemeClr val="bg1">
+                      <a:lumMod val="85000"/>
+                    </a:schemeClr>
+                  </a:solidFill>
+                </a14:hiddenFill>
+              </a:ext>
+            </a:extLst>
+          </p:spPr>
+          <p:txBody>
+            <a:bodyPr wrap="square" rtlCol="0" anchor="t">
+              <a:spAutoFit/>
+            </a:bodyPr>
+            <a:p>
+              <a:pPr marL="285750" indent="-285750">
+                <a:buFont typeface="Arial" panose="020B0604020202020204" pitchFamily="34" charset="0"/>
+                <a:buChar char="•"/>
+              </a:pPr>
+              <a:r>
+                <a:rPr lang="en-US">
+                  <a:sym typeface="+mn-ea"/>
+                </a:rPr>
+                <a:t>Covert multiple image to grayscale menggunakan library os</a:t>
+              </a:r>
+              <a:endParaRPr lang="en-US"/>
+            </a:p>
+          </p:txBody>
+        </p:sp>
+      </p:grpSp>
+    </p:spTree>
+  </p:cSld>
+  <p:clrMapOvr>
+    <a:masterClrMapping/>
+  </p:clrMapOvr>
+</p:sld>
+</file>
+
+<file path=ppt/slides/slide22.xml><?xml version="1.0" encoding="utf-8"?>
+<p:sld xmlns:a="http://schemas.openxmlformats.org/drawingml/2006/main" xmlns:r="http://schemas.openxmlformats.org/officeDocument/2006/relationships" xmlns:p="http://schemas.openxmlformats.org/presentationml/2006/main">
+  <p:cSld>
+    <p:spTree>
+      <p:nvGrpSpPr>
+        <p:cNvPr id="1" name=""/>
+        <p:cNvGrpSpPr/>
+        <p:nvPr/>
+      </p:nvGrpSpPr>
+      <p:grpSpPr/>
+      <p:sp>
+        <p:nvSpPr>
+          <p:cNvPr id="6" name="Rectangles 5"/>
+          <p:cNvSpPr/>
+          <p:nvPr/>
+        </p:nvSpPr>
+        <p:spPr>
+          <a:xfrm>
+            <a:off x="0" y="268605"/>
+            <a:ext cx="11435080" cy="1017905"/>
+          </a:xfrm>
+          <a:prstGeom prst="rect">
+            <a:avLst/>
+          </a:prstGeom>
+          <a:solidFill>
+            <a:srgbClr val="BC1142"/>
+          </a:solidFill>
+          <a:ln>
+            <a:noFill/>
+          </a:ln>
+        </p:spPr>
+        <p:style>
+          <a:lnRef idx="2">
+            <a:schemeClr val="accent1">
+              <a:shade val="50000"/>
+            </a:schemeClr>
+          </a:lnRef>
+          <a:fillRef idx="1">
+            <a:schemeClr val="accent1"/>
+          </a:fillRef>
+          <a:effectRef idx="0">
+            <a:schemeClr val="accent1"/>
+          </a:effectRef>
+          <a:fontRef idx="minor">
+            <a:schemeClr val="lt1"/>
+          </a:fontRef>
+        </p:style>
+        <p:txBody>
+          <a:bodyPr rtlCol="0" anchor="ctr"/>
+          <a:p>
+            <a:pPr algn="ctr"/>
+            <a:endParaRPr lang="en-US"/>
+          </a:p>
+        </p:txBody>
+      </p:sp>
+      <p:sp>
+        <p:nvSpPr>
+          <p:cNvPr id="2" name="Title 1"/>
+          <p:cNvSpPr>
+            <a:spLocks noGrp="1"/>
+          </p:cNvSpPr>
+          <p:nvPr>
+            <p:ph type="title"/>
+          </p:nvPr>
+        </p:nvSpPr>
+        <p:spPr>
+          <a:xfrm>
+            <a:off x="737235" y="268605"/>
+            <a:ext cx="10515600" cy="1057275"/>
+          </a:xfrm>
+        </p:spPr>
+        <p:txBody>
+          <a:bodyPr/>
+          <a:p>
+            <a:r>
+              <a:rPr lang="en-US">
+                <a:solidFill>
+                  <a:schemeClr val="bg1"/>
+                </a:solidFill>
+              </a:rPr>
+              <a:t>Sumber</a:t>
+            </a:r>
+            <a:endParaRPr lang="en-US">
+              <a:solidFill>
+                <a:schemeClr val="bg1"/>
+              </a:solidFill>
+            </a:endParaRPr>
+          </a:p>
+        </p:txBody>
+      </p:sp>
+      <p:sp>
+        <p:nvSpPr>
+          <p:cNvPr id="4" name="Content Placeholder 3"/>
+          <p:cNvSpPr/>
+          <p:nvPr>
+            <p:ph idx="1"/>
+          </p:nvPr>
+        </p:nvSpPr>
+        <p:spPr/>
+        <p:txBody>
+          <a:bodyPr/>
+          <a:p>
+            <a:r>
+              <a:rPr lang="en-US"/>
+              <a:t>https://github.com/Muhammad-Yunus/Belajar-Computer-Vision/blob/master/08.%20OpenCV%20-%20Part%202/08.%20OpenCV%20-%20Part%202.ipynb</a:t>
+            </a:r>
+            <a:endParaRPr lang="en-US"/>
+          </a:p>
+        </p:txBody>
+      </p:sp>
+    </p:spTree>
+  </p:cSld>
+  <p:clrMapOvr>
+    <a:masterClrMapping/>
+  </p:clrMapOvr>
+</p:sld>
+</file>
+
+<file path=ppt/slides/slide3.xml><?xml version="1.0" encoding="utf-8"?>
+<p:sld xmlns:a="http://schemas.openxmlformats.org/drawingml/2006/main" xmlns:r="http://schemas.openxmlformats.org/officeDocument/2006/relationships" xmlns:p="http://schemas.openxmlformats.org/presentationml/2006/main">
+  <p:cSld>
+    <p:spTree>
+      <p:nvGrpSpPr>
+        <p:cNvPr id="1" name=""/>
+        <p:cNvGrpSpPr/>
+        <p:nvPr/>
+      </p:nvGrpSpPr>
+      <p:grpSpPr/>
+      <p:pic>
+        <p:nvPicPr>
+          <p:cNvPr id="4" name="Content Placeholder 3"/>
+          <p:cNvPicPr>
+            <a:picLocks noChangeAspect="1"/>
+          </p:cNvPicPr>
+          <p:nvPr>
+            <p:ph idx="1"/>
+          </p:nvPr>
+        </p:nvPicPr>
+        <p:blipFill>
+          <a:blip r:embed="rId1"/>
+          <a:srcRect l="13237" r="3056"/>
+          <a:stretch>
+            <a:fillRect/>
+          </a:stretch>
+        </p:blipFill>
+        <p:spPr>
+          <a:xfrm>
+            <a:off x="842010" y="3107690"/>
+            <a:ext cx="4370705" cy="3004820"/>
+          </a:xfrm>
+          <a:prstGeom prst="rect">
+            <a:avLst/>
+          </a:prstGeom>
+        </p:spPr>
+      </p:pic>
+      <p:sp>
+        <p:nvSpPr>
+          <p:cNvPr id="6" name="Rectangles 5"/>
+          <p:cNvSpPr/>
+          <p:nvPr/>
+        </p:nvSpPr>
+        <p:spPr>
+          <a:xfrm>
+            <a:off x="0" y="268605"/>
+            <a:ext cx="6688455" cy="1017905"/>
+          </a:xfrm>
+          <a:prstGeom prst="rect">
+            <a:avLst/>
+          </a:prstGeom>
+          <a:solidFill>
+            <a:srgbClr val="BC1142"/>
+          </a:solidFill>
+          <a:ln>
+            <a:noFill/>
+          </a:ln>
+        </p:spPr>
+        <p:style>
+          <a:lnRef idx="2">
+            <a:schemeClr val="accent1">
+              <a:shade val="50000"/>
+            </a:schemeClr>
+          </a:lnRef>
+          <a:fillRef idx="1">
+            <a:schemeClr val="accent1"/>
+          </a:fillRef>
+          <a:effectRef idx="0">
+            <a:schemeClr val="accent1"/>
+          </a:effectRef>
+          <a:fontRef idx="minor">
+            <a:schemeClr val="lt1"/>
+          </a:fontRef>
+        </p:style>
+        <p:txBody>
+          <a:bodyPr rtlCol="0" anchor="ctr"/>
+          <a:p>
+            <a:pPr algn="ctr"/>
+            <a:endParaRPr lang="en-US"/>
+          </a:p>
+        </p:txBody>
+      </p:sp>
+      <p:sp>
+        <p:nvSpPr>
+          <p:cNvPr id="7" name="Text Box 6"/>
+          <p:cNvSpPr txBox="1"/>
+          <p:nvPr/>
+        </p:nvSpPr>
+        <p:spPr>
+          <a:xfrm>
+            <a:off x="552450" y="455295"/>
+            <a:ext cx="2301240" cy="645160"/>
+          </a:xfrm>
+          <a:prstGeom prst="rect">
+            <a:avLst/>
+          </a:prstGeom>
+          <a:noFill/>
+        </p:spPr>
+        <p:txBody>
+          <a:bodyPr wrap="none" rtlCol="0">
+            <a:spAutoFit/>
+          </a:bodyPr>
+          <a:p>
+            <a:r>
+              <a:rPr lang="en-US" sz="3600">
+                <a:solidFill>
+                  <a:schemeClr val="bg1"/>
+                </a:solidFill>
+              </a:rPr>
+              <a:t>Crop Image</a:t>
+            </a:r>
+            <a:endParaRPr lang="en-US" sz="3600">
+              <a:solidFill>
+                <a:schemeClr val="bg1"/>
+              </a:solidFill>
+            </a:endParaRPr>
+          </a:p>
+        </p:txBody>
+      </p:sp>
+      <p:sp>
+        <p:nvSpPr>
+          <p:cNvPr id="8" name="Text Box 7"/>
+          <p:cNvSpPr txBox="1"/>
+          <p:nvPr/>
+        </p:nvSpPr>
+        <p:spPr>
+          <a:xfrm>
+            <a:off x="1000760" y="1475740"/>
+            <a:ext cx="10928350" cy="922020"/>
+          </a:xfrm>
+          <a:prstGeom prst="rect">
+            <a:avLst/>
+          </a:prstGeom>
+          <a:noFill/>
+        </p:spPr>
+        <p:txBody>
+          <a:bodyPr wrap="square" rtlCol="0" anchor="t">
+            <a:spAutoFit/>
+          </a:bodyPr>
+          <a:p>
+            <a:pPr marL="285750" indent="-285750">
+              <a:buFont typeface="Arial" panose="020B0604020202020204" pitchFamily="34" charset="0"/>
+              <a:buChar char="•"/>
+            </a:pPr>
+            <a:r>
+              <a:rPr lang="en-US" b="1"/>
+              <a:t>crop image</a:t>
+            </a:r>
+            <a:r>
+              <a:rPr lang="en-US"/>
+              <a:t> pada OpenCV dilakukan dengan menggunakan </a:t>
+            </a:r>
+            <a:r>
+              <a:rPr lang="en-US" b="1" i="1"/>
+              <a:t>numpy slicing</a:t>
+            </a:r>
+            <a:endParaRPr lang="en-US"/>
+          </a:p>
+          <a:p>
+            <a:pPr marL="285750" indent="-285750">
+              <a:buFont typeface="Arial" panose="020B0604020202020204" pitchFamily="34" charset="0"/>
+              <a:buChar char="•"/>
+            </a:pPr>
+            <a:r>
+              <a:rPr lang="en-US"/>
+              <a:t>dengan notasi</a:t>
+            </a:r>
+            <a:r>
+              <a:rPr lang="en-US" b="1"/>
+              <a:t> image_array[y_min:y_max , x_min:x_max]</a:t>
+            </a:r>
+            <a:endParaRPr lang="en-US" b="1"/>
+          </a:p>
+          <a:p>
+            <a:pPr marL="285750" indent="-285750">
+              <a:buFont typeface="Arial" panose="020B0604020202020204" pitchFamily="34" charset="0"/>
+              <a:buChar char="•"/>
+            </a:pPr>
+            <a:r>
+              <a:rPr lang="en-US"/>
+              <a:t>dimana</a:t>
+            </a:r>
+            <a:r>
+              <a:rPr lang="en-US" b="1"/>
+              <a:t> y_min, y_max, x_min dan x_max</a:t>
+            </a:r>
+            <a:r>
+              <a:rPr lang="en-US"/>
+              <a:t> merupakan titik pixel batas area yang ingin di crop.</a:t>
+            </a:r>
+            <a:endParaRPr lang="en-US"/>
+          </a:p>
+        </p:txBody>
+      </p:sp>
+      <p:pic>
+        <p:nvPicPr>
+          <p:cNvPr id="12" name="Content Placeholder 15" descr="lena"/>
+          <p:cNvPicPr>
+            <a:picLocks noChangeAspect="1"/>
+          </p:cNvPicPr>
+          <p:nvPr/>
+        </p:nvPicPr>
+        <p:blipFill>
+          <a:blip r:embed="rId2"/>
+          <a:stretch>
+            <a:fillRect/>
+          </a:stretch>
+        </p:blipFill>
+        <p:spPr>
+          <a:xfrm>
+            <a:off x="6192520" y="3108325"/>
+            <a:ext cx="3089910" cy="3004185"/>
+          </a:xfrm>
+          <a:prstGeom prst="rect">
+            <a:avLst/>
+          </a:prstGeom>
+        </p:spPr>
+      </p:pic>
+      <p:pic>
+        <p:nvPicPr>
+          <p:cNvPr id="10" name="Content Placeholder 15" descr="lena"/>
+          <p:cNvPicPr>
+            <a:picLocks noChangeAspect="1"/>
+          </p:cNvPicPr>
+          <p:nvPr/>
+        </p:nvPicPr>
+        <p:blipFill>
+          <a:blip r:embed="rId2"/>
+          <a:srcRect l="20119" t="18981" r="22750" b="25766"/>
+          <a:stretch>
+            <a:fillRect/>
+          </a:stretch>
+        </p:blipFill>
+        <p:spPr>
+          <a:xfrm>
+            <a:off x="9846945" y="4452620"/>
+            <a:ext cx="1765300" cy="1659890"/>
+          </a:xfrm>
+          <a:prstGeom prst="rect">
+            <a:avLst/>
+          </a:prstGeom>
+        </p:spPr>
+      </p:pic>
+      <p:sp>
+        <p:nvSpPr>
+          <p:cNvPr id="13" name="Text Box 12"/>
+          <p:cNvSpPr txBox="1"/>
+          <p:nvPr/>
+        </p:nvSpPr>
+        <p:spPr>
+          <a:xfrm>
+            <a:off x="2096770" y="6249670"/>
+            <a:ext cx="1978025" cy="368300"/>
+          </a:xfrm>
+          <a:prstGeom prst="rect">
+            <a:avLst/>
+          </a:prstGeom>
+          <a:noFill/>
+        </p:spPr>
+        <p:txBody>
+          <a:bodyPr wrap="none" rtlCol="0">
+            <a:spAutoFit/>
+          </a:bodyPr>
+          <a:p>
+            <a:r>
+              <a:rPr lang="en-US"/>
+              <a:t>ilustrasi crop image</a:t>
+            </a:r>
+            <a:endParaRPr lang="en-US"/>
+          </a:p>
+        </p:txBody>
+      </p:sp>
+      <p:sp>
+        <p:nvSpPr>
+          <p:cNvPr id="14" name="Text Box 13"/>
+          <p:cNvSpPr txBox="1"/>
+          <p:nvPr/>
+        </p:nvSpPr>
+        <p:spPr>
+          <a:xfrm>
+            <a:off x="6975475" y="6249670"/>
+            <a:ext cx="1524000" cy="368300"/>
+          </a:xfrm>
+          <a:prstGeom prst="rect">
+            <a:avLst/>
+          </a:prstGeom>
+          <a:noFill/>
+        </p:spPr>
+        <p:txBody>
+          <a:bodyPr wrap="none" rtlCol="0">
+            <a:spAutoFit/>
+          </a:bodyPr>
+          <a:p>
+            <a:r>
+              <a:rPr lang="en-US"/>
+              <a:t>Original image</a:t>
+            </a:r>
+            <a:endParaRPr lang="en-US"/>
+          </a:p>
+        </p:txBody>
+      </p:sp>
+      <p:sp>
+        <p:nvSpPr>
+          <p:cNvPr id="15" name="Text Box 14"/>
+          <p:cNvSpPr txBox="1"/>
+          <p:nvPr/>
+        </p:nvSpPr>
+        <p:spPr>
+          <a:xfrm>
+            <a:off x="10029825" y="6249670"/>
+            <a:ext cx="1399540" cy="368300"/>
+          </a:xfrm>
+          <a:prstGeom prst="rect">
+            <a:avLst/>
+          </a:prstGeom>
+          <a:noFill/>
+        </p:spPr>
+        <p:txBody>
+          <a:bodyPr wrap="none" rtlCol="0">
+            <a:spAutoFit/>
+          </a:bodyPr>
+          <a:p>
+            <a:r>
+              <a:rPr lang="en-US"/>
+              <a:t>Coped Image</a:t>
+            </a:r>
+            <a:endParaRPr lang="en-US"/>
+          </a:p>
+        </p:txBody>
+      </p:sp>
+    </p:spTree>
+  </p:cSld>
+  <p:clrMapOvr>
+    <a:masterClrMapping/>
+  </p:clrMapOvr>
+</p:sld>
+</file>
+
+<file path=ppt/slides/slide4.xml><?xml version="1.0" encoding="utf-8"?>
+<p:sld xmlns:a="http://schemas.openxmlformats.org/drawingml/2006/main" xmlns:r="http://schemas.openxmlformats.org/officeDocument/2006/relationships" xmlns:p="http://schemas.openxmlformats.org/presentationml/2006/main">
+  <p:cSld>
+    <p:spTree>
+      <p:nvGrpSpPr>
+        <p:cNvPr id="1" name=""/>
+        <p:cNvGrpSpPr/>
+        <p:nvPr/>
+      </p:nvGrpSpPr>
+      <p:grpSpPr>
+        <a:xfrm>
+          <a:off x="0" y="0"/>
+          <a:ext cx="0" cy="0"/>
+          <a:chOff x="0" y="0"/>
+          <a:chExt cx="0" cy="0"/>
+        </a:xfrm>
+      </p:grpSpPr>
+      <p:sp>
+        <p:nvSpPr>
+          <p:cNvPr id="4" name="Rectangles 3"/>
+          <p:cNvSpPr/>
+          <p:nvPr/>
+        </p:nvSpPr>
+        <p:spPr>
+          <a:xfrm>
+            <a:off x="0" y="268605"/>
+            <a:ext cx="6688455" cy="1017905"/>
+          </a:xfrm>
+          <a:prstGeom prst="rect">
+            <a:avLst/>
+          </a:prstGeom>
+          <a:solidFill>
+            <a:srgbClr val="BC1142"/>
+          </a:solidFill>
+          <a:ln>
+            <a:noFill/>
+          </a:ln>
+        </p:spPr>
+        <p:style>
+          <a:lnRef idx="2">
+            <a:schemeClr val="accent1">
+              <a:shade val="50000"/>
+            </a:schemeClr>
+          </a:lnRef>
+          <a:fillRef idx="1">
+            <a:schemeClr val="accent1"/>
+          </a:fillRef>
+          <a:effectRef idx="0">
+            <a:schemeClr val="accent1"/>
+          </a:effectRef>
+          <a:fontRef idx="minor">
+            <a:schemeClr val="lt1"/>
+          </a:fontRef>
+        </p:style>
+        <p:txBody>
+          <a:bodyPr rtlCol="0" anchor="ctr"/>
+          <a:p>
+            <a:pPr algn="ctr"/>
+            <a:endParaRPr lang="en-US"/>
+          </a:p>
+        </p:txBody>
+      </p:sp>
+      <p:sp>
+        <p:nvSpPr>
+          <p:cNvPr id="2" name="Text Box 1"/>
+          <p:cNvSpPr txBox="1"/>
+          <p:nvPr/>
+        </p:nvSpPr>
+        <p:spPr>
+          <a:xfrm>
+            <a:off x="552450" y="455295"/>
+            <a:ext cx="2301240" cy="645160"/>
+          </a:xfrm>
+          <a:prstGeom prst="rect">
+            <a:avLst/>
+          </a:prstGeom>
+          <a:noFill/>
+        </p:spPr>
+        <p:txBody>
+          <a:bodyPr wrap="none" rtlCol="0">
+            <a:spAutoFit/>
+          </a:bodyPr>
+          <a:p>
+            <a:r>
+              <a:rPr lang="en-US" sz="3600">
+                <a:solidFill>
+                  <a:schemeClr val="bg1"/>
+                </a:solidFill>
+              </a:rPr>
+              <a:t>Crop Image</a:t>
+            </a:r>
+            <a:endParaRPr lang="en-US" sz="3600">
+              <a:solidFill>
+                <a:schemeClr val="bg1"/>
+              </a:solidFill>
+            </a:endParaRPr>
+          </a:p>
+        </p:txBody>
+      </p:sp>
+      <p:grpSp>
+        <p:nvGrpSpPr>
+          <p:cNvPr id="3" name="Group 2"/>
+          <p:cNvGrpSpPr/>
+          <p:nvPr/>
+        </p:nvGrpSpPr>
+        <p:grpSpPr>
+          <a:xfrm>
+            <a:off x="655320" y="1525905"/>
+            <a:ext cx="8251825" cy="1290320"/>
+            <a:chOff x="1145" y="3199"/>
+            <a:chExt cx="12995" cy="2032"/>
+          </a:xfrm>
+        </p:grpSpPr>
+        <p:sp>
+          <p:nvSpPr>
+            <p:cNvPr id="5" name="Text Box 4"/>
+            <p:cNvSpPr txBox="1"/>
+            <p:nvPr/>
+          </p:nvSpPr>
+          <p:spPr>
+            <a:xfrm>
+              <a:off x="1145" y="3779"/>
+              <a:ext cx="8363" cy="1452"/>
+            </a:xfrm>
+            <a:prstGeom prst="rect">
+              <a:avLst/>
+            </a:prstGeom>
+            <a:solidFill>
+              <a:schemeClr val="bg1">
+                <a:lumMod val="85000"/>
+              </a:schemeClr>
+            </a:solidFill>
+          </p:spPr>
+          <p:txBody>
+            <a:bodyPr wrap="square" rtlCol="0" anchor="t">
+              <a:spAutoFit/>
+            </a:bodyPr>
+            <a:p>
+              <a:r>
+                <a:rPr lang="en-US">
+                  <a:sym typeface="+mn-ea"/>
+                </a:rPr>
+                <a:t>import cv2</a:t>
+              </a:r>
+              <a:endParaRPr lang="en-US">
+                <a:sym typeface="+mn-ea"/>
+              </a:endParaRPr>
+            </a:p>
+            <a:p>
+              <a:r>
+                <a:rPr lang="en-US"/>
+                <a:t>import matplotlib.pyplot as plt</a:t>
+              </a:r>
+              <a:endParaRPr lang="en-US"/>
+            </a:p>
+            <a:p>
+              <a:r>
+                <a:rPr lang="en-US"/>
+                <a:t>import os</a:t>
+              </a:r>
+              <a:endParaRPr lang="en-US"/>
+            </a:p>
+          </p:txBody>
+        </p:sp>
+        <p:sp>
+          <p:nvSpPr>
+            <p:cNvPr id="10" name="Text Box 9"/>
+            <p:cNvSpPr txBox="1"/>
+            <p:nvPr/>
+          </p:nvSpPr>
+          <p:spPr>
+            <a:xfrm>
+              <a:off x="1145" y="3199"/>
+              <a:ext cx="12995" cy="580"/>
+            </a:xfrm>
+            <a:prstGeom prst="rect">
+              <a:avLst/>
+            </a:prstGeom>
+            <a:noFill/>
+            <a:extLst>
+              <a:ext uri="{909E8E84-426E-40DD-AFC4-6F175D3DCCD1}">
+                <a14:hiddenFill xmlns:a14="http://schemas.microsoft.com/office/drawing/2010/main">
+                  <a:solidFill>
+                    <a:schemeClr val="bg1">
+                      <a:lumMod val="85000"/>
+                    </a:schemeClr>
+                  </a:solidFill>
+                </a14:hiddenFill>
+              </a:ext>
+            </a:extLst>
+          </p:spPr>
+          <p:txBody>
+            <a:bodyPr wrap="square" rtlCol="0" anchor="t">
+              <a:spAutoFit/>
+            </a:bodyPr>
+            <a:p>
+              <a:pPr marL="285750" indent="-285750">
+                <a:buFont typeface="Arial" panose="020B0604020202020204" pitchFamily="34" charset="0"/>
+                <a:buChar char="•"/>
+              </a:pPr>
+              <a:r>
+                <a:rPr lang="en-US">
+                  <a:sym typeface="+mn-ea"/>
+                </a:rPr>
+                <a:t>Import library (OpenCV, Matplotlib)</a:t>
+              </a:r>
+              <a:endParaRPr lang="en-US"/>
+            </a:p>
+          </p:txBody>
+        </p:sp>
+      </p:grpSp>
+      <p:grpSp>
+        <p:nvGrpSpPr>
+          <p:cNvPr id="13" name="Group 12"/>
+          <p:cNvGrpSpPr/>
+          <p:nvPr/>
+        </p:nvGrpSpPr>
+        <p:grpSpPr>
+          <a:xfrm>
+            <a:off x="655320" y="3075305"/>
+            <a:ext cx="9384030" cy="736600"/>
+            <a:chOff x="1145" y="3199"/>
+            <a:chExt cx="14778" cy="1160"/>
+          </a:xfrm>
+        </p:grpSpPr>
+        <p:sp>
+          <p:nvSpPr>
+            <p:cNvPr id="14" name="Text Box 13"/>
+            <p:cNvSpPr txBox="1"/>
+            <p:nvPr/>
+          </p:nvSpPr>
+          <p:spPr>
+            <a:xfrm>
+              <a:off x="1145" y="3779"/>
+              <a:ext cx="8363" cy="580"/>
+            </a:xfrm>
+            <a:prstGeom prst="rect">
+              <a:avLst/>
+            </a:prstGeom>
+            <a:solidFill>
+              <a:schemeClr val="bg1">
+                <a:lumMod val="85000"/>
+              </a:schemeClr>
+            </a:solidFill>
+          </p:spPr>
+          <p:txBody>
+            <a:bodyPr wrap="square" rtlCol="0" anchor="t">
+              <a:spAutoFit/>
+            </a:bodyPr>
+            <a:p>
+              <a:r>
+                <a:rPr lang="en-US">
+                  <a:sym typeface="+mn-ea"/>
+                </a:rPr>
+                <a:t>img = cv2.imread('path/to/filename')</a:t>
+              </a:r>
+              <a:endParaRPr lang="en-US">
+                <a:sym typeface="+mn-ea"/>
+              </a:endParaRPr>
+            </a:p>
+          </p:txBody>
+        </p:sp>
+        <p:sp>
+          <p:nvSpPr>
+            <p:cNvPr id="15" name="Text Box 14"/>
+            <p:cNvSpPr txBox="1"/>
+            <p:nvPr/>
+          </p:nvSpPr>
+          <p:spPr>
+            <a:xfrm>
+              <a:off x="1145" y="3199"/>
+              <a:ext cx="14778" cy="580"/>
+            </a:xfrm>
+            <a:prstGeom prst="rect">
+              <a:avLst/>
+            </a:prstGeom>
+            <a:noFill/>
+            <a:extLst>
+              <a:ext uri="{909E8E84-426E-40DD-AFC4-6F175D3DCCD1}">
+                <a14:hiddenFill xmlns:a14="http://schemas.microsoft.com/office/drawing/2010/main">
+                  <a:solidFill>
+                    <a:schemeClr val="bg1">
+                      <a:lumMod val="85000"/>
+                    </a:schemeClr>
+                  </a:solidFill>
+                </a14:hiddenFill>
+              </a:ext>
+            </a:extLst>
+          </p:spPr>
+          <p:txBody>
+            <a:bodyPr wrap="square" rtlCol="0" anchor="t">
+              <a:spAutoFit/>
+            </a:bodyPr>
+            <a:p>
+              <a:pPr marL="285750" indent="-285750">
+                <a:buFont typeface="Arial" panose="020B0604020202020204" pitchFamily="34" charset="0"/>
+                <a:buChar char="•"/>
+              </a:pPr>
+              <a:r>
+                <a:rPr lang="en-US">
+                  <a:sym typeface="+mn-ea"/>
+                </a:rPr>
                 <a:t>Read Image</a:t>
               </a:r>
               <a:endParaRPr lang="en-US"/>
@@ -9578,7 +8729,7 @@
         </p:nvGrpSpPr>
         <p:grpSpPr>
           <a:xfrm>
-            <a:off x="688975" y="2808605"/>
+            <a:off x="655320" y="4071620"/>
             <a:ext cx="9142730" cy="736600"/>
             <a:chOff x="1145" y="3199"/>
             <a:chExt cx="14398" cy="1160"/>
@@ -9613,7 +8764,7 @@
                 <a:rPr lang="en-US">
                   <a:sym typeface="+mn-ea"/>
                 </a:rPr>
-                <a:t>resize_img = cv2.resize(img, (320, 240)) </a:t>
+                <a:t>crop_img = img[0:100, 50:200, :]</a:t>
               </a:r>
               <a:endParaRPr lang="en-US">
                 <a:sym typeface="+mn-ea"/>
@@ -9661,7 +8812,7 @@
                 <a:rPr lang="en-US">
                   <a:sym typeface="+mn-ea"/>
                 </a:rPr>
-                <a:t>resize Image</a:t>
+                <a:t>Crop Image</a:t>
               </a:r>
               <a:endParaRPr lang="en-US"/>
             </a:p>
@@ -9676,10 +8827,10 @@
         </p:nvGrpSpPr>
         <p:grpSpPr>
           <a:xfrm>
-            <a:off x="688975" y="4740275"/>
-            <a:ext cx="5503545" cy="736600"/>
+            <a:off x="6688455" y="1525905"/>
+            <a:ext cx="5503545" cy="3229610"/>
             <a:chOff x="1145" y="3199"/>
-            <a:chExt cx="8667" cy="1160"/>
+            <a:chExt cx="8667" cy="5086"/>
           </a:xfrm>
         </p:grpSpPr>
         <p:sp>
@@ -9691,7 +8842,7 @@
           <p:spPr>
             <a:xfrm>
               <a:off x="1145" y="3779"/>
-              <a:ext cx="8363" cy="580"/>
+              <a:ext cx="8363" cy="4506"/>
             </a:xfrm>
             <a:prstGeom prst="rect">
               <a:avLst/>
@@ -9712,13 +8863,111 @@
                 <a:rPr lang="en-US">
                   <a:sym typeface="+mn-ea"/>
                 </a:rPr>
-                <a:t>show_image(resize_img</a:t>
+                <a:t>def show_image(img, title= 'my image', </a:t>
               </a:r>
               <a:r>
                 <a:rPr lang="en-US">
                   <a:sym typeface="+mn-ea"/>
                 </a:rPr>
-                <a:t>, title= 'resized image'</a:t>
+                <a:t>size=(10, 7)</a:t>
+              </a:r>
+              <a:r>
+                <a:rPr lang="en-US">
+                  <a:sym typeface="+mn-ea"/>
+                </a:rPr>
+                <a:t>):</a:t>
+              </a:r>
+              <a:endParaRPr lang="en-US"/>
+            </a:p>
+            <a:p>
+              <a:pPr lvl="1"/>
+              <a:r>
+                <a:rPr lang="en-US">
+                  <a:sym typeface="+mn-ea"/>
+                </a:rPr>
+                <a:t>img_reverse = img[ :, :, ::-1]</a:t>
+              </a:r>
+              <a:endParaRPr lang="en-US"/>
+            </a:p>
+            <a:p>
+              <a:pPr lvl="1"/>
+              <a:endParaRPr lang="en-US"/>
+            </a:p>
+            <a:p>
+              <a:pPr lvl="1"/>
+              <a:r>
+                <a:rPr lang="en-US">
+                  <a:sym typeface="+mn-ea"/>
+                </a:rPr>
+                <a:t>plt.figure(figsize=</a:t>
+              </a:r>
+              <a:r>
+                <a:rPr lang="en-US">
+                  <a:sym typeface="+mn-ea"/>
+                </a:rPr>
+                <a:t>size)</a:t>
+              </a:r>
+              <a:endParaRPr lang="en-US">
+                <a:sym typeface="+mn-ea"/>
+              </a:endParaRPr>
+            </a:p>
+            <a:p>
+              <a:pPr lvl="1"/>
+              <a:r>
+                <a:rPr lang="en-US">
+                  <a:sym typeface="+mn-ea"/>
+                </a:rPr>
+                <a:t>plt.imshow(img)</a:t>
+              </a:r>
+              <a:endParaRPr lang="en-US">
+                <a:sym typeface="+mn-ea"/>
+              </a:endParaRPr>
+            </a:p>
+            <a:p>
+              <a:pPr lvl="1"/>
+              <a:r>
+                <a:rPr lang="en-US">
+                  <a:sym typeface="+mn-ea"/>
+                </a:rPr>
+                <a:t>plt.title(title)</a:t>
+              </a:r>
+              <a:endParaRPr lang="en-US"/>
+            </a:p>
+            <a:p>
+              <a:pPr lvl="1"/>
+              <a:r>
+                <a:rPr lang="en-US">
+                  <a:sym typeface="+mn-ea"/>
+                </a:rPr>
+                <a:t>plt.axis('off')</a:t>
+              </a:r>
+              <a:endParaRPr lang="en-US"/>
+            </a:p>
+            <a:p>
+              <a:pPr lvl="1"/>
+              <a:endParaRPr lang="en-US">
+                <a:sym typeface="+mn-ea"/>
+              </a:endParaRPr>
+            </a:p>
+            <a:p>
+              <a:pPr lvl="1"/>
+              <a:endParaRPr lang="en-US">
+                <a:sym typeface="+mn-ea"/>
+              </a:endParaRPr>
+            </a:p>
+            <a:p>
+              <a:pPr lvl="0"/>
+              <a:r>
+                <a:rPr lang="en-US">
+                  <a:sym typeface="+mn-ea"/>
+                </a:rPr>
+                <a:t>show_image(img, </a:t>
+              </a:r>
+              <a:r>
+                <a:rPr lang="en-US">
+                  <a:sym typeface="+mn-ea"/>
+                </a:rPr>
+                <a:t>title= 'croped image'</a:t>
               </a:r>
               <a:r>
                 <a:rPr lang="en-US">
@@ -9781,14 +9030,14 @@
       </p:grpSp>
       <p:sp>
         <p:nvSpPr>
-          <p:cNvPr id="11" name="Text Box 10"/>
+          <p:cNvPr id="9" name="Text Box 8"/>
           <p:cNvSpPr txBox="1"/>
           <p:nvPr/>
         </p:nvSpPr>
         <p:spPr>
           <a:xfrm>
-            <a:off x="688975" y="3665855"/>
-            <a:ext cx="9919970" cy="645160"/>
+            <a:off x="655320" y="4848225"/>
+            <a:ext cx="4313555" cy="368300"/>
           </a:xfrm>
           <a:prstGeom prst="rect">
             <a:avLst/>
@@ -9796,48 +9045,939 @@
           <a:noFill/>
         </p:spPr>
         <p:txBody>
+          <a:bodyPr wrap="none" rtlCol="0" anchor="t">
+            <a:spAutoFit/>
+          </a:bodyPr>
+          <a:p>
+            <a:r>
+              <a:rPr lang="en-US" i="1">
+                <a:sym typeface="+mn-ea"/>
+              </a:rPr>
+              <a:t>image_array[y_min:y_max , x_min:x_max, :]</a:t>
+            </a:r>
+            <a:endParaRPr lang="en-US" i="1">
+              <a:sym typeface="+mn-ea"/>
+            </a:endParaRPr>
+          </a:p>
+        </p:txBody>
+      </p:sp>
+    </p:spTree>
+  </p:cSld>
+  <p:clrMapOvr>
+    <a:masterClrMapping/>
+  </p:clrMapOvr>
+</p:sld>
+</file>
+
+<file path=ppt/slides/slide5.xml><?xml version="1.0" encoding="utf-8"?>
+<p:sld xmlns:a="http://schemas.openxmlformats.org/drawingml/2006/main" xmlns:r="http://schemas.openxmlformats.org/officeDocument/2006/relationships" xmlns:p="http://schemas.openxmlformats.org/presentationml/2006/main">
+  <p:cSld>
+    <p:spTree>
+      <p:nvGrpSpPr>
+        <p:cNvPr id="1" name=""/>
+        <p:cNvGrpSpPr/>
+        <p:nvPr/>
+      </p:nvGrpSpPr>
+      <p:grpSpPr>
+        <a:xfrm>
+          <a:off x="0" y="0"/>
+          <a:ext cx="0" cy="0"/>
+          <a:chOff x="0" y="0"/>
+          <a:chExt cx="0" cy="0"/>
+        </a:xfrm>
+      </p:grpSpPr>
+      <p:sp>
+        <p:nvSpPr>
+          <p:cNvPr id="4" name="Rectangles 3"/>
+          <p:cNvSpPr/>
+          <p:nvPr/>
+        </p:nvSpPr>
+        <p:spPr>
+          <a:xfrm>
+            <a:off x="0" y="268605"/>
+            <a:ext cx="6688455" cy="1017905"/>
+          </a:xfrm>
+          <a:prstGeom prst="rect">
+            <a:avLst/>
+          </a:prstGeom>
+          <a:solidFill>
+            <a:srgbClr val="BC1142"/>
+          </a:solidFill>
+          <a:ln>
+            <a:noFill/>
+          </a:ln>
+        </p:spPr>
+        <p:style>
+          <a:lnRef idx="2">
+            <a:schemeClr val="accent1">
+              <a:shade val="50000"/>
+            </a:schemeClr>
+          </a:lnRef>
+          <a:fillRef idx="1">
+            <a:schemeClr val="accent1"/>
+          </a:fillRef>
+          <a:effectRef idx="0">
+            <a:schemeClr val="accent1"/>
+          </a:effectRef>
+          <a:fontRef idx="minor">
+            <a:schemeClr val="lt1"/>
+          </a:fontRef>
+        </p:style>
+        <p:txBody>
+          <a:bodyPr rtlCol="0" anchor="ctr"/>
+          <a:p>
+            <a:pPr algn="ctr"/>
+            <a:endParaRPr lang="en-US"/>
+          </a:p>
+        </p:txBody>
+      </p:sp>
+      <p:sp>
+        <p:nvSpPr>
+          <p:cNvPr id="2" name="Text Box 1"/>
+          <p:cNvSpPr txBox="1"/>
+          <p:nvPr/>
+        </p:nvSpPr>
+        <p:spPr>
+          <a:xfrm>
+            <a:off x="552450" y="455295"/>
+            <a:ext cx="5854700" cy="645160"/>
+          </a:xfrm>
+          <a:prstGeom prst="rect">
+            <a:avLst/>
+          </a:prstGeom>
+          <a:noFill/>
+        </p:spPr>
+        <p:txBody>
+          <a:bodyPr wrap="none" rtlCol="0">
+            <a:spAutoFit/>
+          </a:bodyPr>
+          <a:p>
+            <a:pPr algn="l"/>
+            <a:r>
+              <a:rPr lang="en-US" sz="3600">
+                <a:solidFill>
+                  <a:schemeClr val="bg1"/>
+                </a:solidFill>
+              </a:rPr>
+              <a:t>Crop Image </a:t>
+            </a:r>
+            <a:r>
+              <a:rPr lang="en-US" sz="3600">
+                <a:solidFill>
+                  <a:schemeClr val="bg1"/>
+                </a:solidFill>
+                <a:sym typeface="+mn-ea"/>
+              </a:rPr>
+              <a:t>Kode </a:t>
+            </a:r>
+            <a:r>
+              <a:rPr lang="en-US" sz="3600">
+                <a:solidFill>
+                  <a:schemeClr val="bg1"/>
+                </a:solidFill>
+              </a:rPr>
+              <a:t>Keseluruhan </a:t>
+            </a:r>
+            <a:endParaRPr lang="en-US" sz="3600">
+              <a:solidFill>
+                <a:schemeClr val="bg1"/>
+              </a:solidFill>
+            </a:endParaRPr>
+          </a:p>
+        </p:txBody>
+      </p:sp>
+      <p:grpSp>
+        <p:nvGrpSpPr>
+          <p:cNvPr id="3" name="Group 2"/>
+          <p:cNvGrpSpPr/>
+          <p:nvPr/>
+        </p:nvGrpSpPr>
+        <p:grpSpPr>
+          <a:xfrm>
+            <a:off x="655320" y="1525905"/>
+            <a:ext cx="8251825" cy="2675255"/>
+            <a:chOff x="1145" y="3199"/>
+            <a:chExt cx="12995" cy="4213"/>
+          </a:xfrm>
+        </p:grpSpPr>
+        <p:sp>
+          <p:nvSpPr>
+            <p:cNvPr id="5" name="Text Box 4"/>
+            <p:cNvSpPr txBox="1"/>
+            <p:nvPr/>
+          </p:nvSpPr>
+          <p:spPr>
+            <a:xfrm>
+              <a:off x="1145" y="3779"/>
+              <a:ext cx="8363" cy="3633"/>
+            </a:xfrm>
+            <a:prstGeom prst="rect">
+              <a:avLst/>
+            </a:prstGeom>
+            <a:solidFill>
+              <a:schemeClr val="bg1">
+                <a:lumMod val="85000"/>
+              </a:schemeClr>
+            </a:solidFill>
+          </p:spPr>
+          <p:txBody>
+            <a:bodyPr wrap="square" rtlCol="0" anchor="t">
+              <a:spAutoFit/>
+            </a:bodyPr>
+            <a:p>
+              <a:r>
+                <a:rPr lang="en-US">
+                  <a:sym typeface="+mn-ea"/>
+                </a:rPr>
+                <a:t>import cv2</a:t>
+              </a:r>
+              <a:endParaRPr lang="en-US">
+                <a:sym typeface="+mn-ea"/>
+              </a:endParaRPr>
+            </a:p>
+            <a:p>
+              <a:r>
+                <a:rPr lang="en-US"/>
+                <a:t>import matplotlib.pyplot as plt</a:t>
+              </a:r>
+              <a:endParaRPr lang="en-US"/>
+            </a:p>
+            <a:p>
+              <a:endParaRPr lang="en-US"/>
+            </a:p>
+            <a:p>
+              <a:r>
+                <a:rPr lang="en-US">
+                  <a:sym typeface="+mn-ea"/>
+                </a:rPr>
+                <a:t>img = cv2.imread('path/to/filename')</a:t>
+              </a:r>
+              <a:endParaRPr lang="en-US">
+                <a:sym typeface="+mn-ea"/>
+              </a:endParaRPr>
+            </a:p>
+            <a:p>
+              <a:endParaRPr lang="en-US"/>
+            </a:p>
+            <a:p>
+              <a:r>
+                <a:rPr lang="en-US">
+                  <a:sym typeface="+mn-ea"/>
+                </a:rPr>
+                <a:t>crop_img = img[0:100, 50:200, :]</a:t>
+              </a:r>
+              <a:endParaRPr lang="en-US">
+                <a:sym typeface="+mn-ea"/>
+              </a:endParaRPr>
+            </a:p>
+            <a:p>
+              <a:endParaRPr lang="en-US"/>
+            </a:p>
+            <a:p>
+              <a:pPr lvl="0"/>
+              <a:r>
+                <a:rPr lang="en-US">
+                  <a:sym typeface="+mn-ea"/>
+                </a:rPr>
+                <a:t>show_image(img </a:t>
+              </a:r>
+              <a:r>
+                <a:rPr lang="en-US">
+                  <a:sym typeface="+mn-ea"/>
+                </a:rPr>
+                <a:t>, title= 'croped image'</a:t>
+              </a:r>
+              <a:r>
+                <a:rPr lang="en-US">
+                  <a:sym typeface="+mn-ea"/>
+                </a:rPr>
+                <a:t>)</a:t>
+              </a:r>
+              <a:endParaRPr lang="en-US"/>
+            </a:p>
+          </p:txBody>
+        </p:sp>
+        <p:sp>
+          <p:nvSpPr>
+            <p:cNvPr id="10" name="Text Box 9"/>
+            <p:cNvSpPr txBox="1"/>
+            <p:nvPr/>
+          </p:nvSpPr>
+          <p:spPr>
+            <a:xfrm>
+              <a:off x="1145" y="3199"/>
+              <a:ext cx="12995" cy="580"/>
+            </a:xfrm>
+            <a:prstGeom prst="rect">
+              <a:avLst/>
+            </a:prstGeom>
+            <a:noFill/>
+            <a:extLst>
+              <a:ext uri="{909E8E84-426E-40DD-AFC4-6F175D3DCCD1}">
+                <a14:hiddenFill xmlns:a14="http://schemas.microsoft.com/office/drawing/2010/main">
+                  <a:solidFill>
+                    <a:schemeClr val="bg1">
+                      <a:lumMod val="85000"/>
+                    </a:schemeClr>
+                  </a:solidFill>
+                </a14:hiddenFill>
+              </a:ext>
+            </a:extLst>
+          </p:spPr>
+          <p:txBody>
+            <a:bodyPr wrap="square" rtlCol="0" anchor="t">
+              <a:spAutoFit/>
+            </a:bodyPr>
+            <a:p>
+              <a:pPr marL="285750" indent="-285750">
+                <a:buFont typeface="Arial" panose="020B0604020202020204" pitchFamily="34" charset="0"/>
+                <a:buChar char="•"/>
+              </a:pPr>
+              <a:r>
+                <a:rPr lang="en-US">
+                  <a:sym typeface="+mn-ea"/>
+                </a:rPr>
+                <a:t>Kode keseluruhan</a:t>
+              </a:r>
+              <a:endParaRPr lang="en-US"/>
+            </a:p>
+          </p:txBody>
+        </p:sp>
+      </p:grpSp>
+    </p:spTree>
+  </p:cSld>
+  <p:clrMapOvr>
+    <a:masterClrMapping/>
+  </p:clrMapOvr>
+</p:sld>
+</file>
+
+<file path=ppt/slides/slide6.xml><?xml version="1.0" encoding="utf-8"?>
+<p:sld xmlns:a="http://schemas.openxmlformats.org/drawingml/2006/main" xmlns:r="http://schemas.openxmlformats.org/officeDocument/2006/relationships" xmlns:p="http://schemas.openxmlformats.org/presentationml/2006/main">
+  <p:cSld>
+    <p:spTree>
+      <p:nvGrpSpPr>
+        <p:cNvPr id="1" name=""/>
+        <p:cNvGrpSpPr/>
+        <p:nvPr/>
+      </p:nvGrpSpPr>
+      <p:grpSpPr>
+        <a:xfrm>
+          <a:off x="0" y="0"/>
+          <a:ext cx="0" cy="0"/>
+          <a:chOff x="0" y="0"/>
+          <a:chExt cx="0" cy="0"/>
+        </a:xfrm>
+      </p:grpSpPr>
+      <p:sp>
+        <p:nvSpPr>
+          <p:cNvPr id="4" name="Rectangles 3"/>
+          <p:cNvSpPr/>
+          <p:nvPr/>
+        </p:nvSpPr>
+        <p:spPr>
+          <a:xfrm>
+            <a:off x="0" y="268605"/>
+            <a:ext cx="6688455" cy="1017905"/>
+          </a:xfrm>
+          <a:prstGeom prst="rect">
+            <a:avLst/>
+          </a:prstGeom>
+          <a:solidFill>
+            <a:srgbClr val="BC1142"/>
+          </a:solidFill>
+          <a:ln>
+            <a:noFill/>
+          </a:ln>
+        </p:spPr>
+        <p:style>
+          <a:lnRef idx="2">
+            <a:schemeClr val="accent1">
+              <a:shade val="50000"/>
+            </a:schemeClr>
+          </a:lnRef>
+          <a:fillRef idx="1">
+            <a:schemeClr val="accent1"/>
+          </a:fillRef>
+          <a:effectRef idx="0">
+            <a:schemeClr val="accent1"/>
+          </a:effectRef>
+          <a:fontRef idx="minor">
+            <a:schemeClr val="lt1"/>
+          </a:fontRef>
+        </p:style>
+        <p:txBody>
+          <a:bodyPr rtlCol="0" anchor="ctr"/>
+          <a:p>
+            <a:pPr algn="ctr"/>
+            <a:endParaRPr lang="en-US"/>
+          </a:p>
+        </p:txBody>
+      </p:sp>
+      <p:sp>
+        <p:nvSpPr>
+          <p:cNvPr id="2" name="Text Box 1"/>
+          <p:cNvSpPr txBox="1"/>
+          <p:nvPr/>
+        </p:nvSpPr>
+        <p:spPr>
+          <a:xfrm>
+            <a:off x="552450" y="455295"/>
+            <a:ext cx="5278755" cy="645160"/>
+          </a:xfrm>
+          <a:prstGeom prst="rect">
+            <a:avLst/>
+          </a:prstGeom>
+          <a:noFill/>
+        </p:spPr>
+        <p:txBody>
+          <a:bodyPr wrap="none" rtlCol="0">
+            <a:spAutoFit/>
+          </a:bodyPr>
+          <a:p>
+            <a:r>
+              <a:rPr lang="en-US" sz="3600">
+                <a:solidFill>
+                  <a:schemeClr val="bg1"/>
+                </a:solidFill>
+              </a:rPr>
+              <a:t>Crop Image dalam Function</a:t>
+            </a:r>
+            <a:endParaRPr lang="en-US" sz="3600">
+              <a:solidFill>
+                <a:schemeClr val="bg1"/>
+              </a:solidFill>
+            </a:endParaRPr>
+          </a:p>
+        </p:txBody>
+      </p:sp>
+      <p:grpSp>
+        <p:nvGrpSpPr>
+          <p:cNvPr id="3" name="Group 2"/>
+          <p:cNvGrpSpPr/>
+          <p:nvPr/>
+        </p:nvGrpSpPr>
+        <p:grpSpPr>
+          <a:xfrm>
+            <a:off x="655320" y="1525905"/>
+            <a:ext cx="8251825" cy="1671955"/>
+            <a:chOff x="1145" y="3199"/>
+            <a:chExt cx="12995" cy="2633"/>
+          </a:xfrm>
+        </p:grpSpPr>
+        <p:sp>
+          <p:nvSpPr>
+            <p:cNvPr id="5" name="Text Box 4"/>
+            <p:cNvSpPr txBox="1"/>
+            <p:nvPr/>
+          </p:nvSpPr>
+          <p:spPr>
+            <a:xfrm>
+              <a:off x="1673" y="4380"/>
+              <a:ext cx="8363" cy="1452"/>
+            </a:xfrm>
+            <a:prstGeom prst="rect">
+              <a:avLst/>
+            </a:prstGeom>
+            <a:solidFill>
+              <a:schemeClr val="bg1">
+                <a:lumMod val="85000"/>
+              </a:schemeClr>
+            </a:solidFill>
+          </p:spPr>
+          <p:txBody>
+            <a:bodyPr wrap="square" rtlCol="0" anchor="t">
+              <a:spAutoFit/>
+            </a:bodyPr>
+            <a:p>
+              <a:r>
+                <a:rPr lang="en-US"/>
+                <a:t>def crop(img,  </a:t>
+              </a:r>
+              <a:r>
+                <a:rPr lang="en-US">
+                  <a:sym typeface="+mn-ea"/>
+                </a:rPr>
+                <a:t>y_min, y_max, x_min, x_max):</a:t>
+              </a:r>
+              <a:endParaRPr lang="en-US"/>
+            </a:p>
+            <a:p>
+              <a:pPr lvl="1"/>
+              <a:r>
+                <a:rPr lang="en-US">
+                  <a:sym typeface="+mn-ea"/>
+                </a:rPr>
+                <a:t>crop_img = img[0:100, 50:200, :]</a:t>
+              </a:r>
+              <a:endParaRPr lang="en-US">
+                <a:sym typeface="+mn-ea"/>
+              </a:endParaRPr>
+            </a:p>
+            <a:p>
+              <a:pPr lvl="1"/>
+              <a:r>
+                <a:rPr lang="en-US">
+                  <a:sym typeface="+mn-ea"/>
+                </a:rPr>
+                <a:t>return crop_img</a:t>
+              </a:r>
+              <a:endParaRPr lang="en-US"/>
+            </a:p>
+          </p:txBody>
+        </p:sp>
+        <p:sp>
+          <p:nvSpPr>
+            <p:cNvPr id="10" name="Text Box 9"/>
+            <p:cNvSpPr txBox="1"/>
+            <p:nvPr/>
+          </p:nvSpPr>
+          <p:spPr>
+            <a:xfrm>
+              <a:off x="1145" y="3199"/>
+              <a:ext cx="12995" cy="1016"/>
+            </a:xfrm>
+            <a:prstGeom prst="rect">
+              <a:avLst/>
+            </a:prstGeom>
+            <a:noFill/>
+            <a:extLst>
+              <a:ext uri="{909E8E84-426E-40DD-AFC4-6F175D3DCCD1}">
+                <a14:hiddenFill xmlns:a14="http://schemas.microsoft.com/office/drawing/2010/main">
+                  <a:solidFill>
+                    <a:schemeClr val="bg1">
+                      <a:lumMod val="85000"/>
+                    </a:schemeClr>
+                  </a:solidFill>
+                </a14:hiddenFill>
+              </a:ext>
+            </a:extLst>
+          </p:spPr>
+          <p:txBody>
+            <a:bodyPr wrap="square" rtlCol="0" anchor="t">
+              <a:spAutoFit/>
+            </a:bodyPr>
+            <a:p>
+              <a:pPr marL="285750" indent="-285750">
+                <a:buFont typeface="Arial" panose="020B0604020202020204" pitchFamily="34" charset="0"/>
+                <a:buChar char="•"/>
+              </a:pPr>
+              <a:r>
+                <a:rPr lang="en-US">
+                  <a:sym typeface="+mn-ea"/>
+                </a:rPr>
+                <a:t>Crop image dalam function dengan cama </a:t>
+              </a:r>
+              <a:r>
+                <a:rPr lang="en-US" b="1">
+                  <a:sym typeface="+mn-ea"/>
+                </a:rPr>
+                <a:t>crop</a:t>
+              </a:r>
+              <a:r>
+                <a:rPr lang="en-US">
+                  <a:sym typeface="+mn-ea"/>
+                </a:rPr>
+                <a:t>, selanjutnya kita dapat gunakan fucntion tersebut untuk memabaca image dan crop gambar</a:t>
+              </a:r>
+              <a:endParaRPr lang="en-US">
+                <a:sym typeface="+mn-ea"/>
+              </a:endParaRPr>
+            </a:p>
+          </p:txBody>
+        </p:sp>
+      </p:grpSp>
+      <p:sp>
+        <p:nvSpPr>
+          <p:cNvPr id="6" name="Text Box 5"/>
+          <p:cNvSpPr txBox="1"/>
+          <p:nvPr/>
+        </p:nvSpPr>
+        <p:spPr>
+          <a:xfrm>
+            <a:off x="990600" y="3577590"/>
+            <a:ext cx="5310505" cy="1476375"/>
+          </a:xfrm>
+          <a:prstGeom prst="rect">
+            <a:avLst/>
+          </a:prstGeom>
+          <a:solidFill>
+            <a:schemeClr val="bg1">
+              <a:lumMod val="85000"/>
+            </a:schemeClr>
+          </a:solidFill>
+        </p:spPr>
+        <p:txBody>
           <a:bodyPr wrap="square" rtlCol="0" anchor="t">
             <a:spAutoFit/>
           </a:bodyPr>
           <a:p>
-            <a:pPr marL="285750" indent="-285750">
-              <a:buFont typeface="Arial" panose="020B0604020202020204" pitchFamily="34" charset="0"/>
-              <a:buChar char="•"/>
-            </a:pPr>
+            <a:r>
+              <a:rPr lang="en-US">
+                <a:sym typeface="+mn-ea"/>
+              </a:rPr>
+              <a:t>img = cv2.imread('path/to/filename')</a:t>
+            </a:r>
+            <a:endParaRPr lang="en-US">
+              <a:sym typeface="+mn-ea"/>
+            </a:endParaRPr>
+          </a:p>
+          <a:p>
+            <a:pPr marL="0" lvl="1"/>
+            <a:endParaRPr lang="en-US"/>
+          </a:p>
+          <a:p>
             <a:r>
               <a:rPr lang="en-US"/>
-              <a:t>untuk melakukan resize image pada OpenCV diprkenalkan beberapa method berikut :</a:t>
-            </a:r>
-            <a:endParaRPr lang="en-US"/>
-          </a:p>
-          <a:p>
-            <a:pPr marL="742950" lvl="1" indent="-285750">
-              <a:buFont typeface="Arial" panose="020B0604020202020204" pitchFamily="34" charset="0"/>
-              <a:buChar char="•"/>
-            </a:pPr>
-            <a:r>
-              <a:rPr lang="en-US" b="1"/>
-              <a:t>cv2.resize(img, (w_new, h_new))</a:t>
-            </a:r>
-            <a:r>
-              <a:rPr lang="en-US"/>
-              <a:t> : resize img ke ukuran </a:t>
-            </a:r>
-            <a:r>
-              <a:rPr lang="en-US" b="1"/>
-              <a:t>w_new x h_new</a:t>
-            </a:r>
-            <a:endParaRPr lang="en-US" b="1"/>
-          </a:p>
-        </p:txBody>
-      </p:sp>
+              <a:t>crop_img = crop(img, 0, 100, 50, 200)</a:t>
+            </a:r>
+            <a:endParaRPr lang="en-US"/>
+          </a:p>
+          <a:p>
+            <a:endParaRPr lang="en-US"/>
+          </a:p>
+          <a:p>
+            <a:pPr lvl="0"/>
+            <a:r>
+              <a:rPr lang="en-US">
+                <a:sym typeface="+mn-ea"/>
+              </a:rPr>
+              <a:t>show_image(crop_img, </a:t>
+            </a:r>
+            <a:r>
+              <a:rPr lang="en-US">
+                <a:sym typeface="+mn-ea"/>
+              </a:rPr>
+              <a:t>title= 'croped image'</a:t>
+            </a:r>
+            <a:r>
+              <a:rPr lang="en-US">
+                <a:sym typeface="+mn-ea"/>
+              </a:rPr>
+              <a:t>)</a:t>
+            </a:r>
+            <a:endParaRPr lang="en-US"/>
+          </a:p>
+        </p:txBody>
+      </p:sp>
+    </p:spTree>
+  </p:cSld>
+  <p:clrMapOvr>
+    <a:masterClrMapping/>
+  </p:clrMapOvr>
+</p:sld>
+</file>
+
+<file path=ppt/slides/slide7.xml><?xml version="1.0" encoding="utf-8"?>
+<p:sld xmlns:a="http://schemas.openxmlformats.org/drawingml/2006/main" xmlns:r="http://schemas.openxmlformats.org/officeDocument/2006/relationships" xmlns:p="http://schemas.openxmlformats.org/presentationml/2006/main">
+  <p:cSld>
+    <p:spTree>
+      <p:nvGrpSpPr>
+        <p:cNvPr id="1" name=""/>
+        <p:cNvGrpSpPr/>
+        <p:nvPr/>
+      </p:nvGrpSpPr>
+      <p:grpSpPr>
+        <a:xfrm>
+          <a:off x="0" y="0"/>
+          <a:ext cx="0" cy="0"/>
+          <a:chOff x="0" y="0"/>
+          <a:chExt cx="0" cy="0"/>
+        </a:xfrm>
+      </p:grpSpPr>
+      <p:sp>
+        <p:nvSpPr>
+          <p:cNvPr id="4" name="Rectangles 3"/>
+          <p:cNvSpPr/>
+          <p:nvPr/>
+        </p:nvSpPr>
+        <p:spPr>
+          <a:xfrm>
+            <a:off x="0" y="268605"/>
+            <a:ext cx="6688455" cy="1017905"/>
+          </a:xfrm>
+          <a:prstGeom prst="rect">
+            <a:avLst/>
+          </a:prstGeom>
+          <a:solidFill>
+            <a:srgbClr val="BC1142"/>
+          </a:solidFill>
+          <a:ln>
+            <a:noFill/>
+          </a:ln>
+        </p:spPr>
+        <p:style>
+          <a:lnRef idx="2">
+            <a:schemeClr val="accent1">
+              <a:shade val="50000"/>
+            </a:schemeClr>
+          </a:lnRef>
+          <a:fillRef idx="1">
+            <a:schemeClr val="accent1"/>
+          </a:fillRef>
+          <a:effectRef idx="0">
+            <a:schemeClr val="accent1"/>
+          </a:effectRef>
+          <a:fontRef idx="minor">
+            <a:schemeClr val="lt1"/>
+          </a:fontRef>
+        </p:style>
+        <p:txBody>
+          <a:bodyPr rtlCol="0" anchor="ctr"/>
+          <a:p>
+            <a:pPr algn="ctr"/>
+            <a:endParaRPr lang="en-US"/>
+          </a:p>
+        </p:txBody>
+      </p:sp>
+      <p:sp>
+        <p:nvSpPr>
+          <p:cNvPr id="2" name="Text Box 1"/>
+          <p:cNvSpPr txBox="1"/>
+          <p:nvPr/>
+        </p:nvSpPr>
+        <p:spPr>
+          <a:xfrm>
+            <a:off x="552450" y="455295"/>
+            <a:ext cx="3970655" cy="645160"/>
+          </a:xfrm>
+          <a:prstGeom prst="rect">
+            <a:avLst/>
+          </a:prstGeom>
+          <a:noFill/>
+        </p:spPr>
+        <p:txBody>
+          <a:bodyPr wrap="none" rtlCol="0">
+            <a:spAutoFit/>
+          </a:bodyPr>
+          <a:p>
+            <a:r>
+              <a:rPr lang="en-US" sz="3600">
+                <a:solidFill>
+                  <a:schemeClr val="bg1"/>
+                </a:solidFill>
+              </a:rPr>
+              <a:t>Crop Multiple Image</a:t>
+            </a:r>
+            <a:endParaRPr lang="en-US" sz="3600">
+              <a:solidFill>
+                <a:schemeClr val="bg1"/>
+              </a:solidFill>
+            </a:endParaRPr>
+          </a:p>
+        </p:txBody>
+      </p:sp>
+      <p:grpSp>
+        <p:nvGrpSpPr>
+          <p:cNvPr id="3" name="Group 2"/>
+          <p:cNvGrpSpPr/>
+          <p:nvPr/>
+        </p:nvGrpSpPr>
+        <p:grpSpPr>
+          <a:xfrm>
+            <a:off x="655320" y="1525905"/>
+            <a:ext cx="8251825" cy="2675255"/>
+            <a:chOff x="1145" y="3199"/>
+            <a:chExt cx="12995" cy="4213"/>
+          </a:xfrm>
+        </p:grpSpPr>
+        <p:sp>
+          <p:nvSpPr>
+            <p:cNvPr id="5" name="Text Box 4"/>
+            <p:cNvSpPr txBox="1"/>
+            <p:nvPr/>
+          </p:nvSpPr>
+          <p:spPr>
+            <a:xfrm>
+              <a:off x="1673" y="3779"/>
+              <a:ext cx="11993" cy="3633"/>
+            </a:xfrm>
+            <a:prstGeom prst="rect">
+              <a:avLst/>
+            </a:prstGeom>
+            <a:solidFill>
+              <a:schemeClr val="bg1">
+                <a:lumMod val="85000"/>
+              </a:schemeClr>
+            </a:solidFill>
+          </p:spPr>
+          <p:txBody>
+            <a:bodyPr wrap="square" rtlCol="0" anchor="t">
+              <a:spAutoFit/>
+            </a:bodyPr>
+            <a:p>
+              <a:r>
+                <a:rPr lang="en-US">
+                  <a:sym typeface="+mn-ea"/>
+                </a:rPr>
+                <a:t>filenames = os.listdir("folder_1")</a:t>
+              </a:r>
+              <a:endParaRPr lang="en-US">
+                <a:sym typeface="+mn-ea"/>
+              </a:endParaRPr>
+            </a:p>
+            <a:p>
+              <a:endParaRPr lang="en-US">
+                <a:sym typeface="+mn-ea"/>
+              </a:endParaRPr>
+            </a:p>
+            <a:p>
+              <a:r>
+                <a:rPr lang="en-US">
+                  <a:sym typeface="+mn-ea"/>
+                </a:rPr>
+                <a:t>for name in filenames :</a:t>
+              </a:r>
+              <a:endParaRPr lang="en-US">
+                <a:sym typeface="+mn-ea"/>
+              </a:endParaRPr>
+            </a:p>
+            <a:p>
+              <a:r>
+                <a:rPr lang="en-US">
+                  <a:sym typeface="+mn-ea"/>
+                </a:rPr>
+                <a:t>         print(name)</a:t>
+              </a:r>
+              <a:endParaRPr lang="en-US">
+                <a:sym typeface="+mn-ea"/>
+              </a:endParaRPr>
+            </a:p>
+            <a:p>
+              <a:pPr lvl="1"/>
+              <a:r>
+                <a:rPr lang="en-US">
+                  <a:sym typeface="+mn-ea"/>
+                </a:rPr>
+                <a:t>img = cv2.imread(</a:t>
+              </a:r>
+              <a:r>
+                <a:rPr lang="en-US">
+                  <a:sym typeface="+mn-ea"/>
+                </a:rPr>
+                <a:t>"folder_1/" + </a:t>
+              </a:r>
+              <a:r>
+                <a:rPr lang="en-US">
+                  <a:sym typeface="+mn-ea"/>
+                </a:rPr>
+                <a:t>name)</a:t>
+              </a:r>
+              <a:endParaRPr lang="en-US"/>
+            </a:p>
+            <a:p>
+              <a:pPr lvl="1"/>
+              <a:r>
+                <a:rPr lang="en-US">
+                  <a:sym typeface="+mn-ea"/>
+                </a:rPr>
+                <a:t>crop_img = crop(img, 0, 100, 50, 200)</a:t>
+              </a:r>
+              <a:endParaRPr lang="en-US"/>
+            </a:p>
+            <a:p>
+              <a:pPr lvl="1"/>
+              <a:r>
+                <a:rPr lang="en-US">
+                  <a:sym typeface="+mn-ea"/>
+                </a:rPr>
+                <a:t>show_image(crop_img</a:t>
+              </a:r>
+              <a:r>
+                <a:rPr lang="en-US">
+                  <a:sym typeface="+mn-ea"/>
+                </a:rPr>
+                <a:t>, title= 'croped image : %s' % name</a:t>
+              </a:r>
+              <a:r>
+                <a:rPr lang="en-US">
+                  <a:sym typeface="+mn-ea"/>
+                </a:rPr>
+                <a:t>)</a:t>
+              </a:r>
+              <a:endParaRPr lang="en-US"/>
+            </a:p>
+            <a:p>
+              <a:endParaRPr lang="en-US"/>
+            </a:p>
+          </p:txBody>
+        </p:sp>
+        <p:sp>
+          <p:nvSpPr>
+            <p:cNvPr id="10" name="Text Box 9"/>
+            <p:cNvSpPr txBox="1"/>
+            <p:nvPr/>
+          </p:nvSpPr>
+          <p:spPr>
+            <a:xfrm>
+              <a:off x="1145" y="3199"/>
+              <a:ext cx="12995" cy="580"/>
+            </a:xfrm>
+            <a:prstGeom prst="rect">
+              <a:avLst/>
+            </a:prstGeom>
+            <a:noFill/>
+            <a:extLst>
+              <a:ext uri="{909E8E84-426E-40DD-AFC4-6F175D3DCCD1}">
+                <a14:hiddenFill xmlns:a14="http://schemas.microsoft.com/office/drawing/2010/main">
+                  <a:solidFill>
+                    <a:schemeClr val="bg1">
+                      <a:lumMod val="85000"/>
+                    </a:schemeClr>
+                  </a:solidFill>
+                </a14:hiddenFill>
+              </a:ext>
+            </a:extLst>
+          </p:spPr>
+          <p:txBody>
+            <a:bodyPr wrap="square" rtlCol="0" anchor="t">
+              <a:spAutoFit/>
+            </a:bodyPr>
+            <a:p>
+              <a:pPr marL="285750" indent="-285750">
+                <a:buFont typeface="Arial" panose="020B0604020202020204" pitchFamily="34" charset="0"/>
+                <a:buChar char="•"/>
+              </a:pPr>
+              <a:r>
+                <a:rPr lang="en-US">
+                  <a:sym typeface="+mn-ea"/>
+                </a:rPr>
+                <a:t>Crop multiple image menggunakan library os</a:t>
+              </a:r>
+              <a:endParaRPr lang="en-US">
+                <a:sym typeface="+mn-ea"/>
+              </a:endParaRPr>
+            </a:p>
+          </p:txBody>
+        </p:sp>
+      </p:grpSp>
+    </p:spTree>
+  </p:cSld>
+  <p:clrMapOvr>
+    <a:masterClrMapping/>
+  </p:clrMapOvr>
+</p:sld>
+</file>
+
+<file path=ppt/slides/slide8.xml><?xml version="1.0" encoding="utf-8"?>
+<p:sld xmlns:a="http://schemas.openxmlformats.org/drawingml/2006/main" xmlns:r="http://schemas.openxmlformats.org/officeDocument/2006/relationships" xmlns:p="http://schemas.openxmlformats.org/presentationml/2006/main">
+  <p:cSld>
+    <p:spTree>
+      <p:nvGrpSpPr>
+        <p:cNvPr id="1" name=""/>
+        <p:cNvGrpSpPr/>
+        <p:nvPr/>
+      </p:nvGrpSpPr>
+      <p:grpSpPr/>
       <p:pic>
         <p:nvPicPr>
-          <p:cNvPr id="12" name="Content Placeholder 15" descr="lena"/>
+          <p:cNvPr id="4" name="Content Placeholder 3" descr="aturan crop ukuran sama"/>
           <p:cNvPicPr>
             <a:picLocks noChangeAspect="1"/>
           </p:cNvPicPr>
-          <p:nvPr/>
+          <p:nvPr>
+            <p:ph idx="1"/>
+          </p:nvPr>
         </p:nvPicPr>
         <p:blipFill>
           <a:blip r:embed="rId1"/>
@@ -9847,48 +9987,69 @@
         </p:blipFill>
         <p:spPr>
           <a:xfrm>
-            <a:off x="7780655" y="268605"/>
-            <a:ext cx="2051050" cy="1994535"/>
+            <a:off x="552450" y="1464310"/>
+            <a:ext cx="11129645" cy="5290185"/>
           </a:xfrm>
           <a:prstGeom prst="rect">
             <a:avLst/>
           </a:prstGeom>
         </p:spPr>
       </p:pic>
-      <p:pic>
-        <p:nvPicPr>
-          <p:cNvPr id="19" name="Content Placeholder 15" descr="lena"/>
-          <p:cNvPicPr>
-            <a:picLocks noChangeAspect="1"/>
-          </p:cNvPicPr>
+      <p:sp>
+        <p:nvSpPr>
+          <p:cNvPr id="5" name="Rectangles 4"/>
+          <p:cNvSpPr/>
           <p:nvPr/>
-        </p:nvPicPr>
-        <p:blipFill>
-          <a:blip r:embed="rId1"/>
-          <a:stretch>
-            <a:fillRect/>
-          </a:stretch>
-        </p:blipFill>
+        </p:nvSpPr>
         <p:spPr>
           <a:xfrm>
-            <a:off x="10201275" y="1170940"/>
-            <a:ext cx="1122680" cy="1092200"/>
+            <a:off x="0" y="268605"/>
+            <a:ext cx="6688455" cy="1017905"/>
           </a:xfrm>
           <a:prstGeom prst="rect">
             <a:avLst/>
           </a:prstGeom>
+          <a:solidFill>
+            <a:srgbClr val="BC1142"/>
+          </a:solidFill>
+          <a:ln>
+            <a:noFill/>
+          </a:ln>
         </p:spPr>
-      </p:pic>
-      <p:sp>
-        <p:nvSpPr>
-          <p:cNvPr id="20" name="Text Box 19"/>
+        <p:style>
+          <a:lnRef idx="2">
+            <a:schemeClr val="accent1">
+              <a:shade val="50000"/>
+            </a:schemeClr>
+          </a:lnRef>
+          <a:fillRef idx="1">
+            <a:schemeClr val="accent1"/>
+          </a:fillRef>
+          <a:effectRef idx="0">
+            <a:schemeClr val="accent1"/>
+          </a:effectRef>
+          <a:fontRef idx="minor">
+            <a:schemeClr val="lt1"/>
+          </a:fontRef>
+        </p:style>
+        <p:txBody>
+          <a:bodyPr rtlCol="0" anchor="ctr"/>
+          <a:p>
+            <a:pPr algn="ctr"/>
+            <a:endParaRPr lang="en-US"/>
+          </a:p>
+        </p:txBody>
+      </p:sp>
+      <p:sp>
+        <p:nvSpPr>
+          <p:cNvPr id="6" name="Text Box 5"/>
           <p:cNvSpPr txBox="1"/>
           <p:nvPr/>
         </p:nvSpPr>
         <p:spPr>
           <a:xfrm>
-            <a:off x="8044180" y="2440305"/>
-            <a:ext cx="1524000" cy="368300"/>
+            <a:off x="552450" y="455295"/>
+            <a:ext cx="5015865" cy="645160"/>
           </a:xfrm>
           <a:prstGeom prst="rect">
             <a:avLst/>
@@ -9901,23 +10062,94 @@
           </a:bodyPr>
           <a:p>
             <a:r>
-              <a:rPr lang="en-US"/>
-              <a:t>Original image</a:t>
-            </a:r>
-            <a:endParaRPr lang="en-US"/>
-          </a:p>
-        </p:txBody>
-      </p:sp>
-      <p:sp>
-        <p:nvSpPr>
-          <p:cNvPr id="21" name="Text Box 20"/>
+              <a:rPr lang="en-US" sz="3600">
+                <a:solidFill>
+                  <a:schemeClr val="bg1"/>
+                </a:solidFill>
+              </a:rPr>
+              <a:t>Crop dengan ukuran sama</a:t>
+            </a:r>
+            <a:endParaRPr lang="en-US" sz="3600">
+              <a:solidFill>
+                <a:schemeClr val="bg1"/>
+              </a:solidFill>
+            </a:endParaRPr>
+          </a:p>
+        </p:txBody>
+      </p:sp>
+    </p:spTree>
+  </p:cSld>
+  <p:clrMapOvr>
+    <a:masterClrMapping/>
+  </p:clrMapOvr>
+</p:sld>
+</file>
+
+<file path=ppt/slides/slide9.xml><?xml version="1.0" encoding="utf-8"?>
+<p:sld xmlns:a="http://schemas.openxmlformats.org/drawingml/2006/main" xmlns:r="http://schemas.openxmlformats.org/officeDocument/2006/relationships" xmlns:p="http://schemas.openxmlformats.org/presentationml/2006/main">
+  <p:cSld>
+    <p:spTree>
+      <p:nvGrpSpPr>
+        <p:cNvPr id="1" name=""/>
+        <p:cNvGrpSpPr/>
+        <p:nvPr/>
+      </p:nvGrpSpPr>
+      <p:grpSpPr/>
+      <p:sp>
+        <p:nvSpPr>
+          <p:cNvPr id="5" name="Rectangles 4"/>
+          <p:cNvSpPr/>
+          <p:nvPr/>
+        </p:nvSpPr>
+        <p:spPr>
+          <a:xfrm>
+            <a:off x="0" y="268605"/>
+            <a:ext cx="6688455" cy="1017905"/>
+          </a:xfrm>
+          <a:prstGeom prst="rect">
+            <a:avLst/>
+          </a:prstGeom>
+          <a:solidFill>
+            <a:srgbClr val="BC1142"/>
+          </a:solidFill>
+          <a:ln>
+            <a:noFill/>
+          </a:ln>
+        </p:spPr>
+        <p:style>
+          <a:lnRef idx="2">
+            <a:schemeClr val="accent1">
+              <a:shade val="50000"/>
+            </a:schemeClr>
+          </a:lnRef>
+          <a:fillRef idx="1">
+            <a:schemeClr val="accent1"/>
+          </a:fillRef>
+          <a:effectRef idx="0">
+            <a:schemeClr val="accent1"/>
+          </a:effectRef>
+          <a:fontRef idx="minor">
+            <a:schemeClr val="lt1"/>
+          </a:fontRef>
+        </p:style>
+        <p:txBody>
+          <a:bodyPr rtlCol="0" anchor="ctr"/>
+          <a:p>
+            <a:pPr algn="ctr"/>
+            <a:endParaRPr lang="en-US"/>
+          </a:p>
+        </p:txBody>
+      </p:sp>
+      <p:sp>
+        <p:nvSpPr>
+          <p:cNvPr id="6" name="Text Box 5"/>
           <p:cNvSpPr txBox="1"/>
           <p:nvPr/>
         </p:nvSpPr>
         <p:spPr>
           <a:xfrm>
-            <a:off x="10069830" y="2440305"/>
-            <a:ext cx="1491615" cy="368300"/>
+            <a:off x="552450" y="455295"/>
+            <a:ext cx="5015865" cy="645160"/>
           </a:xfrm>
           <a:prstGeom prst="rect">
             <a:avLst/>
@@ -9930,9 +10162,176 @@
           </a:bodyPr>
           <a:p>
             <a:r>
+              <a:rPr lang="en-US" sz="3600">
+                <a:solidFill>
+                  <a:schemeClr val="bg1"/>
+                </a:solidFill>
+              </a:rPr>
+              <a:t>Crop dengan ukuran sama</a:t>
+            </a:r>
+            <a:endParaRPr lang="en-US" sz="3600">
+              <a:solidFill>
+                <a:schemeClr val="bg1"/>
+              </a:solidFill>
+            </a:endParaRPr>
+          </a:p>
+        </p:txBody>
+      </p:sp>
+      <p:sp>
+        <p:nvSpPr>
+          <p:cNvPr id="3" name="Text Box 2"/>
+          <p:cNvSpPr txBox="1"/>
+          <p:nvPr/>
+        </p:nvSpPr>
+        <p:spPr>
+          <a:xfrm>
+            <a:off x="360045" y="1524000"/>
+            <a:ext cx="11080115" cy="6462395"/>
+          </a:xfrm>
+          <a:prstGeom prst="rect">
+            <a:avLst/>
+          </a:prstGeom>
+          <a:solidFill>
+            <a:schemeClr val="bg2">
+              <a:lumMod val="90000"/>
+            </a:schemeClr>
+          </a:solidFill>
+        </p:spPr>
+        <p:txBody>
+          <a:bodyPr wrap="square" rtlCol="0" anchor="t">
+            <a:spAutoFit/>
+          </a:bodyPr>
+          <a:p>
+            <a:r>
               <a:rPr lang="en-US"/>
-              <a:t>Resized image</a:t>
-            </a:r>
+              <a:t>h_crop = 200</a:t>
+            </a:r>
+            <a:endParaRPr lang="en-US"/>
+          </a:p>
+          <a:p>
+            <a:r>
+              <a:rPr lang="en-US"/>
+              <a:t>w_crop = 200</a:t>
+            </a:r>
+            <a:endParaRPr lang="en-US"/>
+          </a:p>
+          <a:p>
+            <a:endParaRPr lang="en-US"/>
+          </a:p>
+          <a:p>
+            <a:r>
+              <a:rPr lang="en-US"/>
+              <a:t>filenames = os.listdir("folder_1")</a:t>
+            </a:r>
+            <a:endParaRPr lang="en-US"/>
+          </a:p>
+          <a:p>
+            <a:endParaRPr lang="en-US"/>
+          </a:p>
+          <a:p>
+            <a:r>
+              <a:rPr lang="en-US"/>
+              <a:t>for name in filenames :</a:t>
+            </a:r>
+            <a:endParaRPr lang="en-US"/>
+          </a:p>
+          <a:p>
+            <a:r>
+              <a:rPr lang="en-US"/>
+              <a:t>    print(name)</a:t>
+            </a:r>
+            <a:endParaRPr lang="en-US"/>
+          </a:p>
+          <a:p>
+            <a:r>
+              <a:rPr lang="en-US"/>
+              <a:t>    img = cv2.imread("folder_1/" + name)</a:t>
+            </a:r>
+            <a:endParaRPr lang="en-US"/>
+          </a:p>
+          <a:p>
+            <a:r>
+              <a:rPr lang="en-US"/>
+              <a:t>    h, w, c = img.shape</a:t>
+            </a:r>
+            <a:endParaRPr lang="en-US"/>
+          </a:p>
+          <a:p>
+            <a:endParaRPr lang="en-US"/>
+          </a:p>
+          <a:p>
+            <a:r>
+              <a:rPr lang="en-US"/>
+              <a:t>    y_min = int((h - h_crop)/2)</a:t>
+            </a:r>
+            <a:endParaRPr lang="en-US"/>
+          </a:p>
+          <a:p>
+            <a:r>
+              <a:rPr lang="en-US"/>
+              <a:t>    y_max = y_min + h_crop</a:t>
+            </a:r>
+            <a:endParaRPr lang="en-US"/>
+          </a:p>
+          <a:p>
+            <a:r>
+              <a:rPr lang="en-US"/>
+              <a:t>    x_min = int((w - w_crop)/2)</a:t>
+            </a:r>
+            <a:endParaRPr lang="en-US"/>
+          </a:p>
+          <a:p>
+            <a:r>
+              <a:rPr lang="en-US"/>
+              <a:t>    x_max = x_min + w_crop</a:t>
+            </a:r>
+            <a:endParaRPr lang="en-US"/>
+          </a:p>
+          <a:p>
+            <a:r>
+              <a:rPr lang="en-US"/>
+              <a:t>    print(y_min, y_max, x_min, x_max)</a:t>
+            </a:r>
+            <a:endParaRPr lang="en-US"/>
+          </a:p>
+          <a:p>
+            <a:endParaRPr lang="en-US"/>
+          </a:p>
+          <a:p>
+            <a:r>
+              <a:rPr lang="en-US"/>
+              <a:t>    crop_img = crop(img, y_min, y_max, x_min, x_max) # crop 20% atas, bawah, kanan, kiri</a:t>
+            </a:r>
+            <a:endParaRPr lang="en-US"/>
+          </a:p>
+          <a:p>
+            <a:endParaRPr lang="en-US"/>
+          </a:p>
+          <a:p>
+            <a:r>
+              <a:rPr lang="en-US"/>
+              <a:t>    h, w, c = crop_img.shape</a:t>
+            </a:r>
+            <a:endParaRPr lang="en-US"/>
+          </a:p>
+          <a:p>
+            <a:r>
+              <a:rPr lang="en-US"/>
+              <a:t>    resize_img = resize(crop_img, size=(w*2, h*2)) # rescale 2x lebar dan tinggi</a:t>
+            </a:r>
+            <a:endParaRPr lang="en-US"/>
+          </a:p>
+          <a:p>
+            <a:endParaRPr lang="en-US"/>
+          </a:p>
+          <a:p>
+            <a:r>
+              <a:rPr lang="en-US"/>
+              <a:t>    show_image(resize_img, title= 'resized image : %s ' % name)</a:t>
+            </a:r>
+            <a:endParaRPr lang="en-US"/>
+          </a:p>
+          <a:p>
             <a:endParaRPr lang="en-US"/>
           </a:p>
         </p:txBody>

--- a/A. Raspberry Pi - Image Processing/#6 - Computer Vision Part 2 (Crop, Resize, Convert Color)/P6 - Computer Vision Part 2 (Crop, Resize, Convert Color).pptx
+++ b/A. Raspberry Pi - Image Processing/#6 - Computer Vision Part 2 (Crop, Resize, Convert Color)/P6 - Computer Vision Part 2 (Crop, Resize, Convert Color).pptx
@@ -6613,7 +6613,7 @@
         </p:nvGrpSpPr>
         <p:grpSpPr>
           <a:xfrm>
-            <a:off x="685800" y="1525905"/>
+            <a:off x="422910" y="1525905"/>
             <a:ext cx="9384030" cy="736600"/>
             <a:chOff x="1145" y="3199"/>
             <a:chExt cx="14778" cy="1160"/>
@@ -6711,7 +6711,7 @@
         </p:nvGrpSpPr>
         <p:grpSpPr>
           <a:xfrm>
-            <a:off x="688975" y="2808605"/>
+            <a:off x="426085" y="2808605"/>
             <a:ext cx="9142730" cy="736600"/>
             <a:chOff x="1145" y="3199"/>
             <a:chExt cx="14398" cy="1160"/>
@@ -6807,30 +6807,76 @@
           </p:txBody>
         </p:sp>
       </p:grpSp>
+      <p:sp>
+        <p:nvSpPr>
+          <p:cNvPr id="11" name="Text Box 10"/>
+          <p:cNvSpPr txBox="1"/>
+          <p:nvPr/>
+        </p:nvSpPr>
+        <p:spPr>
+          <a:xfrm>
+            <a:off x="426085" y="3665855"/>
+            <a:ext cx="9919970" cy="645160"/>
+          </a:xfrm>
+          <a:prstGeom prst="rect">
+            <a:avLst/>
+          </a:prstGeom>
+          <a:noFill/>
+        </p:spPr>
+        <p:txBody>
+          <a:bodyPr wrap="square" rtlCol="0" anchor="t">
+            <a:spAutoFit/>
+          </a:bodyPr>
+          <a:p>
+            <a:pPr marL="285750" indent="-285750">
+              <a:buFont typeface="Arial" panose="020B0604020202020204" pitchFamily="34" charset="0"/>
+              <a:buChar char="•"/>
+            </a:pPr>
+            <a:r>
+              <a:rPr lang="en-US"/>
+              <a:t>melakukan convert image dari BGR to GRAY </a:t>
+            </a:r>
+            <a:endParaRPr lang="en-US"/>
+          </a:p>
+          <a:p>
+            <a:pPr marL="285750" indent="-285750">
+              <a:buFont typeface="Arial" panose="020B0604020202020204" pitchFamily="34" charset="0"/>
+              <a:buChar char="•"/>
+            </a:pPr>
+            <a:r>
+              <a:rPr lang="en-US" b="1">
+                <a:sym typeface="+mn-ea"/>
+              </a:rPr>
+              <a:t>cv2.cvtColor(img, method)</a:t>
+            </a:r>
+            <a:endParaRPr lang="en-US" b="1"/>
+          </a:p>
+        </p:txBody>
+      </p:sp>
       <p:grpSp>
         <p:nvGrpSpPr>
-          <p:cNvPr id="6" name="Group 5"/>
+          <p:cNvPr id="3" name="Group 2"/>
           <p:cNvGrpSpPr/>
           <p:nvPr/>
         </p:nvGrpSpPr>
         <p:grpSpPr>
           <a:xfrm>
-            <a:off x="688975" y="4740275"/>
-            <a:ext cx="5503545" cy="736600"/>
-            <a:chOff x="1145" y="3199"/>
-            <a:chExt cx="8667" cy="1160"/>
+            <a:off x="6044565" y="1525905"/>
+            <a:ext cx="6056630" cy="3229610"/>
+            <a:chOff x="603" y="3199"/>
+            <a:chExt cx="9538" cy="5086"/>
           </a:xfrm>
         </p:grpSpPr>
         <p:sp>
           <p:nvSpPr>
-            <p:cNvPr id="7" name="Text Box 6"/>
+            <p:cNvPr id="5" name="Text Box 4"/>
             <p:cNvSpPr txBox="1"/>
             <p:nvPr/>
           </p:nvSpPr>
           <p:spPr>
             <a:xfrm>
-              <a:off x="1145" y="3779"/>
-              <a:ext cx="8363" cy="580"/>
+              <a:off x="603" y="3779"/>
+              <a:ext cx="9538" cy="4506"/>
             </a:xfrm>
             <a:prstGeom prst="rect">
               <a:avLst/>
@@ -6851,20 +6897,92 @@
                 <a:rPr lang="en-US">
                   <a:sym typeface="+mn-ea"/>
                 </a:rPr>
-                <a:t>show_image(gray_img</a:t>
-              </a:r>
-              <a:r>
-                <a:rPr lang="en-US">
-                  <a:sym typeface="+mn-ea"/>
-                </a:rPr>
-                <a:t>, title= 'gray image'</a:t>
-              </a:r>
-              <a:r>
-                <a:rPr lang="en-US">
-                  <a:sym typeface="+mn-ea"/>
-                </a:rPr>
-                <a:t>)</a:t>
-              </a:r>
+                <a:t>def show_image_gray(gray, title= 'my image', size=(10, 7)):</a:t>
+              </a:r>
+              <a:endParaRPr lang="en-US">
+                <a:sym typeface="+mn-ea"/>
+              </a:endParaRPr>
+            </a:p>
+            <a:p>
+              <a:pPr lvl="0"/>
+              <a:endParaRPr lang="en-US"/>
+            </a:p>
+            <a:p>
+              <a:pPr lvl="1"/>
+              <a:r>
+                <a:rPr lang="en-US">
+                  <a:sym typeface="+mn-ea"/>
+                </a:rPr>
+                <a:t>plt.figure(figsize=size)</a:t>
+              </a:r>
+              <a:endParaRPr lang="en-US">
+                <a:sym typeface="+mn-ea"/>
+              </a:endParaRPr>
+            </a:p>
+            <a:p>
+              <a:pPr lvl="1"/>
+              <a:r>
+                <a:rPr lang="en-US">
+                  <a:sym typeface="+mn-ea"/>
+                </a:rPr>
+                <a:t>plt.imshow(gray, cmap='gray')</a:t>
+              </a:r>
+              <a:endParaRPr lang="en-US">
+                <a:sym typeface="+mn-ea"/>
+              </a:endParaRPr>
+            </a:p>
+            <a:p>
+              <a:pPr lvl="1"/>
+              <a:r>
+                <a:rPr lang="en-US">
+                  <a:sym typeface="+mn-ea"/>
+                </a:rPr>
+                <a:t>plt.title(title)</a:t>
+              </a:r>
+              <a:endParaRPr lang="en-US"/>
+            </a:p>
+            <a:p>
+              <a:pPr lvl="1"/>
+              <a:r>
+                <a:rPr lang="en-US">
+                  <a:sym typeface="+mn-ea"/>
+                </a:rPr>
+                <a:t>plt.axis('off')</a:t>
+              </a:r>
+              <a:endParaRPr lang="en-US"/>
+            </a:p>
+            <a:p>
+              <a:pPr lvl="1"/>
+              <a:r>
+                <a:rPr lang="en-US">
+                  <a:sym typeface="+mn-ea"/>
+                </a:rPr>
+                <a:t>plt.show()</a:t>
+              </a:r>
+              <a:endParaRPr lang="en-US">
+                <a:sym typeface="+mn-ea"/>
+              </a:endParaRPr>
+            </a:p>
+            <a:p>
+              <a:pPr lvl="1"/>
+              <a:endParaRPr lang="en-US">
+                <a:sym typeface="+mn-ea"/>
+              </a:endParaRPr>
+            </a:p>
+            <a:p>
+              <a:pPr lvl="0"/>
+              <a:r>
+                <a:rPr lang="en-US">
+                  <a:sym typeface="+mn-ea"/>
+                </a:rPr>
+                <a:t>show_image_gray(gray_img , title= 'grayscale image')</a:t>
+              </a:r>
+              <a:endParaRPr lang="en-US">
+                <a:sym typeface="+mn-ea"/>
+              </a:endParaRPr>
+            </a:p>
+            <a:p>
+              <a:pPr lvl="0"/>
               <a:endParaRPr lang="en-US">
                 <a:sym typeface="+mn-ea"/>
               </a:endParaRPr>
@@ -6873,13 +6991,13 @@
         </p:sp>
         <p:sp>
           <p:nvSpPr>
-            <p:cNvPr id="8" name="Text Box 7"/>
+            <p:cNvPr id="9" name="Text Box 8"/>
             <p:cNvSpPr txBox="1"/>
             <p:nvPr/>
           </p:nvSpPr>
           <p:spPr>
             <a:xfrm>
-              <a:off x="1145" y="3199"/>
+              <a:off x="603" y="3199"/>
               <a:ext cx="8667" cy="580"/>
             </a:xfrm>
             <a:prstGeom prst="rect">
@@ -6918,52 +7036,6 @@
           </p:txBody>
         </p:sp>
       </p:grpSp>
-      <p:sp>
-        <p:nvSpPr>
-          <p:cNvPr id="11" name="Text Box 10"/>
-          <p:cNvSpPr txBox="1"/>
-          <p:nvPr/>
-        </p:nvSpPr>
-        <p:spPr>
-          <a:xfrm>
-            <a:off x="688975" y="3665855"/>
-            <a:ext cx="9919970" cy="645160"/>
-          </a:xfrm>
-          <a:prstGeom prst="rect">
-            <a:avLst/>
-          </a:prstGeom>
-          <a:noFill/>
-        </p:spPr>
-        <p:txBody>
-          <a:bodyPr wrap="square" rtlCol="0" anchor="t">
-            <a:spAutoFit/>
-          </a:bodyPr>
-          <a:p>
-            <a:pPr marL="285750" indent="-285750">
-              <a:buFont typeface="Arial" panose="020B0604020202020204" pitchFamily="34" charset="0"/>
-              <a:buChar char="•"/>
-            </a:pPr>
-            <a:r>
-              <a:rPr lang="en-US"/>
-              <a:t>melakukan convert image dari BGR to GRAY </a:t>
-            </a:r>
-            <a:endParaRPr lang="en-US"/>
-          </a:p>
-          <a:p>
-            <a:pPr marL="285750" indent="-285750">
-              <a:buFont typeface="Arial" panose="020B0604020202020204" pitchFamily="34" charset="0"/>
-              <a:buChar char="•"/>
-            </a:pPr>
-            <a:r>
-              <a:rPr lang="en-US" b="1">
-                <a:sym typeface="+mn-ea"/>
-              </a:rPr>
-              <a:t>cv2.cvtColor(img, method)</a:t>
-            </a:r>
-            <a:endParaRPr lang="en-US" b="1"/>
-          </a:p>
-        </p:txBody>
-      </p:sp>
     </p:spTree>
   </p:cSld>
   <p:clrMapOvr>
@@ -7148,7 +7220,7 @@
                 <a:rPr lang="en-US">
                   <a:sym typeface="+mn-ea"/>
                 </a:rPr>
-                <a:t>show_image(gray_img</a:t>
+                <a:t>show_image_gay(gray_img</a:t>
               </a:r>
               <a:r>
                 <a:rPr lang="en-US">
